--- a/Slides/Risk Management - Position Control.pptx
+++ b/Slides/Risk Management - Position Control.pptx
@@ -5,7 +5,7 @@
     <p:sldMasterId id="2147483648" r:id="rId1"/>
   </p:sldMasterIdLst>
   <p:notesMasterIdLst>
-    <p:notesMasterId r:id="rId11"/>
+    <p:notesMasterId r:id="rId12"/>
   </p:notesMasterIdLst>
   <p:sldIdLst>
     <p:sldId id="256" r:id="rId2"/>
@@ -14,9 +14,10 @@
     <p:sldId id="266" r:id="rId5"/>
     <p:sldId id="267" r:id="rId6"/>
     <p:sldId id="264" r:id="rId7"/>
-    <p:sldId id="260" r:id="rId8"/>
-    <p:sldId id="261" r:id="rId9"/>
+    <p:sldId id="261" r:id="rId8"/>
+    <p:sldId id="260" r:id="rId9"/>
     <p:sldId id="262" r:id="rId10"/>
+    <p:sldId id="268" r:id="rId11"/>
   </p:sldIdLst>
   <p:sldSz cx="12192000" cy="6858000"/>
   <p:notesSz cx="6858000" cy="9144000"/>
@@ -123,6 +124,3383 @@
 </p:presentation>
 </file>
 
+<file path=ppt/diagrams/colors1.xml><?xml version="1.0" encoding="utf-8"?>
+<dgm:colorsDef xmlns:dgm="http://schemas.openxmlformats.org/drawingml/2006/diagram" xmlns:a="http://schemas.openxmlformats.org/drawingml/2006/main" uniqueId="urn:microsoft.com/office/officeart/2005/8/colors/colorful1">
+  <dgm:title val=""/>
+  <dgm:desc val=""/>
+  <dgm:catLst>
+    <dgm:cat type="colorful" pri="10100"/>
+  </dgm:catLst>
+  <dgm:styleLbl name="node0">
+    <dgm:fillClrLst meth="repeat">
+      <a:schemeClr val="accent1"/>
+    </dgm:fillClrLst>
+    <dgm:linClrLst meth="repeat">
+      <a:schemeClr val="lt1"/>
+    </dgm:linClrLst>
+    <dgm:effectClrLst/>
+    <dgm:txLinClrLst/>
+    <dgm:txFillClrLst/>
+    <dgm:txEffectClrLst/>
+  </dgm:styleLbl>
+  <dgm:styleLbl name="node1">
+    <dgm:fillClrLst meth="repeat">
+      <a:schemeClr val="accent2"/>
+      <a:schemeClr val="accent3"/>
+      <a:schemeClr val="accent4"/>
+      <a:schemeClr val="accent5"/>
+      <a:schemeClr val="accent6"/>
+    </dgm:fillClrLst>
+    <dgm:linClrLst meth="repeat">
+      <a:schemeClr val="lt1"/>
+    </dgm:linClrLst>
+    <dgm:effectClrLst/>
+    <dgm:txLinClrLst/>
+    <dgm:txFillClrLst/>
+    <dgm:txEffectClrLst/>
+  </dgm:styleLbl>
+  <dgm:styleLbl name="alignNode1">
+    <dgm:fillClrLst meth="repeat">
+      <a:schemeClr val="accent2"/>
+      <a:schemeClr val="accent3"/>
+      <a:schemeClr val="accent4"/>
+      <a:schemeClr val="accent5"/>
+      <a:schemeClr val="accent6"/>
+    </dgm:fillClrLst>
+    <dgm:linClrLst meth="repeat">
+      <a:schemeClr val="accent2"/>
+      <a:schemeClr val="accent3"/>
+      <a:schemeClr val="accent4"/>
+      <a:schemeClr val="accent5"/>
+      <a:schemeClr val="accent6"/>
+    </dgm:linClrLst>
+    <dgm:effectClrLst/>
+    <dgm:txLinClrLst/>
+    <dgm:txFillClrLst/>
+    <dgm:txEffectClrLst/>
+  </dgm:styleLbl>
+  <dgm:styleLbl name="lnNode1">
+    <dgm:fillClrLst meth="repeat">
+      <a:schemeClr val="accent2"/>
+      <a:schemeClr val="accent3"/>
+      <a:schemeClr val="accent4"/>
+      <a:schemeClr val="accent5"/>
+      <a:schemeClr val="accent6"/>
+    </dgm:fillClrLst>
+    <dgm:linClrLst meth="repeat">
+      <a:schemeClr val="lt1"/>
+    </dgm:linClrLst>
+    <dgm:effectClrLst/>
+    <dgm:txLinClrLst/>
+    <dgm:txFillClrLst/>
+    <dgm:txEffectClrLst/>
+  </dgm:styleLbl>
+  <dgm:styleLbl name="vennNode1">
+    <dgm:fillClrLst meth="repeat">
+      <a:schemeClr val="accent2">
+        <a:alpha val="50000"/>
+      </a:schemeClr>
+      <a:schemeClr val="accent3">
+        <a:alpha val="50000"/>
+      </a:schemeClr>
+      <a:schemeClr val="accent4">
+        <a:alpha val="50000"/>
+      </a:schemeClr>
+      <a:schemeClr val="accent5">
+        <a:alpha val="50000"/>
+      </a:schemeClr>
+      <a:schemeClr val="accent6">
+        <a:alpha val="50000"/>
+      </a:schemeClr>
+    </dgm:fillClrLst>
+    <dgm:linClrLst meth="repeat">
+      <a:schemeClr val="lt1"/>
+    </dgm:linClrLst>
+    <dgm:effectClrLst/>
+    <dgm:txLinClrLst/>
+    <dgm:txFillClrLst/>
+    <dgm:txEffectClrLst/>
+  </dgm:styleLbl>
+  <dgm:styleLbl name="node2">
+    <dgm:fillClrLst>
+      <a:schemeClr val="accent2"/>
+    </dgm:fillClrLst>
+    <dgm:linClrLst meth="repeat">
+      <a:schemeClr val="lt1"/>
+    </dgm:linClrLst>
+    <dgm:effectClrLst/>
+    <dgm:txLinClrLst/>
+    <dgm:txFillClrLst/>
+    <dgm:txEffectClrLst/>
+  </dgm:styleLbl>
+  <dgm:styleLbl name="node3">
+    <dgm:fillClrLst>
+      <a:schemeClr val="accent3"/>
+    </dgm:fillClrLst>
+    <dgm:linClrLst meth="repeat">
+      <a:schemeClr val="lt1"/>
+    </dgm:linClrLst>
+    <dgm:effectClrLst/>
+    <dgm:txLinClrLst/>
+    <dgm:txFillClrLst/>
+    <dgm:txEffectClrLst/>
+  </dgm:styleLbl>
+  <dgm:styleLbl name="node4">
+    <dgm:fillClrLst>
+      <a:schemeClr val="accent4"/>
+    </dgm:fillClrLst>
+    <dgm:linClrLst meth="repeat">
+      <a:schemeClr val="lt1"/>
+    </dgm:linClrLst>
+    <dgm:effectClrLst/>
+    <dgm:txLinClrLst/>
+    <dgm:txFillClrLst/>
+    <dgm:txEffectClrLst/>
+  </dgm:styleLbl>
+  <dgm:styleLbl name="fgImgPlace1">
+    <dgm:fillClrLst meth="repeat">
+      <a:schemeClr val="accent2">
+        <a:tint val="50000"/>
+      </a:schemeClr>
+      <a:schemeClr val="accent3">
+        <a:tint val="50000"/>
+      </a:schemeClr>
+      <a:schemeClr val="accent4">
+        <a:tint val="50000"/>
+      </a:schemeClr>
+      <a:schemeClr val="accent5">
+        <a:tint val="50000"/>
+      </a:schemeClr>
+      <a:schemeClr val="accent6">
+        <a:tint val="50000"/>
+      </a:schemeClr>
+    </dgm:fillClrLst>
+    <dgm:linClrLst meth="repeat">
+      <a:schemeClr val="lt1"/>
+    </dgm:linClrLst>
+    <dgm:effectClrLst/>
+    <dgm:txLinClrLst/>
+    <dgm:txFillClrLst meth="repeat">
+      <a:schemeClr val="lt1"/>
+    </dgm:txFillClrLst>
+    <dgm:txEffectClrLst/>
+  </dgm:styleLbl>
+  <dgm:styleLbl name="alignImgPlace1">
+    <dgm:fillClrLst>
+      <a:schemeClr val="accent1">
+        <a:tint val="50000"/>
+      </a:schemeClr>
+      <a:schemeClr val="accent2">
+        <a:tint val="20000"/>
+      </a:schemeClr>
+    </dgm:fillClrLst>
+    <dgm:linClrLst meth="repeat">
+      <a:schemeClr val="lt1"/>
+    </dgm:linClrLst>
+    <dgm:effectClrLst/>
+    <dgm:txLinClrLst/>
+    <dgm:txFillClrLst meth="repeat">
+      <a:schemeClr val="lt1"/>
+    </dgm:txFillClrLst>
+    <dgm:txEffectClrLst/>
+  </dgm:styleLbl>
+  <dgm:styleLbl name="bgImgPlace1">
+    <dgm:fillClrLst>
+      <a:schemeClr val="accent1">
+        <a:tint val="50000"/>
+      </a:schemeClr>
+      <a:schemeClr val="accent2">
+        <a:tint val="20000"/>
+      </a:schemeClr>
+    </dgm:fillClrLst>
+    <dgm:linClrLst meth="repeat">
+      <a:schemeClr val="lt1"/>
+    </dgm:linClrLst>
+    <dgm:effectClrLst/>
+    <dgm:txLinClrLst/>
+    <dgm:txFillClrLst meth="repeat">
+      <a:schemeClr val="lt1"/>
+    </dgm:txFillClrLst>
+    <dgm:txEffectClrLst/>
+  </dgm:styleLbl>
+  <dgm:styleLbl name="sibTrans2D1">
+    <dgm:fillClrLst meth="repeat">
+      <a:schemeClr val="accent2"/>
+      <a:schemeClr val="accent3"/>
+      <a:schemeClr val="accent4"/>
+      <a:schemeClr val="accent5"/>
+      <a:schemeClr val="accent6"/>
+    </dgm:fillClrLst>
+    <dgm:linClrLst meth="cycle">
+      <a:schemeClr val="lt1"/>
+    </dgm:linClrLst>
+    <dgm:effectClrLst/>
+    <dgm:txLinClrLst/>
+    <dgm:txFillClrLst/>
+    <dgm:txEffectClrLst/>
+  </dgm:styleLbl>
+  <dgm:styleLbl name="fgSibTrans2D1">
+    <dgm:fillClrLst meth="repeat">
+      <a:schemeClr val="accent2"/>
+      <a:schemeClr val="accent3"/>
+      <a:schemeClr val="accent4"/>
+      <a:schemeClr val="accent5"/>
+      <a:schemeClr val="accent6"/>
+    </dgm:fillClrLst>
+    <dgm:linClrLst meth="cycle">
+      <a:schemeClr val="lt1"/>
+    </dgm:linClrLst>
+    <dgm:effectClrLst/>
+    <dgm:txLinClrLst/>
+    <dgm:txFillClrLst meth="repeat">
+      <a:schemeClr val="lt1"/>
+    </dgm:txFillClrLst>
+    <dgm:txEffectClrLst/>
+  </dgm:styleLbl>
+  <dgm:styleLbl name="bgSibTrans2D1">
+    <dgm:fillClrLst meth="repeat">
+      <a:schemeClr val="accent2"/>
+      <a:schemeClr val="accent3"/>
+      <a:schemeClr val="accent4"/>
+      <a:schemeClr val="accent5"/>
+      <a:schemeClr val="accent6"/>
+    </dgm:fillClrLst>
+    <dgm:linClrLst meth="cycle">
+      <a:schemeClr val="lt1"/>
+    </dgm:linClrLst>
+    <dgm:effectClrLst/>
+    <dgm:txLinClrLst/>
+    <dgm:txFillClrLst meth="repeat">
+      <a:schemeClr val="lt1"/>
+    </dgm:txFillClrLst>
+    <dgm:txEffectClrLst/>
+  </dgm:styleLbl>
+  <dgm:styleLbl name="sibTrans1D1">
+    <dgm:fillClrLst meth="repeat">
+      <a:schemeClr val="accent2"/>
+      <a:schemeClr val="accent3"/>
+      <a:schemeClr val="accent4"/>
+      <a:schemeClr val="accent5"/>
+      <a:schemeClr val="accent6"/>
+    </dgm:fillClrLst>
+    <dgm:linClrLst meth="repeat">
+      <a:schemeClr val="accent2"/>
+      <a:schemeClr val="accent3"/>
+      <a:schemeClr val="accent4"/>
+      <a:schemeClr val="accent5"/>
+      <a:schemeClr val="accent6"/>
+    </dgm:linClrLst>
+    <dgm:effectClrLst/>
+    <dgm:txLinClrLst/>
+    <dgm:txFillClrLst meth="repeat">
+      <a:schemeClr val="tx1"/>
+    </dgm:txFillClrLst>
+    <dgm:txEffectClrLst/>
+  </dgm:styleLbl>
+  <dgm:styleLbl name="callout">
+    <dgm:fillClrLst meth="repeat">
+      <a:schemeClr val="accent2"/>
+    </dgm:fillClrLst>
+    <dgm:linClrLst meth="repeat">
+      <a:schemeClr val="accent2">
+        <a:tint val="50000"/>
+      </a:schemeClr>
+    </dgm:linClrLst>
+    <dgm:effectClrLst/>
+    <dgm:txLinClrLst/>
+    <dgm:txFillClrLst meth="repeat">
+      <a:schemeClr val="tx1"/>
+    </dgm:txFillClrLst>
+    <dgm:txEffectClrLst/>
+  </dgm:styleLbl>
+  <dgm:styleLbl name="asst0">
+    <dgm:fillClrLst meth="repeat">
+      <a:schemeClr val="accent1"/>
+    </dgm:fillClrLst>
+    <dgm:linClrLst meth="repeat">
+      <a:schemeClr val="lt1"/>
+    </dgm:linClrLst>
+    <dgm:effectClrLst/>
+    <dgm:txLinClrLst/>
+    <dgm:txFillClrLst/>
+    <dgm:txEffectClrLst/>
+  </dgm:styleLbl>
+  <dgm:styleLbl name="asst1">
+    <dgm:fillClrLst meth="repeat">
+      <a:schemeClr val="accent2"/>
+    </dgm:fillClrLst>
+    <dgm:linClrLst meth="repeat">
+      <a:schemeClr val="lt1"/>
+    </dgm:linClrLst>
+    <dgm:effectClrLst/>
+    <dgm:txLinClrLst/>
+    <dgm:txFillClrLst/>
+    <dgm:txEffectClrLst/>
+  </dgm:styleLbl>
+  <dgm:styleLbl name="asst2">
+    <dgm:fillClrLst>
+      <a:schemeClr val="accent3"/>
+    </dgm:fillClrLst>
+    <dgm:linClrLst meth="repeat">
+      <a:schemeClr val="lt1"/>
+    </dgm:linClrLst>
+    <dgm:effectClrLst/>
+    <dgm:txLinClrLst/>
+    <dgm:txFillClrLst/>
+    <dgm:txEffectClrLst/>
+  </dgm:styleLbl>
+  <dgm:styleLbl name="asst3">
+    <dgm:fillClrLst>
+      <a:schemeClr val="accent4"/>
+    </dgm:fillClrLst>
+    <dgm:linClrLst meth="repeat">
+      <a:schemeClr val="lt1"/>
+    </dgm:linClrLst>
+    <dgm:effectClrLst/>
+    <dgm:txLinClrLst/>
+    <dgm:txFillClrLst/>
+    <dgm:txEffectClrLst/>
+  </dgm:styleLbl>
+  <dgm:styleLbl name="asst4">
+    <dgm:fillClrLst>
+      <a:schemeClr val="accent5"/>
+    </dgm:fillClrLst>
+    <dgm:linClrLst meth="repeat">
+      <a:schemeClr val="lt1"/>
+    </dgm:linClrLst>
+    <dgm:effectClrLst/>
+    <dgm:txLinClrLst/>
+    <dgm:txFillClrLst/>
+    <dgm:txEffectClrLst/>
+  </dgm:styleLbl>
+  <dgm:styleLbl name="parChTrans2D1">
+    <dgm:fillClrLst meth="repeat">
+      <a:schemeClr val="accent2"/>
+    </dgm:fillClrLst>
+    <dgm:linClrLst meth="repeat">
+      <a:schemeClr val="lt1"/>
+    </dgm:linClrLst>
+    <dgm:effectClrLst/>
+    <dgm:txLinClrLst/>
+    <dgm:txFillClrLst meth="repeat">
+      <a:schemeClr val="lt1"/>
+    </dgm:txFillClrLst>
+    <dgm:txEffectClrLst/>
+  </dgm:styleLbl>
+  <dgm:styleLbl name="parChTrans2D2">
+    <dgm:fillClrLst meth="repeat">
+      <a:schemeClr val="accent3"/>
+    </dgm:fillClrLst>
+    <dgm:linClrLst meth="repeat">
+      <a:schemeClr val="lt1"/>
+    </dgm:linClrLst>
+    <dgm:effectClrLst/>
+    <dgm:txLinClrLst/>
+    <dgm:txFillClrLst/>
+    <dgm:txEffectClrLst/>
+  </dgm:styleLbl>
+  <dgm:styleLbl name="parChTrans2D3">
+    <dgm:fillClrLst meth="repeat">
+      <a:schemeClr val="accent4"/>
+    </dgm:fillClrLst>
+    <dgm:linClrLst meth="repeat">
+      <a:schemeClr val="lt1"/>
+    </dgm:linClrLst>
+    <dgm:effectClrLst/>
+    <dgm:txLinClrLst/>
+    <dgm:txFillClrLst/>
+    <dgm:txEffectClrLst/>
+  </dgm:styleLbl>
+  <dgm:styleLbl name="parChTrans2D4">
+    <dgm:fillClrLst meth="repeat">
+      <a:schemeClr val="accent5"/>
+    </dgm:fillClrLst>
+    <dgm:linClrLst meth="repeat">
+      <a:schemeClr val="lt1"/>
+    </dgm:linClrLst>
+    <dgm:effectClrLst/>
+    <dgm:txLinClrLst/>
+    <dgm:txFillClrLst meth="repeat">
+      <a:schemeClr val="lt1"/>
+    </dgm:txFillClrLst>
+    <dgm:txEffectClrLst/>
+  </dgm:styleLbl>
+  <dgm:styleLbl name="parChTrans1D1">
+    <dgm:fillClrLst meth="repeat">
+      <a:schemeClr val="accent2"/>
+    </dgm:fillClrLst>
+    <dgm:linClrLst meth="repeat">
+      <a:schemeClr val="accent1"/>
+    </dgm:linClrLst>
+    <dgm:effectClrLst/>
+    <dgm:txLinClrLst/>
+    <dgm:txFillClrLst meth="repeat">
+      <a:schemeClr val="tx1"/>
+    </dgm:txFillClrLst>
+    <dgm:txEffectClrLst/>
+  </dgm:styleLbl>
+  <dgm:styleLbl name="parChTrans1D2">
+    <dgm:fillClrLst meth="repeat">
+      <a:schemeClr val="accent3">
+        <a:tint val="90000"/>
+      </a:schemeClr>
+    </dgm:fillClrLst>
+    <dgm:linClrLst meth="repeat">
+      <a:schemeClr val="accent2"/>
+    </dgm:linClrLst>
+    <dgm:effectClrLst/>
+    <dgm:txLinClrLst/>
+    <dgm:txFillClrLst meth="repeat">
+      <a:schemeClr val="tx1"/>
+    </dgm:txFillClrLst>
+    <dgm:txEffectClrLst/>
+  </dgm:styleLbl>
+  <dgm:styleLbl name="parChTrans1D3">
+    <dgm:fillClrLst meth="repeat">
+      <a:schemeClr val="accent4">
+        <a:tint val="70000"/>
+      </a:schemeClr>
+    </dgm:fillClrLst>
+    <dgm:linClrLst meth="repeat">
+      <a:schemeClr val="accent3"/>
+    </dgm:linClrLst>
+    <dgm:effectClrLst/>
+    <dgm:txLinClrLst/>
+    <dgm:txFillClrLst meth="repeat">
+      <a:schemeClr val="tx1"/>
+    </dgm:txFillClrLst>
+    <dgm:txEffectClrLst/>
+  </dgm:styleLbl>
+  <dgm:styleLbl name="parChTrans1D4">
+    <dgm:fillClrLst meth="repeat">
+      <a:schemeClr val="accent5">
+        <a:tint val="50000"/>
+      </a:schemeClr>
+    </dgm:fillClrLst>
+    <dgm:linClrLst meth="repeat">
+      <a:schemeClr val="accent4"/>
+    </dgm:linClrLst>
+    <dgm:effectClrLst/>
+    <dgm:txLinClrLst/>
+    <dgm:txFillClrLst meth="repeat">
+      <a:schemeClr val="tx1"/>
+    </dgm:txFillClrLst>
+    <dgm:txEffectClrLst/>
+  </dgm:styleLbl>
+  <dgm:styleLbl name="fgAcc1">
+    <dgm:fillClrLst meth="repeat">
+      <a:schemeClr val="lt1">
+        <a:alpha val="90000"/>
+      </a:schemeClr>
+    </dgm:fillClrLst>
+    <dgm:linClrLst meth="repeat">
+      <a:schemeClr val="accent2"/>
+      <a:schemeClr val="accent3"/>
+      <a:schemeClr val="accent4"/>
+      <a:schemeClr val="accent5"/>
+      <a:schemeClr val="accent6"/>
+    </dgm:linClrLst>
+    <dgm:effectClrLst/>
+    <dgm:txLinClrLst/>
+    <dgm:txFillClrLst meth="repeat">
+      <a:schemeClr val="dk1"/>
+    </dgm:txFillClrLst>
+    <dgm:txEffectClrLst/>
+  </dgm:styleLbl>
+  <dgm:styleLbl name="conFgAcc1">
+    <dgm:fillClrLst meth="repeat">
+      <a:schemeClr val="lt1">
+        <a:alpha val="90000"/>
+      </a:schemeClr>
+    </dgm:fillClrLst>
+    <dgm:linClrLst meth="repeat">
+      <a:schemeClr val="accent2"/>
+      <a:schemeClr val="accent3"/>
+      <a:schemeClr val="accent4"/>
+      <a:schemeClr val="accent5"/>
+      <a:schemeClr val="accent6"/>
+    </dgm:linClrLst>
+    <dgm:effectClrLst/>
+    <dgm:txLinClrLst/>
+    <dgm:txFillClrLst meth="repeat">
+      <a:schemeClr val="dk1"/>
+    </dgm:txFillClrLst>
+    <dgm:txEffectClrLst/>
+  </dgm:styleLbl>
+  <dgm:styleLbl name="alignAcc1">
+    <dgm:fillClrLst meth="repeat">
+      <a:schemeClr val="lt1">
+        <a:alpha val="90000"/>
+      </a:schemeClr>
+    </dgm:fillClrLst>
+    <dgm:linClrLst meth="repeat">
+      <a:schemeClr val="accent2"/>
+      <a:schemeClr val="accent3"/>
+      <a:schemeClr val="accent4"/>
+      <a:schemeClr val="accent5"/>
+      <a:schemeClr val="accent6"/>
+    </dgm:linClrLst>
+    <dgm:effectClrLst/>
+    <dgm:txLinClrLst/>
+    <dgm:txFillClrLst meth="repeat">
+      <a:schemeClr val="dk1"/>
+    </dgm:txFillClrLst>
+    <dgm:txEffectClrLst/>
+  </dgm:styleLbl>
+  <dgm:styleLbl name="trAlignAcc1">
+    <dgm:fillClrLst meth="repeat">
+      <a:schemeClr val="lt1">
+        <a:alpha val="40000"/>
+      </a:schemeClr>
+    </dgm:fillClrLst>
+    <dgm:linClrLst meth="repeat">
+      <a:schemeClr val="accent1"/>
+    </dgm:linClrLst>
+    <dgm:effectClrLst/>
+    <dgm:txLinClrLst/>
+    <dgm:txFillClrLst meth="repeat">
+      <a:schemeClr val="dk1"/>
+    </dgm:txFillClrLst>
+    <dgm:txEffectClrLst/>
+  </dgm:styleLbl>
+  <dgm:styleLbl name="bgAcc1">
+    <dgm:fillClrLst meth="repeat">
+      <a:schemeClr val="lt1">
+        <a:alpha val="90000"/>
+      </a:schemeClr>
+    </dgm:fillClrLst>
+    <dgm:linClrLst meth="repeat">
+      <a:schemeClr val="accent2"/>
+      <a:schemeClr val="accent3"/>
+      <a:schemeClr val="accent4"/>
+      <a:schemeClr val="accent5"/>
+      <a:schemeClr val="accent6"/>
+    </dgm:linClrLst>
+    <dgm:effectClrLst/>
+    <dgm:txLinClrLst/>
+    <dgm:txFillClrLst meth="repeat">
+      <a:schemeClr val="dk1"/>
+    </dgm:txFillClrLst>
+    <dgm:txEffectClrLst/>
+  </dgm:styleLbl>
+  <dgm:styleLbl name="solidFgAcc1">
+    <dgm:fillClrLst meth="repeat">
+      <a:schemeClr val="lt1"/>
+    </dgm:fillClrLst>
+    <dgm:linClrLst meth="repeat">
+      <a:schemeClr val="accent2"/>
+      <a:schemeClr val="accent3"/>
+      <a:schemeClr val="accent4"/>
+      <a:schemeClr val="accent5"/>
+      <a:schemeClr val="accent6"/>
+    </dgm:linClrLst>
+    <dgm:effectClrLst/>
+    <dgm:txLinClrLst/>
+    <dgm:txFillClrLst meth="repeat">
+      <a:schemeClr val="dk1"/>
+    </dgm:txFillClrLst>
+    <dgm:txEffectClrLst/>
+  </dgm:styleLbl>
+  <dgm:styleLbl name="solidAlignAcc1">
+    <dgm:fillClrLst meth="repeat">
+      <a:schemeClr val="lt1"/>
+    </dgm:fillClrLst>
+    <dgm:linClrLst meth="repeat">
+      <a:schemeClr val="accent2"/>
+      <a:schemeClr val="accent3"/>
+      <a:schemeClr val="accent4"/>
+      <a:schemeClr val="accent5"/>
+      <a:schemeClr val="accent6"/>
+    </dgm:linClrLst>
+    <dgm:effectClrLst/>
+    <dgm:txLinClrLst/>
+    <dgm:txFillClrLst meth="repeat">
+      <a:schemeClr val="dk1"/>
+    </dgm:txFillClrLst>
+    <dgm:txEffectClrLst/>
+  </dgm:styleLbl>
+  <dgm:styleLbl name="solidBgAcc1">
+    <dgm:fillClrLst meth="repeat">
+      <a:schemeClr val="lt1"/>
+    </dgm:fillClrLst>
+    <dgm:linClrLst meth="repeat">
+      <a:schemeClr val="accent2"/>
+      <a:schemeClr val="accent3"/>
+      <a:schemeClr val="accent4"/>
+      <a:schemeClr val="accent5"/>
+      <a:schemeClr val="accent6"/>
+    </dgm:linClrLst>
+    <dgm:effectClrLst/>
+    <dgm:txLinClrLst/>
+    <dgm:txFillClrLst meth="repeat">
+      <a:schemeClr val="dk1"/>
+    </dgm:txFillClrLst>
+    <dgm:txEffectClrLst/>
+  </dgm:styleLbl>
+  <dgm:styleLbl name="fgAccFollowNode1">
+    <dgm:fillClrLst meth="repeat">
+      <a:schemeClr val="accent2">
+        <a:tint val="40000"/>
+        <a:alpha val="90000"/>
+      </a:schemeClr>
+      <a:schemeClr val="accent3">
+        <a:tint val="40000"/>
+        <a:alpha val="90000"/>
+      </a:schemeClr>
+      <a:schemeClr val="accent4">
+        <a:tint val="40000"/>
+        <a:alpha val="90000"/>
+      </a:schemeClr>
+      <a:schemeClr val="accent5">
+        <a:tint val="40000"/>
+        <a:alpha val="90000"/>
+      </a:schemeClr>
+      <a:schemeClr val="accent6">
+        <a:tint val="40000"/>
+        <a:alpha val="90000"/>
+      </a:schemeClr>
+    </dgm:fillClrLst>
+    <dgm:linClrLst meth="repeat">
+      <a:schemeClr val="accent2">
+        <a:tint val="40000"/>
+        <a:alpha val="90000"/>
+      </a:schemeClr>
+      <a:schemeClr val="accent3">
+        <a:tint val="40000"/>
+        <a:alpha val="90000"/>
+      </a:schemeClr>
+      <a:schemeClr val="accent4">
+        <a:tint val="40000"/>
+        <a:alpha val="90000"/>
+      </a:schemeClr>
+      <a:schemeClr val="accent5">
+        <a:tint val="40000"/>
+        <a:alpha val="90000"/>
+      </a:schemeClr>
+      <a:schemeClr val="accent6">
+        <a:tint val="40000"/>
+        <a:alpha val="90000"/>
+      </a:schemeClr>
+    </dgm:linClrLst>
+    <dgm:effectClrLst/>
+    <dgm:txLinClrLst/>
+    <dgm:txFillClrLst meth="repeat">
+      <a:schemeClr val="dk1"/>
+    </dgm:txFillClrLst>
+    <dgm:txEffectClrLst/>
+  </dgm:styleLbl>
+  <dgm:styleLbl name="alignAccFollowNode1">
+    <dgm:fillClrLst meth="repeat">
+      <a:schemeClr val="accent2">
+        <a:tint val="40000"/>
+        <a:alpha val="90000"/>
+      </a:schemeClr>
+      <a:schemeClr val="accent3">
+        <a:tint val="40000"/>
+        <a:alpha val="90000"/>
+      </a:schemeClr>
+      <a:schemeClr val="accent4">
+        <a:tint val="40000"/>
+        <a:alpha val="90000"/>
+      </a:schemeClr>
+      <a:schemeClr val="accent5">
+        <a:tint val="40000"/>
+        <a:alpha val="90000"/>
+      </a:schemeClr>
+      <a:schemeClr val="accent6">
+        <a:tint val="40000"/>
+        <a:alpha val="90000"/>
+      </a:schemeClr>
+    </dgm:fillClrLst>
+    <dgm:linClrLst meth="repeat">
+      <a:schemeClr val="accent2">
+        <a:tint val="40000"/>
+        <a:alpha val="90000"/>
+      </a:schemeClr>
+      <a:schemeClr val="accent3">
+        <a:tint val="40000"/>
+        <a:alpha val="90000"/>
+      </a:schemeClr>
+      <a:schemeClr val="accent4">
+        <a:tint val="40000"/>
+        <a:alpha val="90000"/>
+      </a:schemeClr>
+      <a:schemeClr val="accent5">
+        <a:tint val="40000"/>
+        <a:alpha val="90000"/>
+      </a:schemeClr>
+      <a:schemeClr val="accent6">
+        <a:tint val="40000"/>
+        <a:alpha val="90000"/>
+      </a:schemeClr>
+    </dgm:linClrLst>
+    <dgm:effectClrLst/>
+    <dgm:txLinClrLst/>
+    <dgm:txFillClrLst meth="repeat">
+      <a:schemeClr val="dk1"/>
+    </dgm:txFillClrLst>
+    <dgm:txEffectClrLst/>
+  </dgm:styleLbl>
+  <dgm:styleLbl name="bgAccFollowNode1">
+    <dgm:fillClrLst meth="repeat">
+      <a:schemeClr val="accent2">
+        <a:tint val="40000"/>
+        <a:alpha val="90000"/>
+      </a:schemeClr>
+      <a:schemeClr val="accent3">
+        <a:tint val="40000"/>
+        <a:alpha val="90000"/>
+      </a:schemeClr>
+      <a:schemeClr val="accent4">
+        <a:tint val="40000"/>
+        <a:alpha val="90000"/>
+      </a:schemeClr>
+      <a:schemeClr val="accent5">
+        <a:tint val="40000"/>
+        <a:alpha val="90000"/>
+      </a:schemeClr>
+      <a:schemeClr val="accent6">
+        <a:tint val="40000"/>
+        <a:alpha val="90000"/>
+      </a:schemeClr>
+    </dgm:fillClrLst>
+    <dgm:linClrLst meth="repeat">
+      <a:schemeClr val="accent2">
+        <a:tint val="40000"/>
+        <a:alpha val="90000"/>
+      </a:schemeClr>
+      <a:schemeClr val="accent3">
+        <a:tint val="40000"/>
+        <a:alpha val="90000"/>
+      </a:schemeClr>
+      <a:schemeClr val="accent4">
+        <a:tint val="40000"/>
+        <a:alpha val="90000"/>
+      </a:schemeClr>
+      <a:schemeClr val="accent5">
+        <a:tint val="40000"/>
+        <a:alpha val="90000"/>
+      </a:schemeClr>
+      <a:schemeClr val="accent6">
+        <a:tint val="40000"/>
+        <a:alpha val="90000"/>
+      </a:schemeClr>
+    </dgm:linClrLst>
+    <dgm:effectClrLst/>
+    <dgm:txLinClrLst/>
+    <dgm:txFillClrLst meth="repeat">
+      <a:schemeClr val="dk1"/>
+    </dgm:txFillClrLst>
+    <dgm:txEffectClrLst/>
+  </dgm:styleLbl>
+  <dgm:styleLbl name="fgAcc0">
+    <dgm:fillClrLst meth="repeat">
+      <a:schemeClr val="lt1">
+        <a:alpha val="90000"/>
+      </a:schemeClr>
+    </dgm:fillClrLst>
+    <dgm:linClrLst>
+      <a:schemeClr val="accent1"/>
+    </dgm:linClrLst>
+    <dgm:effectClrLst/>
+    <dgm:txLinClrLst/>
+    <dgm:txFillClrLst meth="repeat">
+      <a:schemeClr val="dk1"/>
+    </dgm:txFillClrLst>
+    <dgm:txEffectClrLst/>
+  </dgm:styleLbl>
+  <dgm:styleLbl name="fgAcc2">
+    <dgm:fillClrLst meth="repeat">
+      <a:schemeClr val="lt1">
+        <a:alpha val="90000"/>
+      </a:schemeClr>
+    </dgm:fillClrLst>
+    <dgm:linClrLst>
+      <a:schemeClr val="accent2"/>
+    </dgm:linClrLst>
+    <dgm:effectClrLst/>
+    <dgm:txLinClrLst/>
+    <dgm:txFillClrLst meth="repeat">
+      <a:schemeClr val="dk1"/>
+    </dgm:txFillClrLst>
+    <dgm:txEffectClrLst/>
+  </dgm:styleLbl>
+  <dgm:styleLbl name="fgAcc3">
+    <dgm:fillClrLst meth="repeat">
+      <a:schemeClr val="lt1">
+        <a:alpha val="90000"/>
+      </a:schemeClr>
+    </dgm:fillClrLst>
+    <dgm:linClrLst>
+      <a:schemeClr val="accent3"/>
+    </dgm:linClrLst>
+    <dgm:effectClrLst/>
+    <dgm:txLinClrLst/>
+    <dgm:txFillClrLst meth="repeat">
+      <a:schemeClr val="dk1"/>
+    </dgm:txFillClrLst>
+    <dgm:txEffectClrLst/>
+  </dgm:styleLbl>
+  <dgm:styleLbl name="fgAcc4">
+    <dgm:fillClrLst meth="repeat">
+      <a:schemeClr val="lt1">
+        <a:alpha val="90000"/>
+      </a:schemeClr>
+    </dgm:fillClrLst>
+    <dgm:linClrLst>
+      <a:schemeClr val="accent4"/>
+    </dgm:linClrLst>
+    <dgm:effectClrLst/>
+    <dgm:txLinClrLst/>
+    <dgm:txFillClrLst meth="repeat">
+      <a:schemeClr val="dk1"/>
+    </dgm:txFillClrLst>
+    <dgm:txEffectClrLst/>
+  </dgm:styleLbl>
+  <dgm:styleLbl name="bgShp">
+    <dgm:fillClrLst meth="repeat">
+      <a:schemeClr val="accent2">
+        <a:tint val="40000"/>
+      </a:schemeClr>
+    </dgm:fillClrLst>
+    <dgm:linClrLst meth="repeat">
+      <a:schemeClr val="dk1"/>
+    </dgm:linClrLst>
+    <dgm:effectClrLst/>
+    <dgm:txLinClrLst/>
+    <dgm:txFillClrLst meth="repeat">
+      <a:schemeClr val="dk1"/>
+    </dgm:txFillClrLst>
+    <dgm:txEffectClrLst/>
+  </dgm:styleLbl>
+  <dgm:styleLbl name="dkBgShp">
+    <dgm:fillClrLst meth="repeat">
+      <a:schemeClr val="accent2">
+        <a:shade val="90000"/>
+      </a:schemeClr>
+    </dgm:fillClrLst>
+    <dgm:linClrLst meth="repeat">
+      <a:schemeClr val="dk1"/>
+    </dgm:linClrLst>
+    <dgm:effectClrLst/>
+    <dgm:txLinClrLst/>
+    <dgm:txFillClrLst meth="repeat">
+      <a:schemeClr val="lt1"/>
+    </dgm:txFillClrLst>
+    <dgm:txEffectClrLst/>
+  </dgm:styleLbl>
+  <dgm:styleLbl name="trBgShp">
+    <dgm:fillClrLst meth="repeat">
+      <a:schemeClr val="accent1">
+        <a:tint val="50000"/>
+        <a:alpha val="40000"/>
+      </a:schemeClr>
+    </dgm:fillClrLst>
+    <dgm:linClrLst meth="repeat">
+      <a:schemeClr val="accent2"/>
+    </dgm:linClrLst>
+    <dgm:effectClrLst/>
+    <dgm:txLinClrLst/>
+    <dgm:txFillClrLst meth="repeat">
+      <a:schemeClr val="lt1"/>
+    </dgm:txFillClrLst>
+    <dgm:txEffectClrLst/>
+  </dgm:styleLbl>
+  <dgm:styleLbl name="fgShp">
+    <dgm:fillClrLst meth="repeat">
+      <a:schemeClr val="accent2">
+        <a:tint val="40000"/>
+      </a:schemeClr>
+    </dgm:fillClrLst>
+    <dgm:linClrLst meth="repeat">
+      <a:schemeClr val="lt1"/>
+    </dgm:linClrLst>
+    <dgm:effectClrLst/>
+    <dgm:txLinClrLst/>
+    <dgm:txFillClrLst meth="repeat">
+      <a:schemeClr val="dk1"/>
+    </dgm:txFillClrLst>
+    <dgm:txEffectClrLst/>
+  </dgm:styleLbl>
+  <dgm:styleLbl name="revTx">
+    <dgm:fillClrLst meth="repeat">
+      <a:schemeClr val="lt1">
+        <a:alpha val="0"/>
+      </a:schemeClr>
+    </dgm:fillClrLst>
+    <dgm:linClrLst meth="repeat">
+      <a:schemeClr val="dk1">
+        <a:alpha val="0"/>
+      </a:schemeClr>
+    </dgm:linClrLst>
+    <dgm:effectClrLst/>
+    <dgm:txLinClrLst/>
+    <dgm:txFillClrLst meth="repeat">
+      <a:schemeClr val="tx1"/>
+    </dgm:txFillClrLst>
+    <dgm:txEffectClrLst/>
+  </dgm:styleLbl>
+</dgm:colorsDef>
+</file>
+
+<file path=ppt/diagrams/data1.xml><?xml version="1.0" encoding="utf-8"?>
+<dgm:dataModel xmlns:dgm="http://schemas.openxmlformats.org/drawingml/2006/diagram" xmlns:a="http://schemas.openxmlformats.org/drawingml/2006/main">
+  <dgm:ptLst>
+    <dgm:pt modelId="{CFCCBE4A-A851-46B2-9332-E4FB40365213}" type="doc">
+      <dgm:prSet loTypeId="urn:microsoft.com/office/officeart/2005/8/layout/default" loCatId="list" qsTypeId="urn:microsoft.com/office/officeart/2005/8/quickstyle/simple1" qsCatId="simple" csTypeId="urn:microsoft.com/office/officeart/2005/8/colors/colorful1" csCatId="colorful" phldr="1"/>
+      <dgm:spPr/>
+      <dgm:t>
+        <a:bodyPr/>
+        <a:lstStyle/>
+        <a:p>
+          <a:endParaRPr lang="en-US"/>
+        </a:p>
+      </dgm:t>
+    </dgm:pt>
+    <dgm:pt modelId="{491578F1-8A6A-4DB0-943C-09AD2CD5AC9D}">
+      <dgm:prSet/>
+      <dgm:spPr/>
+      <dgm:t>
+        <a:bodyPr/>
+        <a:lstStyle/>
+        <a:p>
+          <a:r>
+            <a:rPr lang="en-US" baseline="0" dirty="0">
+              <a:solidFill>
+                <a:schemeClr val="bg1">
+                  <a:lumMod val="95000"/>
+                </a:schemeClr>
+              </a:solidFill>
+              <a:latin typeface="Smiley Sans Oblique" pitchFamily="2" charset="-122"/>
+              <a:ea typeface="Smiley Sans Oblique" pitchFamily="2" charset="-122"/>
+            </a:rPr>
+            <a:t>Reward/Risk ratio </a:t>
+          </a:r>
+          <a:r>
+            <a:rPr lang="en-US" baseline="0" dirty="0" err="1">
+              <a:solidFill>
+                <a:schemeClr val="bg1">
+                  <a:lumMod val="95000"/>
+                </a:schemeClr>
+              </a:solidFill>
+              <a:latin typeface="Smiley Sans Oblique" pitchFamily="2" charset="-122"/>
+              <a:ea typeface="Smiley Sans Oblique" pitchFamily="2" charset="-122"/>
+            </a:rPr>
+            <a:t>回报风险比</a:t>
+          </a:r>
+          <a:r>
+            <a:rPr lang="en-US" baseline="0" dirty="0">
+              <a:solidFill>
+                <a:schemeClr val="bg1">
+                  <a:lumMod val="95000"/>
+                </a:schemeClr>
+              </a:solidFill>
+              <a:latin typeface="Smiley Sans Oblique" pitchFamily="2" charset="-122"/>
+              <a:ea typeface="Smiley Sans Oblique" pitchFamily="2" charset="-122"/>
+            </a:rPr>
+            <a:t> &lt;RR&gt;</a:t>
+          </a:r>
+          <a:endParaRPr lang="en-US" dirty="0">
+            <a:solidFill>
+              <a:schemeClr val="bg1">
+                <a:lumMod val="95000"/>
+              </a:schemeClr>
+            </a:solidFill>
+            <a:latin typeface="Smiley Sans Oblique" pitchFamily="2" charset="-122"/>
+            <a:ea typeface="Smiley Sans Oblique" pitchFamily="2" charset="-122"/>
+          </a:endParaRPr>
+        </a:p>
+      </dgm:t>
+    </dgm:pt>
+    <dgm:pt modelId="{21710394-B2CE-46C7-B9A8-555AFEE1B33B}" type="parTrans" cxnId="{45A781AD-A588-4863-9FD4-F28381F82AA4}">
+      <dgm:prSet/>
+      <dgm:spPr/>
+      <dgm:t>
+        <a:bodyPr/>
+        <a:lstStyle/>
+        <a:p>
+          <a:endParaRPr lang="en-US"/>
+        </a:p>
+      </dgm:t>
+    </dgm:pt>
+    <dgm:pt modelId="{A1EE6386-96DE-4008-83C2-F0C0E5D1B3E1}" type="sibTrans" cxnId="{45A781AD-A588-4863-9FD4-F28381F82AA4}">
+      <dgm:prSet/>
+      <dgm:spPr/>
+      <dgm:t>
+        <a:bodyPr/>
+        <a:lstStyle/>
+        <a:p>
+          <a:endParaRPr lang="en-US"/>
+        </a:p>
+      </dgm:t>
+    </dgm:pt>
+    <dgm:pt modelId="{82EB6123-46C8-43CA-BB03-9728374CB48D}">
+      <dgm:prSet/>
+      <dgm:spPr/>
+      <dgm:t>
+        <a:bodyPr/>
+        <a:lstStyle/>
+        <a:p>
+          <a:r>
+            <a:rPr lang="en-US" baseline="0" dirty="0">
+              <a:solidFill>
+                <a:schemeClr val="bg1">
+                  <a:lumMod val="95000"/>
+                </a:schemeClr>
+              </a:solidFill>
+              <a:latin typeface="Smiley Sans Oblique" pitchFamily="2" charset="-122"/>
+              <a:ea typeface="Smiley Sans Oblique" pitchFamily="2" charset="-122"/>
+            </a:rPr>
+            <a:t>Win Rate </a:t>
+          </a:r>
+          <a:r>
+            <a:rPr lang="en-US" baseline="0" dirty="0" err="1">
+              <a:solidFill>
+                <a:schemeClr val="bg1">
+                  <a:lumMod val="95000"/>
+                </a:schemeClr>
+              </a:solidFill>
+              <a:latin typeface="Smiley Sans Oblique" pitchFamily="2" charset="-122"/>
+              <a:ea typeface="Smiley Sans Oblique" pitchFamily="2" charset="-122"/>
+            </a:rPr>
+            <a:t>胜率</a:t>
+          </a:r>
+          <a:r>
+            <a:rPr lang="zh-CN" baseline="0" dirty="0">
+              <a:solidFill>
+                <a:schemeClr val="bg1">
+                  <a:lumMod val="95000"/>
+                </a:schemeClr>
+              </a:solidFill>
+              <a:latin typeface="Smiley Sans Oblique" pitchFamily="2" charset="-122"/>
+              <a:ea typeface="Smiley Sans Oblique" pitchFamily="2" charset="-122"/>
+            </a:rPr>
+            <a:t> </a:t>
+          </a:r>
+          <a:r>
+            <a:rPr lang="en-US" baseline="0" dirty="0">
+              <a:solidFill>
+                <a:schemeClr val="bg1">
+                  <a:lumMod val="95000"/>
+                </a:schemeClr>
+              </a:solidFill>
+              <a:latin typeface="Smiley Sans Oblique" pitchFamily="2" charset="-122"/>
+              <a:ea typeface="Smiley Sans Oblique" pitchFamily="2" charset="-122"/>
+            </a:rPr>
+            <a:t>&lt;</a:t>
+          </a:r>
+          <a:r>
+            <a:rPr lang="en-US" baseline="0" dirty="0" err="1">
+              <a:solidFill>
+                <a:schemeClr val="bg1">
+                  <a:lumMod val="95000"/>
+                </a:schemeClr>
+              </a:solidFill>
+              <a:latin typeface="Smiley Sans Oblique" pitchFamily="2" charset="-122"/>
+              <a:ea typeface="Smiley Sans Oblique" pitchFamily="2" charset="-122"/>
+            </a:rPr>
+            <a:t>P</a:t>
+          </a:r>
+          <a:r>
+            <a:rPr lang="en-US" baseline="-25000" dirty="0" err="1">
+              <a:solidFill>
+                <a:schemeClr val="bg1">
+                  <a:lumMod val="95000"/>
+                </a:schemeClr>
+              </a:solidFill>
+              <a:latin typeface="Smiley Sans Oblique" pitchFamily="2" charset="-122"/>
+              <a:ea typeface="Smiley Sans Oblique" pitchFamily="2" charset="-122"/>
+            </a:rPr>
+            <a:t>win</a:t>
+          </a:r>
+          <a:r>
+            <a:rPr lang="en-US" baseline="0" dirty="0">
+              <a:solidFill>
+                <a:schemeClr val="bg1">
+                  <a:lumMod val="95000"/>
+                </a:schemeClr>
+              </a:solidFill>
+              <a:latin typeface="Smiley Sans Oblique" pitchFamily="2" charset="-122"/>
+              <a:ea typeface="Smiley Sans Oblique" pitchFamily="2" charset="-122"/>
+            </a:rPr>
+            <a:t>&gt;</a:t>
+          </a:r>
+          <a:endParaRPr lang="en-US" dirty="0">
+            <a:solidFill>
+              <a:schemeClr val="bg1">
+                <a:lumMod val="95000"/>
+              </a:schemeClr>
+            </a:solidFill>
+            <a:latin typeface="Smiley Sans Oblique" pitchFamily="2" charset="-122"/>
+            <a:ea typeface="Smiley Sans Oblique" pitchFamily="2" charset="-122"/>
+          </a:endParaRPr>
+        </a:p>
+      </dgm:t>
+    </dgm:pt>
+    <dgm:pt modelId="{AB43A3A9-EDA3-4014-AA0C-AD57D3F0B542}" type="parTrans" cxnId="{D567A3DD-29EF-47CE-B39E-2FD0F1DBCD7A}">
+      <dgm:prSet/>
+      <dgm:spPr/>
+      <dgm:t>
+        <a:bodyPr/>
+        <a:lstStyle/>
+        <a:p>
+          <a:endParaRPr lang="en-US"/>
+        </a:p>
+      </dgm:t>
+    </dgm:pt>
+    <dgm:pt modelId="{13C915A1-9BFE-4B6F-A422-07CAEB590C7D}" type="sibTrans" cxnId="{D567A3DD-29EF-47CE-B39E-2FD0F1DBCD7A}">
+      <dgm:prSet/>
+      <dgm:spPr/>
+      <dgm:t>
+        <a:bodyPr/>
+        <a:lstStyle/>
+        <a:p>
+          <a:endParaRPr lang="en-US"/>
+        </a:p>
+      </dgm:t>
+    </dgm:pt>
+    <dgm:pt modelId="{D0C835F7-44DD-4A86-A796-2F0EC21690B5}">
+      <dgm:prSet/>
+      <dgm:spPr/>
+      <dgm:t>
+        <a:bodyPr/>
+        <a:lstStyle/>
+        <a:p>
+          <a:r>
+            <a:rPr lang="en-US" baseline="0" dirty="0">
+              <a:solidFill>
+                <a:schemeClr val="bg1">
+                  <a:lumMod val="95000"/>
+                </a:schemeClr>
+              </a:solidFill>
+              <a:latin typeface="Smiley Sans Oblique" pitchFamily="2" charset="-122"/>
+              <a:ea typeface="Smiley Sans Oblique" pitchFamily="2" charset="-122"/>
+            </a:rPr>
+            <a:t>Stoploss </a:t>
+          </a:r>
+          <a:r>
+            <a:rPr lang="en-US" baseline="0" dirty="0" err="1">
+              <a:solidFill>
+                <a:schemeClr val="bg1">
+                  <a:lumMod val="95000"/>
+                </a:schemeClr>
+              </a:solidFill>
+              <a:latin typeface="Smiley Sans Oblique" pitchFamily="2" charset="-122"/>
+              <a:ea typeface="Smiley Sans Oblique" pitchFamily="2" charset="-122"/>
+            </a:rPr>
+            <a:t>止损</a:t>
+          </a:r>
+          <a:r>
+            <a:rPr lang="zh-CN" baseline="0" dirty="0">
+              <a:solidFill>
+                <a:schemeClr val="bg1">
+                  <a:lumMod val="95000"/>
+                </a:schemeClr>
+              </a:solidFill>
+              <a:latin typeface="Smiley Sans Oblique" pitchFamily="2" charset="-122"/>
+              <a:ea typeface="Smiley Sans Oblique" pitchFamily="2" charset="-122"/>
+            </a:rPr>
+            <a:t> </a:t>
+          </a:r>
+          <a:r>
+            <a:rPr lang="en-US" baseline="0" dirty="0">
+              <a:solidFill>
+                <a:schemeClr val="bg1">
+                  <a:lumMod val="95000"/>
+                </a:schemeClr>
+              </a:solidFill>
+              <a:latin typeface="Smiley Sans Oblique" pitchFamily="2" charset="-122"/>
+              <a:ea typeface="Smiley Sans Oblique" pitchFamily="2" charset="-122"/>
+            </a:rPr>
+            <a:t>&lt;SL&gt;</a:t>
+          </a:r>
+          <a:endParaRPr lang="en-US" dirty="0">
+            <a:solidFill>
+              <a:schemeClr val="bg1">
+                <a:lumMod val="95000"/>
+              </a:schemeClr>
+            </a:solidFill>
+            <a:latin typeface="Smiley Sans Oblique" pitchFamily="2" charset="-122"/>
+            <a:ea typeface="Smiley Sans Oblique" pitchFamily="2" charset="-122"/>
+          </a:endParaRPr>
+        </a:p>
+      </dgm:t>
+    </dgm:pt>
+    <dgm:pt modelId="{1D4C1D31-AE47-43A7-B6DF-3260CAA8A853}" type="parTrans" cxnId="{B989E369-0C9F-4407-9020-BAE64D1A39AB}">
+      <dgm:prSet/>
+      <dgm:spPr/>
+      <dgm:t>
+        <a:bodyPr/>
+        <a:lstStyle/>
+        <a:p>
+          <a:endParaRPr lang="en-US"/>
+        </a:p>
+      </dgm:t>
+    </dgm:pt>
+    <dgm:pt modelId="{189FFD59-2492-41D6-BAF0-0738C3DB75A4}" type="sibTrans" cxnId="{B989E369-0C9F-4407-9020-BAE64D1A39AB}">
+      <dgm:prSet/>
+      <dgm:spPr/>
+      <dgm:t>
+        <a:bodyPr/>
+        <a:lstStyle/>
+        <a:p>
+          <a:endParaRPr lang="en-US"/>
+        </a:p>
+      </dgm:t>
+    </dgm:pt>
+    <dgm:pt modelId="{E5B2B49A-DB0F-48CA-8AEB-6FCC27F9319F}">
+      <dgm:prSet/>
+      <dgm:spPr/>
+      <dgm:t>
+        <a:bodyPr/>
+        <a:lstStyle/>
+        <a:p>
+          <a:r>
+            <a:rPr lang="en-US" baseline="0" dirty="0">
+              <a:solidFill>
+                <a:schemeClr val="bg1">
+                  <a:lumMod val="95000"/>
+                </a:schemeClr>
+              </a:solidFill>
+              <a:latin typeface="Smiley Sans Oblique" pitchFamily="2" charset="-122"/>
+              <a:ea typeface="Smiley Sans Oblique" pitchFamily="2" charset="-122"/>
+            </a:rPr>
+            <a:t>Fees </a:t>
+          </a:r>
+          <a:r>
+            <a:rPr lang="en-US" baseline="0" dirty="0" err="1">
+              <a:solidFill>
+                <a:schemeClr val="bg1">
+                  <a:lumMod val="95000"/>
+                </a:schemeClr>
+              </a:solidFill>
+              <a:latin typeface="Smiley Sans Oblique" pitchFamily="2" charset="-122"/>
+              <a:ea typeface="Smiley Sans Oblique" pitchFamily="2" charset="-122"/>
+            </a:rPr>
+            <a:t>交易费用</a:t>
+          </a:r>
+          <a:r>
+            <a:rPr lang="zh-CN" baseline="0" dirty="0">
+              <a:solidFill>
+                <a:schemeClr val="bg1">
+                  <a:lumMod val="95000"/>
+                </a:schemeClr>
+              </a:solidFill>
+              <a:latin typeface="Smiley Sans Oblique" pitchFamily="2" charset="-122"/>
+              <a:ea typeface="Smiley Sans Oblique" pitchFamily="2" charset="-122"/>
+            </a:rPr>
+            <a:t> </a:t>
+          </a:r>
+          <a:endParaRPr lang="en-CA" altLang="zh-CN" baseline="0" dirty="0">
+            <a:solidFill>
+              <a:schemeClr val="bg1">
+                <a:lumMod val="95000"/>
+              </a:schemeClr>
+            </a:solidFill>
+            <a:latin typeface="Smiley Sans Oblique" pitchFamily="2" charset="-122"/>
+            <a:ea typeface="Smiley Sans Oblique" pitchFamily="2" charset="-122"/>
+          </a:endParaRPr>
+        </a:p>
+        <a:p>
+          <a:r>
+            <a:rPr lang="en-US" baseline="0" dirty="0">
+              <a:solidFill>
+                <a:schemeClr val="bg1">
+                  <a:lumMod val="95000"/>
+                </a:schemeClr>
+              </a:solidFill>
+              <a:latin typeface="Smiley Sans Oblique" pitchFamily="2" charset="-122"/>
+              <a:ea typeface="Smiley Sans Oblique" pitchFamily="2" charset="-122"/>
+            </a:rPr>
+            <a:t>&lt;C&gt;</a:t>
+          </a:r>
+          <a:endParaRPr lang="en-US" dirty="0">
+            <a:solidFill>
+              <a:schemeClr val="bg1">
+                <a:lumMod val="95000"/>
+              </a:schemeClr>
+            </a:solidFill>
+            <a:latin typeface="Smiley Sans Oblique" pitchFamily="2" charset="-122"/>
+            <a:ea typeface="Smiley Sans Oblique" pitchFamily="2" charset="-122"/>
+          </a:endParaRPr>
+        </a:p>
+      </dgm:t>
+    </dgm:pt>
+    <dgm:pt modelId="{6FE27884-A83D-4883-B94D-53A9A4910BF2}" type="parTrans" cxnId="{C654A9D1-0085-4C42-81E2-79B9F4CEC872}">
+      <dgm:prSet/>
+      <dgm:spPr/>
+      <dgm:t>
+        <a:bodyPr/>
+        <a:lstStyle/>
+        <a:p>
+          <a:endParaRPr lang="en-US"/>
+        </a:p>
+      </dgm:t>
+    </dgm:pt>
+    <dgm:pt modelId="{32D859EF-DA1D-40A2-9BDC-6181F75D40B1}" type="sibTrans" cxnId="{C654A9D1-0085-4C42-81E2-79B9F4CEC872}">
+      <dgm:prSet/>
+      <dgm:spPr/>
+      <dgm:t>
+        <a:bodyPr/>
+        <a:lstStyle/>
+        <a:p>
+          <a:endParaRPr lang="en-US"/>
+        </a:p>
+      </dgm:t>
+    </dgm:pt>
+    <dgm:pt modelId="{70A3377A-814C-4BA9-84A7-BE29AEF52240}">
+      <dgm:prSet/>
+      <dgm:spPr/>
+      <dgm:t>
+        <a:bodyPr/>
+        <a:lstStyle/>
+        <a:p>
+          <a:r>
+            <a:rPr lang="en-US" baseline="0" dirty="0">
+              <a:solidFill>
+                <a:schemeClr val="bg1">
+                  <a:lumMod val="95000"/>
+                </a:schemeClr>
+              </a:solidFill>
+              <a:latin typeface="Smiley Sans Oblique" pitchFamily="2" charset="-122"/>
+              <a:ea typeface="Smiley Sans Oblique" pitchFamily="2" charset="-122"/>
+            </a:rPr>
+            <a:t>Leverage</a:t>
+          </a:r>
+          <a:r>
+            <a:rPr lang="zh-CN" baseline="0" dirty="0">
+              <a:solidFill>
+                <a:schemeClr val="bg1">
+                  <a:lumMod val="95000"/>
+                </a:schemeClr>
+              </a:solidFill>
+              <a:latin typeface="Smiley Sans Oblique" pitchFamily="2" charset="-122"/>
+              <a:ea typeface="Smiley Sans Oblique" pitchFamily="2" charset="-122"/>
+            </a:rPr>
+            <a:t> 杠杆 </a:t>
+          </a:r>
+          <a:r>
+            <a:rPr lang="en-CA" baseline="0" dirty="0">
+              <a:solidFill>
+                <a:schemeClr val="bg1">
+                  <a:lumMod val="95000"/>
+                </a:schemeClr>
+              </a:solidFill>
+              <a:latin typeface="Smiley Sans Oblique" pitchFamily="2" charset="-122"/>
+              <a:ea typeface="Smiley Sans Oblique" pitchFamily="2" charset="-122"/>
+            </a:rPr>
+            <a:t>&lt;Lev&gt;</a:t>
+          </a:r>
+          <a:endParaRPr lang="en-US" dirty="0">
+            <a:solidFill>
+              <a:schemeClr val="bg1">
+                <a:lumMod val="95000"/>
+              </a:schemeClr>
+            </a:solidFill>
+            <a:latin typeface="Smiley Sans Oblique" pitchFamily="2" charset="-122"/>
+            <a:ea typeface="Smiley Sans Oblique" pitchFamily="2" charset="-122"/>
+          </a:endParaRPr>
+        </a:p>
+      </dgm:t>
+    </dgm:pt>
+    <dgm:pt modelId="{E0345AB8-557F-4085-9BEB-1F26138A69E1}" type="parTrans" cxnId="{6A2DAF94-9BEC-4282-9A66-293A6235DFC2}">
+      <dgm:prSet/>
+      <dgm:spPr/>
+      <dgm:t>
+        <a:bodyPr/>
+        <a:lstStyle/>
+        <a:p>
+          <a:endParaRPr lang="en-US"/>
+        </a:p>
+      </dgm:t>
+    </dgm:pt>
+    <dgm:pt modelId="{416AAD55-99FB-4364-8E86-22EEEB650691}" type="sibTrans" cxnId="{6A2DAF94-9BEC-4282-9A66-293A6235DFC2}">
+      <dgm:prSet/>
+      <dgm:spPr/>
+      <dgm:t>
+        <a:bodyPr/>
+        <a:lstStyle/>
+        <a:p>
+          <a:endParaRPr lang="en-US"/>
+        </a:p>
+      </dgm:t>
+    </dgm:pt>
+    <dgm:pt modelId="{FCB2ED98-6B21-A843-B6F8-B7FB2AD129C2}" type="pres">
+      <dgm:prSet presAssocID="{CFCCBE4A-A851-46B2-9332-E4FB40365213}" presName="diagram" presStyleCnt="0">
+        <dgm:presLayoutVars>
+          <dgm:dir/>
+          <dgm:resizeHandles val="exact"/>
+        </dgm:presLayoutVars>
+      </dgm:prSet>
+      <dgm:spPr/>
+    </dgm:pt>
+    <dgm:pt modelId="{5258BF8F-1F83-D241-BD1E-B6DEA6CC63FD}" type="pres">
+      <dgm:prSet presAssocID="{491578F1-8A6A-4DB0-943C-09AD2CD5AC9D}" presName="node" presStyleLbl="node1" presStyleIdx="0" presStyleCnt="5">
+        <dgm:presLayoutVars>
+          <dgm:bulletEnabled val="1"/>
+        </dgm:presLayoutVars>
+      </dgm:prSet>
+      <dgm:spPr/>
+    </dgm:pt>
+    <dgm:pt modelId="{2A67FB04-A394-2E45-9838-34413A8C28F6}" type="pres">
+      <dgm:prSet presAssocID="{A1EE6386-96DE-4008-83C2-F0C0E5D1B3E1}" presName="sibTrans" presStyleCnt="0"/>
+      <dgm:spPr/>
+    </dgm:pt>
+    <dgm:pt modelId="{C53C80C0-C681-B542-8AAA-B3553291BF0C}" type="pres">
+      <dgm:prSet presAssocID="{82EB6123-46C8-43CA-BB03-9728374CB48D}" presName="node" presStyleLbl="node1" presStyleIdx="1" presStyleCnt="5">
+        <dgm:presLayoutVars>
+          <dgm:bulletEnabled val="1"/>
+        </dgm:presLayoutVars>
+      </dgm:prSet>
+      <dgm:spPr/>
+    </dgm:pt>
+    <dgm:pt modelId="{28B61608-787F-FD43-99D5-30387ABDBC35}" type="pres">
+      <dgm:prSet presAssocID="{13C915A1-9BFE-4B6F-A422-07CAEB590C7D}" presName="sibTrans" presStyleCnt="0"/>
+      <dgm:spPr/>
+    </dgm:pt>
+    <dgm:pt modelId="{BB88018F-CB97-DE4B-91EC-5B2DCBA805A6}" type="pres">
+      <dgm:prSet presAssocID="{D0C835F7-44DD-4A86-A796-2F0EC21690B5}" presName="node" presStyleLbl="node1" presStyleIdx="2" presStyleCnt="5">
+        <dgm:presLayoutVars>
+          <dgm:bulletEnabled val="1"/>
+        </dgm:presLayoutVars>
+      </dgm:prSet>
+      <dgm:spPr/>
+    </dgm:pt>
+    <dgm:pt modelId="{8928008E-B51A-9F40-8DF4-70D67D1FE793}" type="pres">
+      <dgm:prSet presAssocID="{189FFD59-2492-41D6-BAF0-0738C3DB75A4}" presName="sibTrans" presStyleCnt="0"/>
+      <dgm:spPr/>
+    </dgm:pt>
+    <dgm:pt modelId="{489CE7C2-C882-8347-8E55-4898B8FFE2DA}" type="pres">
+      <dgm:prSet presAssocID="{E5B2B49A-DB0F-48CA-8AEB-6FCC27F9319F}" presName="node" presStyleLbl="node1" presStyleIdx="3" presStyleCnt="5">
+        <dgm:presLayoutVars>
+          <dgm:bulletEnabled val="1"/>
+        </dgm:presLayoutVars>
+      </dgm:prSet>
+      <dgm:spPr/>
+    </dgm:pt>
+    <dgm:pt modelId="{D6121195-E166-3940-A7DB-7A831C04D450}" type="pres">
+      <dgm:prSet presAssocID="{32D859EF-DA1D-40A2-9BDC-6181F75D40B1}" presName="sibTrans" presStyleCnt="0"/>
+      <dgm:spPr/>
+    </dgm:pt>
+    <dgm:pt modelId="{57489499-8728-C846-B021-EF7752B3BD70}" type="pres">
+      <dgm:prSet presAssocID="{70A3377A-814C-4BA9-84A7-BE29AEF52240}" presName="node" presStyleLbl="node1" presStyleIdx="4" presStyleCnt="5">
+        <dgm:presLayoutVars>
+          <dgm:bulletEnabled val="1"/>
+        </dgm:presLayoutVars>
+      </dgm:prSet>
+      <dgm:spPr/>
+    </dgm:pt>
+  </dgm:ptLst>
+  <dgm:cxnLst>
+    <dgm:cxn modelId="{5B52573E-42AA-484A-B3DF-6D1F1CD894EA}" type="presOf" srcId="{82EB6123-46C8-43CA-BB03-9728374CB48D}" destId="{C53C80C0-C681-B542-8AAA-B3553291BF0C}" srcOrd="0" destOrd="0" presId="urn:microsoft.com/office/officeart/2005/8/layout/default"/>
+    <dgm:cxn modelId="{865C565B-569E-014A-9B00-FD98DA3FD2C3}" type="presOf" srcId="{D0C835F7-44DD-4A86-A796-2F0EC21690B5}" destId="{BB88018F-CB97-DE4B-91EC-5B2DCBA805A6}" srcOrd="0" destOrd="0" presId="urn:microsoft.com/office/officeart/2005/8/layout/default"/>
+    <dgm:cxn modelId="{2FAA8169-8863-5E4C-8AC3-58C347A72950}" type="presOf" srcId="{CFCCBE4A-A851-46B2-9332-E4FB40365213}" destId="{FCB2ED98-6B21-A843-B6F8-B7FB2AD129C2}" srcOrd="0" destOrd="0" presId="urn:microsoft.com/office/officeart/2005/8/layout/default"/>
+    <dgm:cxn modelId="{B989E369-0C9F-4407-9020-BAE64D1A39AB}" srcId="{CFCCBE4A-A851-46B2-9332-E4FB40365213}" destId="{D0C835F7-44DD-4A86-A796-2F0EC21690B5}" srcOrd="2" destOrd="0" parTransId="{1D4C1D31-AE47-43A7-B6DF-3260CAA8A853}" sibTransId="{189FFD59-2492-41D6-BAF0-0738C3DB75A4}"/>
+    <dgm:cxn modelId="{4D80F185-1143-7C43-B234-18E710A50A2C}" type="presOf" srcId="{70A3377A-814C-4BA9-84A7-BE29AEF52240}" destId="{57489499-8728-C846-B021-EF7752B3BD70}" srcOrd="0" destOrd="0" presId="urn:microsoft.com/office/officeart/2005/8/layout/default"/>
+    <dgm:cxn modelId="{6A2DAF94-9BEC-4282-9A66-293A6235DFC2}" srcId="{CFCCBE4A-A851-46B2-9332-E4FB40365213}" destId="{70A3377A-814C-4BA9-84A7-BE29AEF52240}" srcOrd="4" destOrd="0" parTransId="{E0345AB8-557F-4085-9BEB-1F26138A69E1}" sibTransId="{416AAD55-99FB-4364-8E86-22EEEB650691}"/>
+    <dgm:cxn modelId="{45A781AD-A588-4863-9FD4-F28381F82AA4}" srcId="{CFCCBE4A-A851-46B2-9332-E4FB40365213}" destId="{491578F1-8A6A-4DB0-943C-09AD2CD5AC9D}" srcOrd="0" destOrd="0" parTransId="{21710394-B2CE-46C7-B9A8-555AFEE1B33B}" sibTransId="{A1EE6386-96DE-4008-83C2-F0C0E5D1B3E1}"/>
+    <dgm:cxn modelId="{C654A9D1-0085-4C42-81E2-79B9F4CEC872}" srcId="{CFCCBE4A-A851-46B2-9332-E4FB40365213}" destId="{E5B2B49A-DB0F-48CA-8AEB-6FCC27F9319F}" srcOrd="3" destOrd="0" parTransId="{6FE27884-A83D-4883-B94D-53A9A4910BF2}" sibTransId="{32D859EF-DA1D-40A2-9BDC-6181F75D40B1}"/>
+    <dgm:cxn modelId="{115B30D5-422F-F046-A7D1-D33E63DD9135}" type="presOf" srcId="{E5B2B49A-DB0F-48CA-8AEB-6FCC27F9319F}" destId="{489CE7C2-C882-8347-8E55-4898B8FFE2DA}" srcOrd="0" destOrd="0" presId="urn:microsoft.com/office/officeart/2005/8/layout/default"/>
+    <dgm:cxn modelId="{D567A3DD-29EF-47CE-B39E-2FD0F1DBCD7A}" srcId="{CFCCBE4A-A851-46B2-9332-E4FB40365213}" destId="{82EB6123-46C8-43CA-BB03-9728374CB48D}" srcOrd="1" destOrd="0" parTransId="{AB43A3A9-EDA3-4014-AA0C-AD57D3F0B542}" sibTransId="{13C915A1-9BFE-4B6F-A422-07CAEB590C7D}"/>
+    <dgm:cxn modelId="{923F3AE8-93C6-1341-802B-4E93BE3DAEC7}" type="presOf" srcId="{491578F1-8A6A-4DB0-943C-09AD2CD5AC9D}" destId="{5258BF8F-1F83-D241-BD1E-B6DEA6CC63FD}" srcOrd="0" destOrd="0" presId="urn:microsoft.com/office/officeart/2005/8/layout/default"/>
+    <dgm:cxn modelId="{D6D4B166-BC36-4741-B87E-8D71156D3E12}" type="presParOf" srcId="{FCB2ED98-6B21-A843-B6F8-B7FB2AD129C2}" destId="{5258BF8F-1F83-D241-BD1E-B6DEA6CC63FD}" srcOrd="0" destOrd="0" presId="urn:microsoft.com/office/officeart/2005/8/layout/default"/>
+    <dgm:cxn modelId="{ABAD9E38-7E1B-904F-BC05-944CAB3ABCD6}" type="presParOf" srcId="{FCB2ED98-6B21-A843-B6F8-B7FB2AD129C2}" destId="{2A67FB04-A394-2E45-9838-34413A8C28F6}" srcOrd="1" destOrd="0" presId="urn:microsoft.com/office/officeart/2005/8/layout/default"/>
+    <dgm:cxn modelId="{1E06BD40-4EF7-474E-B59A-907CCF691499}" type="presParOf" srcId="{FCB2ED98-6B21-A843-B6F8-B7FB2AD129C2}" destId="{C53C80C0-C681-B542-8AAA-B3553291BF0C}" srcOrd="2" destOrd="0" presId="urn:microsoft.com/office/officeart/2005/8/layout/default"/>
+    <dgm:cxn modelId="{03941AB1-B50D-7645-8D48-AC6129CF9039}" type="presParOf" srcId="{FCB2ED98-6B21-A843-B6F8-B7FB2AD129C2}" destId="{28B61608-787F-FD43-99D5-30387ABDBC35}" srcOrd="3" destOrd="0" presId="urn:microsoft.com/office/officeart/2005/8/layout/default"/>
+    <dgm:cxn modelId="{712939E5-D6D2-D04B-9141-5F7F7043EC0B}" type="presParOf" srcId="{FCB2ED98-6B21-A843-B6F8-B7FB2AD129C2}" destId="{BB88018F-CB97-DE4B-91EC-5B2DCBA805A6}" srcOrd="4" destOrd="0" presId="urn:microsoft.com/office/officeart/2005/8/layout/default"/>
+    <dgm:cxn modelId="{60C995ED-E2AF-854B-99D7-816CDA97D846}" type="presParOf" srcId="{FCB2ED98-6B21-A843-B6F8-B7FB2AD129C2}" destId="{8928008E-B51A-9F40-8DF4-70D67D1FE793}" srcOrd="5" destOrd="0" presId="urn:microsoft.com/office/officeart/2005/8/layout/default"/>
+    <dgm:cxn modelId="{17FFA385-18DE-B845-9589-35B31994BAF8}" type="presParOf" srcId="{FCB2ED98-6B21-A843-B6F8-B7FB2AD129C2}" destId="{489CE7C2-C882-8347-8E55-4898B8FFE2DA}" srcOrd="6" destOrd="0" presId="urn:microsoft.com/office/officeart/2005/8/layout/default"/>
+    <dgm:cxn modelId="{099466D6-3A4E-454C-9347-C0ACDB430EB2}" type="presParOf" srcId="{FCB2ED98-6B21-A843-B6F8-B7FB2AD129C2}" destId="{D6121195-E166-3940-A7DB-7A831C04D450}" srcOrd="7" destOrd="0" presId="urn:microsoft.com/office/officeart/2005/8/layout/default"/>
+    <dgm:cxn modelId="{9FEB624D-62E4-1B40-901C-24D20857FAD9}" type="presParOf" srcId="{FCB2ED98-6B21-A843-B6F8-B7FB2AD129C2}" destId="{57489499-8728-C846-B021-EF7752B3BD70}" srcOrd="8" destOrd="0" presId="urn:microsoft.com/office/officeart/2005/8/layout/default"/>
+  </dgm:cxnLst>
+  <dgm:bg/>
+  <dgm:whole/>
+  <dgm:extLst>
+    <a:ext uri="http://schemas.microsoft.com/office/drawing/2008/diagram">
+      <dsp:dataModelExt xmlns:dsp="http://schemas.microsoft.com/office/drawing/2008/diagram" relId="rId6" minVer="http://schemas.openxmlformats.org/drawingml/2006/diagram"/>
+    </a:ext>
+  </dgm:extLst>
+</dgm:dataModel>
+</file>
+
+<file path=ppt/diagrams/drawing1.xml><?xml version="1.0" encoding="utf-8"?>
+<dsp:drawing xmlns:dgm="http://schemas.openxmlformats.org/drawingml/2006/diagram" xmlns:dsp="http://schemas.microsoft.com/office/drawing/2008/diagram" xmlns:a="http://schemas.openxmlformats.org/drawingml/2006/main">
+  <dsp:spTree>
+    <dsp:nvGrpSpPr>
+      <dsp:cNvPr id="0" name=""/>
+      <dsp:cNvGrpSpPr/>
+    </dsp:nvGrpSpPr>
+    <dsp:grpSpPr/>
+    <dsp:sp modelId="{5258BF8F-1F83-D241-BD1E-B6DEA6CC63FD}">
+      <dsp:nvSpPr>
+        <dsp:cNvPr id="0" name=""/>
+        <dsp:cNvSpPr/>
+      </dsp:nvSpPr>
+      <dsp:spPr>
+        <a:xfrm>
+          <a:off x="397549" y="1960"/>
+          <a:ext cx="2751906" cy="1651143"/>
+        </a:xfrm>
+        <a:prstGeom prst="rect">
+          <a:avLst/>
+        </a:prstGeom>
+        <a:solidFill>
+          <a:schemeClr val="accent2">
+            <a:hueOff val="0"/>
+            <a:satOff val="0"/>
+            <a:lumOff val="0"/>
+            <a:alphaOff val="0"/>
+          </a:schemeClr>
+        </a:solidFill>
+        <a:ln w="34925" cap="flat" cmpd="sng" algn="in">
+          <a:solidFill>
+            <a:schemeClr val="lt1">
+              <a:hueOff val="0"/>
+              <a:satOff val="0"/>
+              <a:lumOff val="0"/>
+              <a:alphaOff val="0"/>
+            </a:schemeClr>
+          </a:solidFill>
+          <a:prstDash val="solid"/>
+        </a:ln>
+        <a:effectLst/>
+      </dsp:spPr>
+      <dsp:style>
+        <a:lnRef idx="2">
+          <a:scrgbClr r="0" g="0" b="0"/>
+        </a:lnRef>
+        <a:fillRef idx="1">
+          <a:scrgbClr r="0" g="0" b="0"/>
+        </a:fillRef>
+        <a:effectRef idx="0">
+          <a:scrgbClr r="0" g="0" b="0"/>
+        </a:effectRef>
+        <a:fontRef idx="minor">
+          <a:schemeClr val="lt1"/>
+        </a:fontRef>
+      </dsp:style>
+      <dsp:txBody>
+        <a:bodyPr spcFirstLastPara="0" vert="horz" wrap="square" lIns="114300" tIns="114300" rIns="114300" bIns="114300" numCol="1" spcCol="1270" anchor="ctr" anchorCtr="0">
+          <a:noAutofit/>
+        </a:bodyPr>
+        <a:lstStyle/>
+        <a:p>
+          <a:pPr marL="0" lvl="0" indent="0" algn="ctr" defTabSz="1333500">
+            <a:lnSpc>
+              <a:spcPct val="90000"/>
+            </a:lnSpc>
+            <a:spcBef>
+              <a:spcPct val="0"/>
+            </a:spcBef>
+            <a:spcAft>
+              <a:spcPct val="35000"/>
+            </a:spcAft>
+            <a:buNone/>
+          </a:pPr>
+          <a:r>
+            <a:rPr lang="en-US" sz="3000" kern="1200" baseline="0" dirty="0">
+              <a:solidFill>
+                <a:schemeClr val="bg1">
+                  <a:lumMod val="95000"/>
+                </a:schemeClr>
+              </a:solidFill>
+              <a:latin typeface="Smiley Sans Oblique" pitchFamily="2" charset="-122"/>
+              <a:ea typeface="Smiley Sans Oblique" pitchFamily="2" charset="-122"/>
+            </a:rPr>
+            <a:t>Reward/Risk ratio </a:t>
+          </a:r>
+          <a:r>
+            <a:rPr lang="en-US" sz="3000" kern="1200" baseline="0" dirty="0" err="1">
+              <a:solidFill>
+                <a:schemeClr val="bg1">
+                  <a:lumMod val="95000"/>
+                </a:schemeClr>
+              </a:solidFill>
+              <a:latin typeface="Smiley Sans Oblique" pitchFamily="2" charset="-122"/>
+              <a:ea typeface="Smiley Sans Oblique" pitchFamily="2" charset="-122"/>
+            </a:rPr>
+            <a:t>回报风险比</a:t>
+          </a:r>
+          <a:r>
+            <a:rPr lang="en-US" sz="3000" kern="1200" baseline="0" dirty="0">
+              <a:solidFill>
+                <a:schemeClr val="bg1">
+                  <a:lumMod val="95000"/>
+                </a:schemeClr>
+              </a:solidFill>
+              <a:latin typeface="Smiley Sans Oblique" pitchFamily="2" charset="-122"/>
+              <a:ea typeface="Smiley Sans Oblique" pitchFamily="2" charset="-122"/>
+            </a:rPr>
+            <a:t> &lt;RR&gt;</a:t>
+          </a:r>
+          <a:endParaRPr lang="en-US" sz="3000" kern="1200" dirty="0">
+            <a:solidFill>
+              <a:schemeClr val="bg1">
+                <a:lumMod val="95000"/>
+              </a:schemeClr>
+            </a:solidFill>
+            <a:latin typeface="Smiley Sans Oblique" pitchFamily="2" charset="-122"/>
+            <a:ea typeface="Smiley Sans Oblique" pitchFamily="2" charset="-122"/>
+          </a:endParaRPr>
+        </a:p>
+      </dsp:txBody>
+      <dsp:txXfrm>
+        <a:off x="397549" y="1960"/>
+        <a:ext cx="2751906" cy="1651143"/>
+      </dsp:txXfrm>
+    </dsp:sp>
+    <dsp:sp modelId="{C53C80C0-C681-B542-8AAA-B3553291BF0C}">
+      <dsp:nvSpPr>
+        <dsp:cNvPr id="0" name=""/>
+        <dsp:cNvSpPr/>
+      </dsp:nvSpPr>
+      <dsp:spPr>
+        <a:xfrm>
+          <a:off x="3424646" y="1960"/>
+          <a:ext cx="2751906" cy="1651143"/>
+        </a:xfrm>
+        <a:prstGeom prst="rect">
+          <a:avLst/>
+        </a:prstGeom>
+        <a:solidFill>
+          <a:schemeClr val="accent3">
+            <a:hueOff val="0"/>
+            <a:satOff val="0"/>
+            <a:lumOff val="0"/>
+            <a:alphaOff val="0"/>
+          </a:schemeClr>
+        </a:solidFill>
+        <a:ln w="34925" cap="flat" cmpd="sng" algn="in">
+          <a:solidFill>
+            <a:schemeClr val="lt1">
+              <a:hueOff val="0"/>
+              <a:satOff val="0"/>
+              <a:lumOff val="0"/>
+              <a:alphaOff val="0"/>
+            </a:schemeClr>
+          </a:solidFill>
+          <a:prstDash val="solid"/>
+        </a:ln>
+        <a:effectLst/>
+      </dsp:spPr>
+      <dsp:style>
+        <a:lnRef idx="2">
+          <a:scrgbClr r="0" g="0" b="0"/>
+        </a:lnRef>
+        <a:fillRef idx="1">
+          <a:scrgbClr r="0" g="0" b="0"/>
+        </a:fillRef>
+        <a:effectRef idx="0">
+          <a:scrgbClr r="0" g="0" b="0"/>
+        </a:effectRef>
+        <a:fontRef idx="minor">
+          <a:schemeClr val="lt1"/>
+        </a:fontRef>
+      </dsp:style>
+      <dsp:txBody>
+        <a:bodyPr spcFirstLastPara="0" vert="horz" wrap="square" lIns="114300" tIns="114300" rIns="114300" bIns="114300" numCol="1" spcCol="1270" anchor="ctr" anchorCtr="0">
+          <a:noAutofit/>
+        </a:bodyPr>
+        <a:lstStyle/>
+        <a:p>
+          <a:pPr marL="0" lvl="0" indent="0" algn="ctr" defTabSz="1333500">
+            <a:lnSpc>
+              <a:spcPct val="90000"/>
+            </a:lnSpc>
+            <a:spcBef>
+              <a:spcPct val="0"/>
+            </a:spcBef>
+            <a:spcAft>
+              <a:spcPct val="35000"/>
+            </a:spcAft>
+            <a:buNone/>
+          </a:pPr>
+          <a:r>
+            <a:rPr lang="en-US" sz="3000" kern="1200" baseline="0" dirty="0">
+              <a:solidFill>
+                <a:schemeClr val="bg1">
+                  <a:lumMod val="95000"/>
+                </a:schemeClr>
+              </a:solidFill>
+              <a:latin typeface="Smiley Sans Oblique" pitchFamily="2" charset="-122"/>
+              <a:ea typeface="Smiley Sans Oblique" pitchFamily="2" charset="-122"/>
+            </a:rPr>
+            <a:t>Win Rate </a:t>
+          </a:r>
+          <a:r>
+            <a:rPr lang="en-US" sz="3000" kern="1200" baseline="0" dirty="0" err="1">
+              <a:solidFill>
+                <a:schemeClr val="bg1">
+                  <a:lumMod val="95000"/>
+                </a:schemeClr>
+              </a:solidFill>
+              <a:latin typeface="Smiley Sans Oblique" pitchFamily="2" charset="-122"/>
+              <a:ea typeface="Smiley Sans Oblique" pitchFamily="2" charset="-122"/>
+            </a:rPr>
+            <a:t>胜率</a:t>
+          </a:r>
+          <a:r>
+            <a:rPr lang="zh-CN" sz="3000" kern="1200" baseline="0" dirty="0">
+              <a:solidFill>
+                <a:schemeClr val="bg1">
+                  <a:lumMod val="95000"/>
+                </a:schemeClr>
+              </a:solidFill>
+              <a:latin typeface="Smiley Sans Oblique" pitchFamily="2" charset="-122"/>
+              <a:ea typeface="Smiley Sans Oblique" pitchFamily="2" charset="-122"/>
+            </a:rPr>
+            <a:t> </a:t>
+          </a:r>
+          <a:r>
+            <a:rPr lang="en-US" sz="3000" kern="1200" baseline="0" dirty="0">
+              <a:solidFill>
+                <a:schemeClr val="bg1">
+                  <a:lumMod val="95000"/>
+                </a:schemeClr>
+              </a:solidFill>
+              <a:latin typeface="Smiley Sans Oblique" pitchFamily="2" charset="-122"/>
+              <a:ea typeface="Smiley Sans Oblique" pitchFamily="2" charset="-122"/>
+            </a:rPr>
+            <a:t>&lt;</a:t>
+          </a:r>
+          <a:r>
+            <a:rPr lang="en-US" sz="3000" kern="1200" baseline="0" dirty="0" err="1">
+              <a:solidFill>
+                <a:schemeClr val="bg1">
+                  <a:lumMod val="95000"/>
+                </a:schemeClr>
+              </a:solidFill>
+              <a:latin typeface="Smiley Sans Oblique" pitchFamily="2" charset="-122"/>
+              <a:ea typeface="Smiley Sans Oblique" pitchFamily="2" charset="-122"/>
+            </a:rPr>
+            <a:t>P</a:t>
+          </a:r>
+          <a:r>
+            <a:rPr lang="en-US" sz="3000" kern="1200" baseline="-25000" dirty="0" err="1">
+              <a:solidFill>
+                <a:schemeClr val="bg1">
+                  <a:lumMod val="95000"/>
+                </a:schemeClr>
+              </a:solidFill>
+              <a:latin typeface="Smiley Sans Oblique" pitchFamily="2" charset="-122"/>
+              <a:ea typeface="Smiley Sans Oblique" pitchFamily="2" charset="-122"/>
+            </a:rPr>
+            <a:t>win</a:t>
+          </a:r>
+          <a:r>
+            <a:rPr lang="en-US" sz="3000" kern="1200" baseline="0" dirty="0">
+              <a:solidFill>
+                <a:schemeClr val="bg1">
+                  <a:lumMod val="95000"/>
+                </a:schemeClr>
+              </a:solidFill>
+              <a:latin typeface="Smiley Sans Oblique" pitchFamily="2" charset="-122"/>
+              <a:ea typeface="Smiley Sans Oblique" pitchFamily="2" charset="-122"/>
+            </a:rPr>
+            <a:t>&gt;</a:t>
+          </a:r>
+          <a:endParaRPr lang="en-US" sz="3000" kern="1200" dirty="0">
+            <a:solidFill>
+              <a:schemeClr val="bg1">
+                <a:lumMod val="95000"/>
+              </a:schemeClr>
+            </a:solidFill>
+            <a:latin typeface="Smiley Sans Oblique" pitchFamily="2" charset="-122"/>
+            <a:ea typeface="Smiley Sans Oblique" pitchFamily="2" charset="-122"/>
+          </a:endParaRPr>
+        </a:p>
+      </dsp:txBody>
+      <dsp:txXfrm>
+        <a:off x="3424646" y="1960"/>
+        <a:ext cx="2751906" cy="1651143"/>
+      </dsp:txXfrm>
+    </dsp:sp>
+    <dsp:sp modelId="{BB88018F-CB97-DE4B-91EC-5B2DCBA805A6}">
+      <dsp:nvSpPr>
+        <dsp:cNvPr id="0" name=""/>
+        <dsp:cNvSpPr/>
+      </dsp:nvSpPr>
+      <dsp:spPr>
+        <a:xfrm>
+          <a:off x="6451743" y="1960"/>
+          <a:ext cx="2751906" cy="1651143"/>
+        </a:xfrm>
+        <a:prstGeom prst="rect">
+          <a:avLst/>
+        </a:prstGeom>
+        <a:solidFill>
+          <a:schemeClr val="accent4">
+            <a:hueOff val="0"/>
+            <a:satOff val="0"/>
+            <a:lumOff val="0"/>
+            <a:alphaOff val="0"/>
+          </a:schemeClr>
+        </a:solidFill>
+        <a:ln w="34925" cap="flat" cmpd="sng" algn="in">
+          <a:solidFill>
+            <a:schemeClr val="lt1">
+              <a:hueOff val="0"/>
+              <a:satOff val="0"/>
+              <a:lumOff val="0"/>
+              <a:alphaOff val="0"/>
+            </a:schemeClr>
+          </a:solidFill>
+          <a:prstDash val="solid"/>
+        </a:ln>
+        <a:effectLst/>
+      </dsp:spPr>
+      <dsp:style>
+        <a:lnRef idx="2">
+          <a:scrgbClr r="0" g="0" b="0"/>
+        </a:lnRef>
+        <a:fillRef idx="1">
+          <a:scrgbClr r="0" g="0" b="0"/>
+        </a:fillRef>
+        <a:effectRef idx="0">
+          <a:scrgbClr r="0" g="0" b="0"/>
+        </a:effectRef>
+        <a:fontRef idx="minor">
+          <a:schemeClr val="lt1"/>
+        </a:fontRef>
+      </dsp:style>
+      <dsp:txBody>
+        <a:bodyPr spcFirstLastPara="0" vert="horz" wrap="square" lIns="114300" tIns="114300" rIns="114300" bIns="114300" numCol="1" spcCol="1270" anchor="ctr" anchorCtr="0">
+          <a:noAutofit/>
+        </a:bodyPr>
+        <a:lstStyle/>
+        <a:p>
+          <a:pPr marL="0" lvl="0" indent="0" algn="ctr" defTabSz="1333500">
+            <a:lnSpc>
+              <a:spcPct val="90000"/>
+            </a:lnSpc>
+            <a:spcBef>
+              <a:spcPct val="0"/>
+            </a:spcBef>
+            <a:spcAft>
+              <a:spcPct val="35000"/>
+            </a:spcAft>
+            <a:buNone/>
+          </a:pPr>
+          <a:r>
+            <a:rPr lang="en-US" sz="3000" kern="1200" baseline="0" dirty="0">
+              <a:solidFill>
+                <a:schemeClr val="bg1">
+                  <a:lumMod val="95000"/>
+                </a:schemeClr>
+              </a:solidFill>
+              <a:latin typeface="Smiley Sans Oblique" pitchFamily="2" charset="-122"/>
+              <a:ea typeface="Smiley Sans Oblique" pitchFamily="2" charset="-122"/>
+            </a:rPr>
+            <a:t>Stoploss </a:t>
+          </a:r>
+          <a:r>
+            <a:rPr lang="en-US" sz="3000" kern="1200" baseline="0" dirty="0" err="1">
+              <a:solidFill>
+                <a:schemeClr val="bg1">
+                  <a:lumMod val="95000"/>
+                </a:schemeClr>
+              </a:solidFill>
+              <a:latin typeface="Smiley Sans Oblique" pitchFamily="2" charset="-122"/>
+              <a:ea typeface="Smiley Sans Oblique" pitchFamily="2" charset="-122"/>
+            </a:rPr>
+            <a:t>止损</a:t>
+          </a:r>
+          <a:r>
+            <a:rPr lang="zh-CN" sz="3000" kern="1200" baseline="0" dirty="0">
+              <a:solidFill>
+                <a:schemeClr val="bg1">
+                  <a:lumMod val="95000"/>
+                </a:schemeClr>
+              </a:solidFill>
+              <a:latin typeface="Smiley Sans Oblique" pitchFamily="2" charset="-122"/>
+              <a:ea typeface="Smiley Sans Oblique" pitchFamily="2" charset="-122"/>
+            </a:rPr>
+            <a:t> </a:t>
+          </a:r>
+          <a:r>
+            <a:rPr lang="en-US" sz="3000" kern="1200" baseline="0" dirty="0">
+              <a:solidFill>
+                <a:schemeClr val="bg1">
+                  <a:lumMod val="95000"/>
+                </a:schemeClr>
+              </a:solidFill>
+              <a:latin typeface="Smiley Sans Oblique" pitchFamily="2" charset="-122"/>
+              <a:ea typeface="Smiley Sans Oblique" pitchFamily="2" charset="-122"/>
+            </a:rPr>
+            <a:t>&lt;SL&gt;</a:t>
+          </a:r>
+          <a:endParaRPr lang="en-US" sz="3000" kern="1200" dirty="0">
+            <a:solidFill>
+              <a:schemeClr val="bg1">
+                <a:lumMod val="95000"/>
+              </a:schemeClr>
+            </a:solidFill>
+            <a:latin typeface="Smiley Sans Oblique" pitchFamily="2" charset="-122"/>
+            <a:ea typeface="Smiley Sans Oblique" pitchFamily="2" charset="-122"/>
+          </a:endParaRPr>
+        </a:p>
+      </dsp:txBody>
+      <dsp:txXfrm>
+        <a:off x="6451743" y="1960"/>
+        <a:ext cx="2751906" cy="1651143"/>
+      </dsp:txXfrm>
+    </dsp:sp>
+    <dsp:sp modelId="{489CE7C2-C882-8347-8E55-4898B8FFE2DA}">
+      <dsp:nvSpPr>
+        <dsp:cNvPr id="0" name=""/>
+        <dsp:cNvSpPr/>
+      </dsp:nvSpPr>
+      <dsp:spPr>
+        <a:xfrm>
+          <a:off x="1911098" y="1928295"/>
+          <a:ext cx="2751906" cy="1651143"/>
+        </a:xfrm>
+        <a:prstGeom prst="rect">
+          <a:avLst/>
+        </a:prstGeom>
+        <a:solidFill>
+          <a:schemeClr val="accent5">
+            <a:hueOff val="0"/>
+            <a:satOff val="0"/>
+            <a:lumOff val="0"/>
+            <a:alphaOff val="0"/>
+          </a:schemeClr>
+        </a:solidFill>
+        <a:ln w="34925" cap="flat" cmpd="sng" algn="in">
+          <a:solidFill>
+            <a:schemeClr val="lt1">
+              <a:hueOff val="0"/>
+              <a:satOff val="0"/>
+              <a:lumOff val="0"/>
+              <a:alphaOff val="0"/>
+            </a:schemeClr>
+          </a:solidFill>
+          <a:prstDash val="solid"/>
+        </a:ln>
+        <a:effectLst/>
+      </dsp:spPr>
+      <dsp:style>
+        <a:lnRef idx="2">
+          <a:scrgbClr r="0" g="0" b="0"/>
+        </a:lnRef>
+        <a:fillRef idx="1">
+          <a:scrgbClr r="0" g="0" b="0"/>
+        </a:fillRef>
+        <a:effectRef idx="0">
+          <a:scrgbClr r="0" g="0" b="0"/>
+        </a:effectRef>
+        <a:fontRef idx="minor">
+          <a:schemeClr val="lt1"/>
+        </a:fontRef>
+      </dsp:style>
+      <dsp:txBody>
+        <a:bodyPr spcFirstLastPara="0" vert="horz" wrap="square" lIns="114300" tIns="114300" rIns="114300" bIns="114300" numCol="1" spcCol="1270" anchor="ctr" anchorCtr="0">
+          <a:noAutofit/>
+        </a:bodyPr>
+        <a:lstStyle/>
+        <a:p>
+          <a:pPr marL="0" lvl="0" indent="0" algn="ctr" defTabSz="1333500">
+            <a:lnSpc>
+              <a:spcPct val="90000"/>
+            </a:lnSpc>
+            <a:spcBef>
+              <a:spcPct val="0"/>
+            </a:spcBef>
+            <a:spcAft>
+              <a:spcPct val="35000"/>
+            </a:spcAft>
+            <a:buNone/>
+          </a:pPr>
+          <a:r>
+            <a:rPr lang="en-US" sz="3000" kern="1200" baseline="0" dirty="0">
+              <a:solidFill>
+                <a:schemeClr val="bg1">
+                  <a:lumMod val="95000"/>
+                </a:schemeClr>
+              </a:solidFill>
+              <a:latin typeface="Smiley Sans Oblique" pitchFamily="2" charset="-122"/>
+              <a:ea typeface="Smiley Sans Oblique" pitchFamily="2" charset="-122"/>
+            </a:rPr>
+            <a:t>Fees </a:t>
+          </a:r>
+          <a:r>
+            <a:rPr lang="en-US" sz="3000" kern="1200" baseline="0" dirty="0" err="1">
+              <a:solidFill>
+                <a:schemeClr val="bg1">
+                  <a:lumMod val="95000"/>
+                </a:schemeClr>
+              </a:solidFill>
+              <a:latin typeface="Smiley Sans Oblique" pitchFamily="2" charset="-122"/>
+              <a:ea typeface="Smiley Sans Oblique" pitchFamily="2" charset="-122"/>
+            </a:rPr>
+            <a:t>交易费用</a:t>
+          </a:r>
+          <a:r>
+            <a:rPr lang="zh-CN" sz="3000" kern="1200" baseline="0" dirty="0">
+              <a:solidFill>
+                <a:schemeClr val="bg1">
+                  <a:lumMod val="95000"/>
+                </a:schemeClr>
+              </a:solidFill>
+              <a:latin typeface="Smiley Sans Oblique" pitchFamily="2" charset="-122"/>
+              <a:ea typeface="Smiley Sans Oblique" pitchFamily="2" charset="-122"/>
+            </a:rPr>
+            <a:t> </a:t>
+          </a:r>
+          <a:endParaRPr lang="en-CA" altLang="zh-CN" sz="3000" kern="1200" baseline="0" dirty="0">
+            <a:solidFill>
+              <a:schemeClr val="bg1">
+                <a:lumMod val="95000"/>
+              </a:schemeClr>
+            </a:solidFill>
+            <a:latin typeface="Smiley Sans Oblique" pitchFamily="2" charset="-122"/>
+            <a:ea typeface="Smiley Sans Oblique" pitchFamily="2" charset="-122"/>
+          </a:endParaRPr>
+        </a:p>
+        <a:p>
+          <a:pPr marL="0" lvl="0" indent="0" algn="ctr" defTabSz="1333500">
+            <a:lnSpc>
+              <a:spcPct val="90000"/>
+            </a:lnSpc>
+            <a:spcBef>
+              <a:spcPct val="0"/>
+            </a:spcBef>
+            <a:spcAft>
+              <a:spcPct val="35000"/>
+            </a:spcAft>
+            <a:buNone/>
+          </a:pPr>
+          <a:r>
+            <a:rPr lang="en-US" sz="3000" kern="1200" baseline="0" dirty="0">
+              <a:solidFill>
+                <a:schemeClr val="bg1">
+                  <a:lumMod val="95000"/>
+                </a:schemeClr>
+              </a:solidFill>
+              <a:latin typeface="Smiley Sans Oblique" pitchFamily="2" charset="-122"/>
+              <a:ea typeface="Smiley Sans Oblique" pitchFamily="2" charset="-122"/>
+            </a:rPr>
+            <a:t>&lt;C&gt;</a:t>
+          </a:r>
+          <a:endParaRPr lang="en-US" sz="3000" kern="1200" dirty="0">
+            <a:solidFill>
+              <a:schemeClr val="bg1">
+                <a:lumMod val="95000"/>
+              </a:schemeClr>
+            </a:solidFill>
+            <a:latin typeface="Smiley Sans Oblique" pitchFamily="2" charset="-122"/>
+            <a:ea typeface="Smiley Sans Oblique" pitchFamily="2" charset="-122"/>
+          </a:endParaRPr>
+        </a:p>
+      </dsp:txBody>
+      <dsp:txXfrm>
+        <a:off x="1911098" y="1928295"/>
+        <a:ext cx="2751906" cy="1651143"/>
+      </dsp:txXfrm>
+    </dsp:sp>
+    <dsp:sp modelId="{57489499-8728-C846-B021-EF7752B3BD70}">
+      <dsp:nvSpPr>
+        <dsp:cNvPr id="0" name=""/>
+        <dsp:cNvSpPr/>
+      </dsp:nvSpPr>
+      <dsp:spPr>
+        <a:xfrm>
+          <a:off x="4938195" y="1928295"/>
+          <a:ext cx="2751906" cy="1651143"/>
+        </a:xfrm>
+        <a:prstGeom prst="rect">
+          <a:avLst/>
+        </a:prstGeom>
+        <a:solidFill>
+          <a:schemeClr val="accent6">
+            <a:hueOff val="0"/>
+            <a:satOff val="0"/>
+            <a:lumOff val="0"/>
+            <a:alphaOff val="0"/>
+          </a:schemeClr>
+        </a:solidFill>
+        <a:ln w="34925" cap="flat" cmpd="sng" algn="in">
+          <a:solidFill>
+            <a:schemeClr val="lt1">
+              <a:hueOff val="0"/>
+              <a:satOff val="0"/>
+              <a:lumOff val="0"/>
+              <a:alphaOff val="0"/>
+            </a:schemeClr>
+          </a:solidFill>
+          <a:prstDash val="solid"/>
+        </a:ln>
+        <a:effectLst/>
+      </dsp:spPr>
+      <dsp:style>
+        <a:lnRef idx="2">
+          <a:scrgbClr r="0" g="0" b="0"/>
+        </a:lnRef>
+        <a:fillRef idx="1">
+          <a:scrgbClr r="0" g="0" b="0"/>
+        </a:fillRef>
+        <a:effectRef idx="0">
+          <a:scrgbClr r="0" g="0" b="0"/>
+        </a:effectRef>
+        <a:fontRef idx="minor">
+          <a:schemeClr val="lt1"/>
+        </a:fontRef>
+      </dsp:style>
+      <dsp:txBody>
+        <a:bodyPr spcFirstLastPara="0" vert="horz" wrap="square" lIns="114300" tIns="114300" rIns="114300" bIns="114300" numCol="1" spcCol="1270" anchor="ctr" anchorCtr="0">
+          <a:noAutofit/>
+        </a:bodyPr>
+        <a:lstStyle/>
+        <a:p>
+          <a:pPr marL="0" lvl="0" indent="0" algn="ctr" defTabSz="1333500">
+            <a:lnSpc>
+              <a:spcPct val="90000"/>
+            </a:lnSpc>
+            <a:spcBef>
+              <a:spcPct val="0"/>
+            </a:spcBef>
+            <a:spcAft>
+              <a:spcPct val="35000"/>
+            </a:spcAft>
+            <a:buNone/>
+          </a:pPr>
+          <a:r>
+            <a:rPr lang="en-US" sz="3000" kern="1200" baseline="0" dirty="0">
+              <a:solidFill>
+                <a:schemeClr val="bg1">
+                  <a:lumMod val="95000"/>
+                </a:schemeClr>
+              </a:solidFill>
+              <a:latin typeface="Smiley Sans Oblique" pitchFamily="2" charset="-122"/>
+              <a:ea typeface="Smiley Sans Oblique" pitchFamily="2" charset="-122"/>
+            </a:rPr>
+            <a:t>Leverage</a:t>
+          </a:r>
+          <a:r>
+            <a:rPr lang="zh-CN" sz="3000" kern="1200" baseline="0" dirty="0">
+              <a:solidFill>
+                <a:schemeClr val="bg1">
+                  <a:lumMod val="95000"/>
+                </a:schemeClr>
+              </a:solidFill>
+              <a:latin typeface="Smiley Sans Oblique" pitchFamily="2" charset="-122"/>
+              <a:ea typeface="Smiley Sans Oblique" pitchFamily="2" charset="-122"/>
+            </a:rPr>
+            <a:t> 杠杆 </a:t>
+          </a:r>
+          <a:r>
+            <a:rPr lang="en-CA" sz="3000" kern="1200" baseline="0" dirty="0">
+              <a:solidFill>
+                <a:schemeClr val="bg1">
+                  <a:lumMod val="95000"/>
+                </a:schemeClr>
+              </a:solidFill>
+              <a:latin typeface="Smiley Sans Oblique" pitchFamily="2" charset="-122"/>
+              <a:ea typeface="Smiley Sans Oblique" pitchFamily="2" charset="-122"/>
+            </a:rPr>
+            <a:t>&lt;Lev&gt;</a:t>
+          </a:r>
+          <a:endParaRPr lang="en-US" sz="3000" kern="1200" dirty="0">
+            <a:solidFill>
+              <a:schemeClr val="bg1">
+                <a:lumMod val="95000"/>
+              </a:schemeClr>
+            </a:solidFill>
+            <a:latin typeface="Smiley Sans Oblique" pitchFamily="2" charset="-122"/>
+            <a:ea typeface="Smiley Sans Oblique" pitchFamily="2" charset="-122"/>
+          </a:endParaRPr>
+        </a:p>
+      </dsp:txBody>
+      <dsp:txXfrm>
+        <a:off x="4938195" y="1928295"/>
+        <a:ext cx="2751906" cy="1651143"/>
+      </dsp:txXfrm>
+    </dsp:sp>
+  </dsp:spTree>
+</dsp:drawing>
+</file>
+
+<file path=ppt/diagrams/layout1.xml><?xml version="1.0" encoding="utf-8"?>
+<dgm:layoutDef xmlns:dgm="http://schemas.openxmlformats.org/drawingml/2006/diagram" xmlns:a="http://schemas.openxmlformats.org/drawingml/2006/main" uniqueId="urn:microsoft.com/office/officeart/2005/8/layout/default">
+  <dgm:title val=""/>
+  <dgm:desc val=""/>
+  <dgm:catLst>
+    <dgm:cat type="list" pri="400"/>
+  </dgm:catLst>
+  <dgm:sampData>
+    <dgm:dataModel>
+      <dgm:ptLst>
+        <dgm:pt modelId="0" type="doc"/>
+        <dgm:pt modelId="1">
+          <dgm:prSet phldr="1"/>
+        </dgm:pt>
+        <dgm:pt modelId="2">
+          <dgm:prSet phldr="1"/>
+        </dgm:pt>
+        <dgm:pt modelId="3">
+          <dgm:prSet phldr="1"/>
+        </dgm:pt>
+        <dgm:pt modelId="4">
+          <dgm:prSet phldr="1"/>
+        </dgm:pt>
+        <dgm:pt modelId="5">
+          <dgm:prSet phldr="1"/>
+        </dgm:pt>
+      </dgm:ptLst>
+      <dgm:cxnLst>
+        <dgm:cxn modelId="6" srcId="0" destId="1" srcOrd="0" destOrd="0"/>
+        <dgm:cxn modelId="7" srcId="0" destId="2" srcOrd="1" destOrd="0"/>
+        <dgm:cxn modelId="8" srcId="0" destId="3" srcOrd="2" destOrd="0"/>
+        <dgm:cxn modelId="9" srcId="0" destId="4" srcOrd="3" destOrd="0"/>
+        <dgm:cxn modelId="10" srcId="0" destId="5" srcOrd="4" destOrd="0"/>
+      </dgm:cxnLst>
+      <dgm:bg/>
+      <dgm:whole/>
+    </dgm:dataModel>
+  </dgm:sampData>
+  <dgm:styleData>
+    <dgm:dataModel>
+      <dgm:ptLst>
+        <dgm:pt modelId="0" type="doc"/>
+        <dgm:pt modelId="1"/>
+        <dgm:pt modelId="2"/>
+      </dgm:ptLst>
+      <dgm:cxnLst>
+        <dgm:cxn modelId="3" srcId="0" destId="1" srcOrd="0" destOrd="0"/>
+        <dgm:cxn modelId="4" srcId="0" destId="2" srcOrd="1" destOrd="0"/>
+      </dgm:cxnLst>
+      <dgm:bg/>
+      <dgm:whole/>
+    </dgm:dataModel>
+  </dgm:styleData>
+  <dgm:clrData>
+    <dgm:dataModel>
+      <dgm:ptLst>
+        <dgm:pt modelId="0" type="doc"/>
+        <dgm:pt modelId="1"/>
+        <dgm:pt modelId="2"/>
+        <dgm:pt modelId="3"/>
+        <dgm:pt modelId="4"/>
+        <dgm:pt modelId="5"/>
+        <dgm:pt modelId="6"/>
+      </dgm:ptLst>
+      <dgm:cxnLst>
+        <dgm:cxn modelId="7" srcId="0" destId="1" srcOrd="0" destOrd="0"/>
+        <dgm:cxn modelId="8" srcId="0" destId="2" srcOrd="1" destOrd="0"/>
+        <dgm:cxn modelId="9" srcId="0" destId="3" srcOrd="2" destOrd="0"/>
+        <dgm:cxn modelId="10" srcId="0" destId="4" srcOrd="3" destOrd="0"/>
+        <dgm:cxn modelId="11" srcId="0" destId="5" srcOrd="4" destOrd="0"/>
+        <dgm:cxn modelId="12" srcId="0" destId="6" srcOrd="5" destOrd="0"/>
+      </dgm:cxnLst>
+      <dgm:bg/>
+      <dgm:whole/>
+    </dgm:dataModel>
+  </dgm:clrData>
+  <dgm:layoutNode name="diagram">
+    <dgm:varLst>
+      <dgm:dir/>
+      <dgm:resizeHandles val="exact"/>
+    </dgm:varLst>
+    <dgm:choose name="Name0">
+      <dgm:if name="Name1" func="var" arg="dir" op="equ" val="norm">
+        <dgm:alg type="snake">
+          <dgm:param type="grDir" val="tL"/>
+          <dgm:param type="flowDir" val="row"/>
+          <dgm:param type="contDir" val="sameDir"/>
+          <dgm:param type="off" val="ctr"/>
+        </dgm:alg>
+      </dgm:if>
+      <dgm:else name="Name2">
+        <dgm:alg type="snake">
+          <dgm:param type="grDir" val="tR"/>
+          <dgm:param type="flowDir" val="row"/>
+          <dgm:param type="contDir" val="sameDir"/>
+          <dgm:param type="off" val="ctr"/>
+        </dgm:alg>
+      </dgm:else>
+    </dgm:choose>
+    <dgm:shape xmlns:r="http://schemas.openxmlformats.org/officeDocument/2006/relationships" r:blip="">
+      <dgm:adjLst/>
+    </dgm:shape>
+    <dgm:presOf/>
+    <dgm:constrLst>
+      <dgm:constr type="w" for="ch" forName="node" refType="w"/>
+      <dgm:constr type="h" for="ch" forName="node" refType="w" refFor="ch" refForName="node" fact="0.6"/>
+      <dgm:constr type="w" for="ch" forName="sibTrans" refType="w" refFor="ch" refForName="node" fact="0.1"/>
+      <dgm:constr type="sp" refType="w" refFor="ch" refForName="sibTrans"/>
+      <dgm:constr type="primFontSz" for="ch" forName="node" op="equ" val="65"/>
+    </dgm:constrLst>
+    <dgm:ruleLst/>
+    <dgm:forEach name="Name3" axis="ch" ptType="node">
+      <dgm:layoutNode name="node">
+        <dgm:varLst>
+          <dgm:bulletEnabled val="1"/>
+        </dgm:varLst>
+        <dgm:alg type="tx"/>
+        <dgm:shape xmlns:r="http://schemas.openxmlformats.org/officeDocument/2006/relationships" type="rect" r:blip="">
+          <dgm:adjLst/>
+        </dgm:shape>
+        <dgm:presOf axis="desOrSelf" ptType="node"/>
+        <dgm:constrLst>
+          <dgm:constr type="lMarg" refType="primFontSz" fact="0.3"/>
+          <dgm:constr type="rMarg" refType="primFontSz" fact="0.3"/>
+          <dgm:constr type="tMarg" refType="primFontSz" fact="0.3"/>
+          <dgm:constr type="bMarg" refType="primFontSz" fact="0.3"/>
+        </dgm:constrLst>
+        <dgm:ruleLst>
+          <dgm:rule type="primFontSz" val="5" fact="NaN" max="NaN"/>
+        </dgm:ruleLst>
+      </dgm:layoutNode>
+      <dgm:forEach name="Name4" axis="followSib" ptType="sibTrans" cnt="1">
+        <dgm:layoutNode name="sibTrans">
+          <dgm:alg type="sp"/>
+          <dgm:shape xmlns:r="http://schemas.openxmlformats.org/officeDocument/2006/relationships" r:blip="">
+            <dgm:adjLst/>
+          </dgm:shape>
+          <dgm:presOf/>
+          <dgm:constrLst/>
+          <dgm:ruleLst/>
+        </dgm:layoutNode>
+      </dgm:forEach>
+    </dgm:forEach>
+  </dgm:layoutNode>
+</dgm:layoutDef>
+</file>
+
+<file path=ppt/diagrams/quickStyle1.xml><?xml version="1.0" encoding="utf-8"?>
+<dgm:styleDef xmlns:dgm="http://schemas.openxmlformats.org/drawingml/2006/diagram" xmlns:a="http://schemas.openxmlformats.org/drawingml/2006/main" uniqueId="urn:microsoft.com/office/officeart/2005/8/quickstyle/simple1">
+  <dgm:title val=""/>
+  <dgm:desc val=""/>
+  <dgm:catLst>
+    <dgm:cat type="simple" pri="10100"/>
+  </dgm:catLst>
+  <dgm:scene3d>
+    <a:camera prst="orthographicFront"/>
+    <a:lightRig rig="threePt" dir="t"/>
+  </dgm:scene3d>
+  <dgm:styleLbl name="node0">
+    <dgm:scene3d>
+      <a:camera prst="orthographicFront"/>
+      <a:lightRig rig="threePt" dir="t"/>
+    </dgm:scene3d>
+    <dgm:sp3d/>
+    <dgm:txPr/>
+    <dgm:style>
+      <a:lnRef idx="2">
+        <a:scrgbClr r="0" g="0" b="0"/>
+      </a:lnRef>
+      <a:fillRef idx="1">
+        <a:scrgbClr r="0" g="0" b="0"/>
+      </a:fillRef>
+      <a:effectRef idx="0">
+        <a:scrgbClr r="0" g="0" b="0"/>
+      </a:effectRef>
+      <a:fontRef idx="minor">
+        <a:schemeClr val="lt1"/>
+      </a:fontRef>
+    </dgm:style>
+  </dgm:styleLbl>
+  <dgm:styleLbl name="lnNode1">
+    <dgm:scene3d>
+      <a:camera prst="orthographicFront"/>
+      <a:lightRig rig="threePt" dir="t"/>
+    </dgm:scene3d>
+    <dgm:sp3d/>
+    <dgm:txPr/>
+    <dgm:style>
+      <a:lnRef idx="2">
+        <a:scrgbClr r="0" g="0" b="0"/>
+      </a:lnRef>
+      <a:fillRef idx="1">
+        <a:scrgbClr r="0" g="0" b="0"/>
+      </a:fillRef>
+      <a:effectRef idx="0">
+        <a:scrgbClr r="0" g="0" b="0"/>
+      </a:effectRef>
+      <a:fontRef idx="minor">
+        <a:schemeClr val="lt1"/>
+      </a:fontRef>
+    </dgm:style>
+  </dgm:styleLbl>
+  <dgm:styleLbl name="vennNode1">
+    <dgm:scene3d>
+      <a:camera prst="orthographicFront"/>
+      <a:lightRig rig="threePt" dir="t"/>
+    </dgm:scene3d>
+    <dgm:sp3d/>
+    <dgm:txPr/>
+    <dgm:style>
+      <a:lnRef idx="2">
+        <a:scrgbClr r="0" g="0" b="0"/>
+      </a:lnRef>
+      <a:fillRef idx="1">
+        <a:scrgbClr r="0" g="0" b="0"/>
+      </a:fillRef>
+      <a:effectRef idx="0">
+        <a:scrgbClr r="0" g="0" b="0"/>
+      </a:effectRef>
+      <a:fontRef idx="minor">
+        <a:schemeClr val="tx1"/>
+      </a:fontRef>
+    </dgm:style>
+  </dgm:styleLbl>
+  <dgm:styleLbl name="alignNode1">
+    <dgm:scene3d>
+      <a:camera prst="orthographicFront"/>
+      <a:lightRig rig="threePt" dir="t"/>
+    </dgm:scene3d>
+    <dgm:sp3d/>
+    <dgm:txPr/>
+    <dgm:style>
+      <a:lnRef idx="2">
+        <a:scrgbClr r="0" g="0" b="0"/>
+      </a:lnRef>
+      <a:fillRef idx="1">
+        <a:scrgbClr r="0" g="0" b="0"/>
+      </a:fillRef>
+      <a:effectRef idx="0">
+        <a:scrgbClr r="0" g="0" b="0"/>
+      </a:effectRef>
+      <a:fontRef idx="minor">
+        <a:schemeClr val="lt1"/>
+      </a:fontRef>
+    </dgm:style>
+  </dgm:styleLbl>
+  <dgm:styleLbl name="node1">
+    <dgm:scene3d>
+      <a:camera prst="orthographicFront"/>
+      <a:lightRig rig="threePt" dir="t"/>
+    </dgm:scene3d>
+    <dgm:sp3d/>
+    <dgm:txPr/>
+    <dgm:style>
+      <a:lnRef idx="2">
+        <a:scrgbClr r="0" g="0" b="0"/>
+      </a:lnRef>
+      <a:fillRef idx="1">
+        <a:scrgbClr r="0" g="0" b="0"/>
+      </a:fillRef>
+      <a:effectRef idx="0">
+        <a:scrgbClr r="0" g="0" b="0"/>
+      </a:effectRef>
+      <a:fontRef idx="minor">
+        <a:schemeClr val="lt1"/>
+      </a:fontRef>
+    </dgm:style>
+  </dgm:styleLbl>
+  <dgm:styleLbl name="node2">
+    <dgm:scene3d>
+      <a:camera prst="orthographicFront"/>
+      <a:lightRig rig="threePt" dir="t"/>
+    </dgm:scene3d>
+    <dgm:sp3d/>
+    <dgm:txPr/>
+    <dgm:style>
+      <a:lnRef idx="2">
+        <a:scrgbClr r="0" g="0" b="0"/>
+      </a:lnRef>
+      <a:fillRef idx="1">
+        <a:scrgbClr r="0" g="0" b="0"/>
+      </a:fillRef>
+      <a:effectRef idx="0">
+        <a:scrgbClr r="0" g="0" b="0"/>
+      </a:effectRef>
+      <a:fontRef idx="minor">
+        <a:schemeClr val="lt1"/>
+      </a:fontRef>
+    </dgm:style>
+  </dgm:styleLbl>
+  <dgm:styleLbl name="node3">
+    <dgm:scene3d>
+      <a:camera prst="orthographicFront"/>
+      <a:lightRig rig="threePt" dir="t"/>
+    </dgm:scene3d>
+    <dgm:sp3d/>
+    <dgm:txPr/>
+    <dgm:style>
+      <a:lnRef idx="2">
+        <a:scrgbClr r="0" g="0" b="0"/>
+      </a:lnRef>
+      <a:fillRef idx="1">
+        <a:scrgbClr r="0" g="0" b="0"/>
+      </a:fillRef>
+      <a:effectRef idx="0">
+        <a:scrgbClr r="0" g="0" b="0"/>
+      </a:effectRef>
+      <a:fontRef idx="minor">
+        <a:schemeClr val="lt1"/>
+      </a:fontRef>
+    </dgm:style>
+  </dgm:styleLbl>
+  <dgm:styleLbl name="node4">
+    <dgm:scene3d>
+      <a:camera prst="orthographicFront"/>
+      <a:lightRig rig="threePt" dir="t"/>
+    </dgm:scene3d>
+    <dgm:sp3d/>
+    <dgm:txPr/>
+    <dgm:style>
+      <a:lnRef idx="2">
+        <a:scrgbClr r="0" g="0" b="0"/>
+      </a:lnRef>
+      <a:fillRef idx="1">
+        <a:scrgbClr r="0" g="0" b="0"/>
+      </a:fillRef>
+      <a:effectRef idx="0">
+        <a:scrgbClr r="0" g="0" b="0"/>
+      </a:effectRef>
+      <a:fontRef idx="minor">
+        <a:schemeClr val="lt1"/>
+      </a:fontRef>
+    </dgm:style>
+  </dgm:styleLbl>
+  <dgm:styleLbl name="fgImgPlace1">
+    <dgm:scene3d>
+      <a:camera prst="orthographicFront"/>
+      <a:lightRig rig="threePt" dir="t"/>
+    </dgm:scene3d>
+    <dgm:sp3d/>
+    <dgm:txPr/>
+    <dgm:style>
+      <a:lnRef idx="2">
+        <a:scrgbClr r="0" g="0" b="0"/>
+      </a:lnRef>
+      <a:fillRef idx="1">
+        <a:scrgbClr r="0" g="0" b="0"/>
+      </a:fillRef>
+      <a:effectRef idx="0">
+        <a:scrgbClr r="0" g="0" b="0"/>
+      </a:effectRef>
+      <a:fontRef idx="minor"/>
+    </dgm:style>
+  </dgm:styleLbl>
+  <dgm:styleLbl name="alignImgPlace1">
+    <dgm:scene3d>
+      <a:camera prst="orthographicFront"/>
+      <a:lightRig rig="threePt" dir="t"/>
+    </dgm:scene3d>
+    <dgm:sp3d/>
+    <dgm:txPr/>
+    <dgm:style>
+      <a:lnRef idx="2">
+        <a:scrgbClr r="0" g="0" b="0"/>
+      </a:lnRef>
+      <a:fillRef idx="1">
+        <a:scrgbClr r="0" g="0" b="0"/>
+      </a:fillRef>
+      <a:effectRef idx="0">
+        <a:scrgbClr r="0" g="0" b="0"/>
+      </a:effectRef>
+      <a:fontRef idx="minor"/>
+    </dgm:style>
+  </dgm:styleLbl>
+  <dgm:styleLbl name="bgImgPlace1">
+    <dgm:scene3d>
+      <a:camera prst="orthographicFront"/>
+      <a:lightRig rig="threePt" dir="t"/>
+    </dgm:scene3d>
+    <dgm:sp3d/>
+    <dgm:txPr/>
+    <dgm:style>
+      <a:lnRef idx="2">
+        <a:scrgbClr r="0" g="0" b="0"/>
+      </a:lnRef>
+      <a:fillRef idx="1">
+        <a:scrgbClr r="0" g="0" b="0"/>
+      </a:fillRef>
+      <a:effectRef idx="0">
+        <a:scrgbClr r="0" g="0" b="0"/>
+      </a:effectRef>
+      <a:fontRef idx="minor"/>
+    </dgm:style>
+  </dgm:styleLbl>
+  <dgm:styleLbl name="sibTrans2D1">
+    <dgm:scene3d>
+      <a:camera prst="orthographicFront"/>
+      <a:lightRig rig="threePt" dir="t"/>
+    </dgm:scene3d>
+    <dgm:sp3d/>
+    <dgm:txPr/>
+    <dgm:style>
+      <a:lnRef idx="0">
+        <a:scrgbClr r="0" g="0" b="0"/>
+      </a:lnRef>
+      <a:fillRef idx="1">
+        <a:scrgbClr r="0" g="0" b="0"/>
+      </a:fillRef>
+      <a:effectRef idx="0">
+        <a:scrgbClr r="0" g="0" b="0"/>
+      </a:effectRef>
+      <a:fontRef idx="minor">
+        <a:schemeClr val="lt1"/>
+      </a:fontRef>
+    </dgm:style>
+  </dgm:styleLbl>
+  <dgm:styleLbl name="fgSibTrans2D1">
+    <dgm:scene3d>
+      <a:camera prst="orthographicFront"/>
+      <a:lightRig rig="threePt" dir="t"/>
+    </dgm:scene3d>
+    <dgm:sp3d/>
+    <dgm:txPr/>
+    <dgm:style>
+      <a:lnRef idx="0">
+        <a:scrgbClr r="0" g="0" b="0"/>
+      </a:lnRef>
+      <a:fillRef idx="1">
+        <a:scrgbClr r="0" g="0" b="0"/>
+      </a:fillRef>
+      <a:effectRef idx="0">
+        <a:scrgbClr r="0" g="0" b="0"/>
+      </a:effectRef>
+      <a:fontRef idx="minor">
+        <a:schemeClr val="lt1"/>
+      </a:fontRef>
+    </dgm:style>
+  </dgm:styleLbl>
+  <dgm:styleLbl name="bgSibTrans2D1">
+    <dgm:scene3d>
+      <a:camera prst="orthographicFront"/>
+      <a:lightRig rig="threePt" dir="t"/>
+    </dgm:scene3d>
+    <dgm:sp3d/>
+    <dgm:txPr/>
+    <dgm:style>
+      <a:lnRef idx="0">
+        <a:scrgbClr r="0" g="0" b="0"/>
+      </a:lnRef>
+      <a:fillRef idx="1">
+        <a:scrgbClr r="0" g="0" b="0"/>
+      </a:fillRef>
+      <a:effectRef idx="0">
+        <a:scrgbClr r="0" g="0" b="0"/>
+      </a:effectRef>
+      <a:fontRef idx="minor">
+        <a:schemeClr val="lt1"/>
+      </a:fontRef>
+    </dgm:style>
+  </dgm:styleLbl>
+  <dgm:styleLbl name="sibTrans1D1">
+    <dgm:scene3d>
+      <a:camera prst="orthographicFront"/>
+      <a:lightRig rig="threePt" dir="t"/>
+    </dgm:scene3d>
+    <dgm:sp3d/>
+    <dgm:txPr/>
+    <dgm:style>
+      <a:lnRef idx="1">
+        <a:scrgbClr r="0" g="0" b="0"/>
+      </a:lnRef>
+      <a:fillRef idx="0">
+        <a:scrgbClr r="0" g="0" b="0"/>
+      </a:fillRef>
+      <a:effectRef idx="0">
+        <a:scrgbClr r="0" g="0" b="0"/>
+      </a:effectRef>
+      <a:fontRef idx="minor"/>
+    </dgm:style>
+  </dgm:styleLbl>
+  <dgm:styleLbl name="callout">
+    <dgm:scene3d>
+      <a:camera prst="orthographicFront"/>
+      <a:lightRig rig="threePt" dir="t"/>
+    </dgm:scene3d>
+    <dgm:sp3d/>
+    <dgm:txPr/>
+    <dgm:style>
+      <a:lnRef idx="2">
+        <a:scrgbClr r="0" g="0" b="0"/>
+      </a:lnRef>
+      <a:fillRef idx="1">
+        <a:scrgbClr r="0" g="0" b="0"/>
+      </a:fillRef>
+      <a:effectRef idx="0">
+        <a:scrgbClr r="0" g="0" b="0"/>
+      </a:effectRef>
+      <a:fontRef idx="minor"/>
+    </dgm:style>
+  </dgm:styleLbl>
+  <dgm:styleLbl name="asst0">
+    <dgm:scene3d>
+      <a:camera prst="orthographicFront"/>
+      <a:lightRig rig="threePt" dir="t"/>
+    </dgm:scene3d>
+    <dgm:sp3d/>
+    <dgm:txPr/>
+    <dgm:style>
+      <a:lnRef idx="2">
+        <a:scrgbClr r="0" g="0" b="0"/>
+      </a:lnRef>
+      <a:fillRef idx="1">
+        <a:scrgbClr r="0" g="0" b="0"/>
+      </a:fillRef>
+      <a:effectRef idx="0">
+        <a:scrgbClr r="0" g="0" b="0"/>
+      </a:effectRef>
+      <a:fontRef idx="minor">
+        <a:schemeClr val="lt1"/>
+      </a:fontRef>
+    </dgm:style>
+  </dgm:styleLbl>
+  <dgm:styleLbl name="asst1">
+    <dgm:scene3d>
+      <a:camera prst="orthographicFront"/>
+      <a:lightRig rig="threePt" dir="t"/>
+    </dgm:scene3d>
+    <dgm:sp3d/>
+    <dgm:txPr/>
+    <dgm:style>
+      <a:lnRef idx="2">
+        <a:scrgbClr r="0" g="0" b="0"/>
+      </a:lnRef>
+      <a:fillRef idx="1">
+        <a:scrgbClr r="0" g="0" b="0"/>
+      </a:fillRef>
+      <a:effectRef idx="0">
+        <a:scrgbClr r="0" g="0" b="0"/>
+      </a:effectRef>
+      <a:fontRef idx="minor">
+        <a:schemeClr val="lt1"/>
+      </a:fontRef>
+    </dgm:style>
+  </dgm:styleLbl>
+  <dgm:styleLbl name="asst2">
+    <dgm:scene3d>
+      <a:camera prst="orthographicFront"/>
+      <a:lightRig rig="threePt" dir="t"/>
+    </dgm:scene3d>
+    <dgm:sp3d/>
+    <dgm:txPr/>
+    <dgm:style>
+      <a:lnRef idx="2">
+        <a:scrgbClr r="0" g="0" b="0"/>
+      </a:lnRef>
+      <a:fillRef idx="1">
+        <a:scrgbClr r="0" g="0" b="0"/>
+      </a:fillRef>
+      <a:effectRef idx="0">
+        <a:scrgbClr r="0" g="0" b="0"/>
+      </a:effectRef>
+      <a:fontRef idx="minor">
+        <a:schemeClr val="lt1"/>
+      </a:fontRef>
+    </dgm:style>
+  </dgm:styleLbl>
+  <dgm:styleLbl name="asst3">
+    <dgm:scene3d>
+      <a:camera prst="orthographicFront"/>
+      <a:lightRig rig="threePt" dir="t"/>
+    </dgm:scene3d>
+    <dgm:sp3d/>
+    <dgm:txPr/>
+    <dgm:style>
+      <a:lnRef idx="2">
+        <a:scrgbClr r="0" g="0" b="0"/>
+      </a:lnRef>
+      <a:fillRef idx="1">
+        <a:scrgbClr r="0" g="0" b="0"/>
+      </a:fillRef>
+      <a:effectRef idx="0">
+        <a:scrgbClr r="0" g="0" b="0"/>
+      </a:effectRef>
+      <a:fontRef idx="minor">
+        <a:schemeClr val="lt1"/>
+      </a:fontRef>
+    </dgm:style>
+  </dgm:styleLbl>
+  <dgm:styleLbl name="asst4">
+    <dgm:scene3d>
+      <a:camera prst="orthographicFront"/>
+      <a:lightRig rig="threePt" dir="t"/>
+    </dgm:scene3d>
+    <dgm:sp3d/>
+    <dgm:txPr/>
+    <dgm:style>
+      <a:lnRef idx="2">
+        <a:scrgbClr r="0" g="0" b="0"/>
+      </a:lnRef>
+      <a:fillRef idx="1">
+        <a:scrgbClr r="0" g="0" b="0"/>
+      </a:fillRef>
+      <a:effectRef idx="0">
+        <a:scrgbClr r="0" g="0" b="0"/>
+      </a:effectRef>
+      <a:fontRef idx="minor">
+        <a:schemeClr val="lt1"/>
+      </a:fontRef>
+    </dgm:style>
+  </dgm:styleLbl>
+  <dgm:styleLbl name="parChTrans2D1">
+    <dgm:scene3d>
+      <a:camera prst="orthographicFront"/>
+      <a:lightRig rig="threePt" dir="t"/>
+    </dgm:scene3d>
+    <dgm:sp3d/>
+    <dgm:txPr/>
+    <dgm:style>
+      <a:lnRef idx="2">
+        <a:scrgbClr r="0" g="0" b="0"/>
+      </a:lnRef>
+      <a:fillRef idx="1">
+        <a:scrgbClr r="0" g="0" b="0"/>
+      </a:fillRef>
+      <a:effectRef idx="0">
+        <a:scrgbClr r="0" g="0" b="0"/>
+      </a:effectRef>
+      <a:fontRef idx="minor">
+        <a:schemeClr val="lt1"/>
+      </a:fontRef>
+    </dgm:style>
+  </dgm:styleLbl>
+  <dgm:styleLbl name="parChTrans2D2">
+    <dgm:scene3d>
+      <a:camera prst="orthographicFront"/>
+      <a:lightRig rig="threePt" dir="t"/>
+    </dgm:scene3d>
+    <dgm:sp3d/>
+    <dgm:txPr/>
+    <dgm:style>
+      <a:lnRef idx="2">
+        <a:scrgbClr r="0" g="0" b="0"/>
+      </a:lnRef>
+      <a:fillRef idx="1">
+        <a:scrgbClr r="0" g="0" b="0"/>
+      </a:fillRef>
+      <a:effectRef idx="0">
+        <a:scrgbClr r="0" g="0" b="0"/>
+      </a:effectRef>
+      <a:fontRef idx="minor">
+        <a:schemeClr val="lt1"/>
+      </a:fontRef>
+    </dgm:style>
+  </dgm:styleLbl>
+  <dgm:styleLbl name="parChTrans2D3">
+    <dgm:scene3d>
+      <a:camera prst="orthographicFront"/>
+      <a:lightRig rig="threePt" dir="t"/>
+    </dgm:scene3d>
+    <dgm:sp3d/>
+    <dgm:txPr/>
+    <dgm:style>
+      <a:lnRef idx="2">
+        <a:scrgbClr r="0" g="0" b="0"/>
+      </a:lnRef>
+      <a:fillRef idx="1">
+        <a:scrgbClr r="0" g="0" b="0"/>
+      </a:fillRef>
+      <a:effectRef idx="0">
+        <a:scrgbClr r="0" g="0" b="0"/>
+      </a:effectRef>
+      <a:fontRef idx="minor">
+        <a:schemeClr val="lt1"/>
+      </a:fontRef>
+    </dgm:style>
+  </dgm:styleLbl>
+  <dgm:styleLbl name="parChTrans2D4">
+    <dgm:scene3d>
+      <a:camera prst="orthographicFront"/>
+      <a:lightRig rig="threePt" dir="t"/>
+    </dgm:scene3d>
+    <dgm:sp3d/>
+    <dgm:txPr/>
+    <dgm:style>
+      <a:lnRef idx="2">
+        <a:scrgbClr r="0" g="0" b="0"/>
+      </a:lnRef>
+      <a:fillRef idx="1">
+        <a:scrgbClr r="0" g="0" b="0"/>
+      </a:fillRef>
+      <a:effectRef idx="0">
+        <a:scrgbClr r="0" g="0" b="0"/>
+      </a:effectRef>
+      <a:fontRef idx="minor">
+        <a:schemeClr val="lt1"/>
+      </a:fontRef>
+    </dgm:style>
+  </dgm:styleLbl>
+  <dgm:styleLbl name="parChTrans1D1">
+    <dgm:scene3d>
+      <a:camera prst="orthographicFront"/>
+      <a:lightRig rig="threePt" dir="t"/>
+    </dgm:scene3d>
+    <dgm:sp3d/>
+    <dgm:txPr/>
+    <dgm:style>
+      <a:lnRef idx="2">
+        <a:scrgbClr r="0" g="0" b="0"/>
+      </a:lnRef>
+      <a:fillRef idx="0">
+        <a:scrgbClr r="0" g="0" b="0"/>
+      </a:fillRef>
+      <a:effectRef idx="0">
+        <a:scrgbClr r="0" g="0" b="0"/>
+      </a:effectRef>
+      <a:fontRef idx="minor"/>
+    </dgm:style>
+  </dgm:styleLbl>
+  <dgm:styleLbl name="parChTrans1D2">
+    <dgm:scene3d>
+      <a:camera prst="orthographicFront"/>
+      <a:lightRig rig="threePt" dir="t"/>
+    </dgm:scene3d>
+    <dgm:sp3d/>
+    <dgm:txPr/>
+    <dgm:style>
+      <a:lnRef idx="2">
+        <a:scrgbClr r="0" g="0" b="0"/>
+      </a:lnRef>
+      <a:fillRef idx="0">
+        <a:scrgbClr r="0" g="0" b="0"/>
+      </a:fillRef>
+      <a:effectRef idx="0">
+        <a:scrgbClr r="0" g="0" b="0"/>
+      </a:effectRef>
+      <a:fontRef idx="minor"/>
+    </dgm:style>
+  </dgm:styleLbl>
+  <dgm:styleLbl name="parChTrans1D3">
+    <dgm:scene3d>
+      <a:camera prst="orthographicFront"/>
+      <a:lightRig rig="threePt" dir="t"/>
+    </dgm:scene3d>
+    <dgm:sp3d/>
+    <dgm:txPr/>
+    <dgm:style>
+      <a:lnRef idx="2">
+        <a:scrgbClr r="0" g="0" b="0"/>
+      </a:lnRef>
+      <a:fillRef idx="0">
+        <a:scrgbClr r="0" g="0" b="0"/>
+      </a:fillRef>
+      <a:effectRef idx="0">
+        <a:scrgbClr r="0" g="0" b="0"/>
+      </a:effectRef>
+      <a:fontRef idx="minor"/>
+    </dgm:style>
+  </dgm:styleLbl>
+  <dgm:styleLbl name="parChTrans1D4">
+    <dgm:scene3d>
+      <a:camera prst="orthographicFront"/>
+      <a:lightRig rig="threePt" dir="t"/>
+    </dgm:scene3d>
+    <dgm:sp3d/>
+    <dgm:txPr/>
+    <dgm:style>
+      <a:lnRef idx="2">
+        <a:scrgbClr r="0" g="0" b="0"/>
+      </a:lnRef>
+      <a:fillRef idx="0">
+        <a:scrgbClr r="0" g="0" b="0"/>
+      </a:fillRef>
+      <a:effectRef idx="0">
+        <a:scrgbClr r="0" g="0" b="0"/>
+      </a:effectRef>
+      <a:fontRef idx="minor"/>
+    </dgm:style>
+  </dgm:styleLbl>
+  <dgm:styleLbl name="fgAcc1">
+    <dgm:scene3d>
+      <a:camera prst="orthographicFront"/>
+      <a:lightRig rig="threePt" dir="t"/>
+    </dgm:scene3d>
+    <dgm:sp3d/>
+    <dgm:txPr/>
+    <dgm:style>
+      <a:lnRef idx="2">
+        <a:scrgbClr r="0" g="0" b="0"/>
+      </a:lnRef>
+      <a:fillRef idx="1">
+        <a:scrgbClr r="0" g="0" b="0"/>
+      </a:fillRef>
+      <a:effectRef idx="0">
+        <a:scrgbClr r="0" g="0" b="0"/>
+      </a:effectRef>
+      <a:fontRef idx="minor"/>
+    </dgm:style>
+  </dgm:styleLbl>
+  <dgm:styleLbl name="conFgAcc1">
+    <dgm:scene3d>
+      <a:camera prst="orthographicFront"/>
+      <a:lightRig rig="threePt" dir="t"/>
+    </dgm:scene3d>
+    <dgm:sp3d/>
+    <dgm:txPr/>
+    <dgm:style>
+      <a:lnRef idx="2">
+        <a:scrgbClr r="0" g="0" b="0"/>
+      </a:lnRef>
+      <a:fillRef idx="1">
+        <a:scrgbClr r="0" g="0" b="0"/>
+      </a:fillRef>
+      <a:effectRef idx="0">
+        <a:scrgbClr r="0" g="0" b="0"/>
+      </a:effectRef>
+      <a:fontRef idx="minor"/>
+    </dgm:style>
+  </dgm:styleLbl>
+  <dgm:styleLbl name="alignAcc1">
+    <dgm:scene3d>
+      <a:camera prst="orthographicFront"/>
+      <a:lightRig rig="threePt" dir="t"/>
+    </dgm:scene3d>
+    <dgm:sp3d/>
+    <dgm:txPr/>
+    <dgm:style>
+      <a:lnRef idx="2">
+        <a:scrgbClr r="0" g="0" b="0"/>
+      </a:lnRef>
+      <a:fillRef idx="1">
+        <a:scrgbClr r="0" g="0" b="0"/>
+      </a:fillRef>
+      <a:effectRef idx="0">
+        <a:scrgbClr r="0" g="0" b="0"/>
+      </a:effectRef>
+      <a:fontRef idx="minor"/>
+    </dgm:style>
+  </dgm:styleLbl>
+  <dgm:styleLbl name="trAlignAcc1">
+    <dgm:scene3d>
+      <a:camera prst="orthographicFront"/>
+      <a:lightRig rig="threePt" dir="t"/>
+    </dgm:scene3d>
+    <dgm:sp3d/>
+    <dgm:txPr/>
+    <dgm:style>
+      <a:lnRef idx="1">
+        <a:scrgbClr r="0" g="0" b="0"/>
+      </a:lnRef>
+      <a:fillRef idx="1">
+        <a:scrgbClr r="0" g="0" b="0"/>
+      </a:fillRef>
+      <a:effectRef idx="0">
+        <a:scrgbClr r="0" g="0" b="0"/>
+      </a:effectRef>
+      <a:fontRef idx="minor"/>
+    </dgm:style>
+  </dgm:styleLbl>
+  <dgm:styleLbl name="bgAcc1">
+    <dgm:scene3d>
+      <a:camera prst="orthographicFront"/>
+      <a:lightRig rig="threePt" dir="t"/>
+    </dgm:scene3d>
+    <dgm:sp3d/>
+    <dgm:txPr/>
+    <dgm:style>
+      <a:lnRef idx="2">
+        <a:scrgbClr r="0" g="0" b="0"/>
+      </a:lnRef>
+      <a:fillRef idx="1">
+        <a:scrgbClr r="0" g="0" b="0"/>
+      </a:fillRef>
+      <a:effectRef idx="0">
+        <a:scrgbClr r="0" g="0" b="0"/>
+      </a:effectRef>
+      <a:fontRef idx="minor"/>
+    </dgm:style>
+  </dgm:styleLbl>
+  <dgm:styleLbl name="solidFgAcc1">
+    <dgm:scene3d>
+      <a:camera prst="orthographicFront"/>
+      <a:lightRig rig="threePt" dir="t"/>
+    </dgm:scene3d>
+    <dgm:sp3d/>
+    <dgm:txPr/>
+    <dgm:style>
+      <a:lnRef idx="2">
+        <a:scrgbClr r="0" g="0" b="0"/>
+      </a:lnRef>
+      <a:fillRef idx="1">
+        <a:scrgbClr r="0" g="0" b="0"/>
+      </a:fillRef>
+      <a:effectRef idx="0">
+        <a:scrgbClr r="0" g="0" b="0"/>
+      </a:effectRef>
+      <a:fontRef idx="minor"/>
+    </dgm:style>
+  </dgm:styleLbl>
+  <dgm:styleLbl name="solidAlignAcc1">
+    <dgm:scene3d>
+      <a:camera prst="orthographicFront"/>
+      <a:lightRig rig="threePt" dir="t"/>
+    </dgm:scene3d>
+    <dgm:sp3d/>
+    <dgm:txPr/>
+    <dgm:style>
+      <a:lnRef idx="2">
+        <a:scrgbClr r="0" g="0" b="0"/>
+      </a:lnRef>
+      <a:fillRef idx="1">
+        <a:scrgbClr r="0" g="0" b="0"/>
+      </a:fillRef>
+      <a:effectRef idx="0">
+        <a:scrgbClr r="0" g="0" b="0"/>
+      </a:effectRef>
+      <a:fontRef idx="minor"/>
+    </dgm:style>
+  </dgm:styleLbl>
+  <dgm:styleLbl name="solidBgAcc1">
+    <dgm:scene3d>
+      <a:camera prst="orthographicFront"/>
+      <a:lightRig rig="threePt" dir="t"/>
+    </dgm:scene3d>
+    <dgm:sp3d/>
+    <dgm:txPr/>
+    <dgm:style>
+      <a:lnRef idx="2">
+        <a:scrgbClr r="0" g="0" b="0"/>
+      </a:lnRef>
+      <a:fillRef idx="1">
+        <a:scrgbClr r="0" g="0" b="0"/>
+      </a:fillRef>
+      <a:effectRef idx="0">
+        <a:scrgbClr r="0" g="0" b="0"/>
+      </a:effectRef>
+      <a:fontRef idx="minor"/>
+    </dgm:style>
+  </dgm:styleLbl>
+  <dgm:styleLbl name="fgAccFollowNode1">
+    <dgm:scene3d>
+      <a:camera prst="orthographicFront"/>
+      <a:lightRig rig="threePt" dir="t"/>
+    </dgm:scene3d>
+    <dgm:sp3d/>
+    <dgm:txPr/>
+    <dgm:style>
+      <a:lnRef idx="2">
+        <a:scrgbClr r="0" g="0" b="0"/>
+      </a:lnRef>
+      <a:fillRef idx="1">
+        <a:scrgbClr r="0" g="0" b="0"/>
+      </a:fillRef>
+      <a:effectRef idx="0">
+        <a:scrgbClr r="0" g="0" b="0"/>
+      </a:effectRef>
+      <a:fontRef idx="minor"/>
+    </dgm:style>
+  </dgm:styleLbl>
+  <dgm:styleLbl name="alignAccFollowNode1">
+    <dgm:scene3d>
+      <a:camera prst="orthographicFront"/>
+      <a:lightRig rig="threePt" dir="t"/>
+    </dgm:scene3d>
+    <dgm:sp3d/>
+    <dgm:txPr/>
+    <dgm:style>
+      <a:lnRef idx="2">
+        <a:scrgbClr r="0" g="0" b="0"/>
+      </a:lnRef>
+      <a:fillRef idx="1">
+        <a:scrgbClr r="0" g="0" b="0"/>
+      </a:fillRef>
+      <a:effectRef idx="0">
+        <a:scrgbClr r="0" g="0" b="0"/>
+      </a:effectRef>
+      <a:fontRef idx="minor"/>
+    </dgm:style>
+  </dgm:styleLbl>
+  <dgm:styleLbl name="bgAccFollowNode1">
+    <dgm:scene3d>
+      <a:camera prst="orthographicFront"/>
+      <a:lightRig rig="threePt" dir="t"/>
+    </dgm:scene3d>
+    <dgm:sp3d/>
+    <dgm:txPr/>
+    <dgm:style>
+      <a:lnRef idx="2">
+        <a:scrgbClr r="0" g="0" b="0"/>
+      </a:lnRef>
+      <a:fillRef idx="1">
+        <a:scrgbClr r="0" g="0" b="0"/>
+      </a:fillRef>
+      <a:effectRef idx="0">
+        <a:scrgbClr r="0" g="0" b="0"/>
+      </a:effectRef>
+      <a:fontRef idx="minor"/>
+    </dgm:style>
+  </dgm:styleLbl>
+  <dgm:styleLbl name="fgAcc0">
+    <dgm:scene3d>
+      <a:camera prst="orthographicFront"/>
+      <a:lightRig rig="threePt" dir="t"/>
+    </dgm:scene3d>
+    <dgm:sp3d/>
+    <dgm:txPr/>
+    <dgm:style>
+      <a:lnRef idx="2">
+        <a:scrgbClr r="0" g="0" b="0"/>
+      </a:lnRef>
+      <a:fillRef idx="1">
+        <a:scrgbClr r="0" g="0" b="0"/>
+      </a:fillRef>
+      <a:effectRef idx="0">
+        <a:scrgbClr r="0" g="0" b="0"/>
+      </a:effectRef>
+      <a:fontRef idx="minor"/>
+    </dgm:style>
+  </dgm:styleLbl>
+  <dgm:styleLbl name="fgAcc2">
+    <dgm:scene3d>
+      <a:camera prst="orthographicFront"/>
+      <a:lightRig rig="threePt" dir="t"/>
+    </dgm:scene3d>
+    <dgm:sp3d/>
+    <dgm:txPr/>
+    <dgm:style>
+      <a:lnRef idx="2">
+        <a:scrgbClr r="0" g="0" b="0"/>
+      </a:lnRef>
+      <a:fillRef idx="1">
+        <a:scrgbClr r="0" g="0" b="0"/>
+      </a:fillRef>
+      <a:effectRef idx="0">
+        <a:scrgbClr r="0" g="0" b="0"/>
+      </a:effectRef>
+      <a:fontRef idx="minor"/>
+    </dgm:style>
+  </dgm:styleLbl>
+  <dgm:styleLbl name="fgAcc3">
+    <dgm:scene3d>
+      <a:camera prst="orthographicFront"/>
+      <a:lightRig rig="threePt" dir="t"/>
+    </dgm:scene3d>
+    <dgm:sp3d/>
+    <dgm:txPr/>
+    <dgm:style>
+      <a:lnRef idx="2">
+        <a:scrgbClr r="0" g="0" b="0"/>
+      </a:lnRef>
+      <a:fillRef idx="1">
+        <a:scrgbClr r="0" g="0" b="0"/>
+      </a:fillRef>
+      <a:effectRef idx="0">
+        <a:scrgbClr r="0" g="0" b="0"/>
+      </a:effectRef>
+      <a:fontRef idx="minor"/>
+    </dgm:style>
+  </dgm:styleLbl>
+  <dgm:styleLbl name="fgAcc4">
+    <dgm:scene3d>
+      <a:camera prst="orthographicFront"/>
+      <a:lightRig rig="threePt" dir="t"/>
+    </dgm:scene3d>
+    <dgm:sp3d/>
+    <dgm:txPr/>
+    <dgm:style>
+      <a:lnRef idx="2">
+        <a:scrgbClr r="0" g="0" b="0"/>
+      </a:lnRef>
+      <a:fillRef idx="1">
+        <a:scrgbClr r="0" g="0" b="0"/>
+      </a:fillRef>
+      <a:effectRef idx="0">
+        <a:scrgbClr r="0" g="0" b="0"/>
+      </a:effectRef>
+      <a:fontRef idx="minor"/>
+    </dgm:style>
+  </dgm:styleLbl>
+  <dgm:styleLbl name="bgShp">
+    <dgm:scene3d>
+      <a:camera prst="orthographicFront"/>
+      <a:lightRig rig="threePt" dir="t"/>
+    </dgm:scene3d>
+    <dgm:sp3d/>
+    <dgm:txPr/>
+    <dgm:style>
+      <a:lnRef idx="0">
+        <a:scrgbClr r="0" g="0" b="0"/>
+      </a:lnRef>
+      <a:fillRef idx="1">
+        <a:scrgbClr r="0" g="0" b="0"/>
+      </a:fillRef>
+      <a:effectRef idx="0">
+        <a:scrgbClr r="0" g="0" b="0"/>
+      </a:effectRef>
+      <a:fontRef idx="minor"/>
+    </dgm:style>
+  </dgm:styleLbl>
+  <dgm:styleLbl name="dkBgShp">
+    <dgm:scene3d>
+      <a:camera prst="orthographicFront"/>
+      <a:lightRig rig="threePt" dir="t"/>
+    </dgm:scene3d>
+    <dgm:sp3d/>
+    <dgm:txPr/>
+    <dgm:style>
+      <a:lnRef idx="0">
+        <a:scrgbClr r="0" g="0" b="0"/>
+      </a:lnRef>
+      <a:fillRef idx="1">
+        <a:scrgbClr r="0" g="0" b="0"/>
+      </a:fillRef>
+      <a:effectRef idx="0">
+        <a:scrgbClr r="0" g="0" b="0"/>
+      </a:effectRef>
+      <a:fontRef idx="minor"/>
+    </dgm:style>
+  </dgm:styleLbl>
+  <dgm:styleLbl name="trBgShp">
+    <dgm:scene3d>
+      <a:camera prst="orthographicFront"/>
+      <a:lightRig rig="threePt" dir="t"/>
+    </dgm:scene3d>
+    <dgm:sp3d/>
+    <dgm:txPr/>
+    <dgm:style>
+      <a:lnRef idx="0">
+        <a:scrgbClr r="0" g="0" b="0"/>
+      </a:lnRef>
+      <a:fillRef idx="1">
+        <a:scrgbClr r="0" g="0" b="0"/>
+      </a:fillRef>
+      <a:effectRef idx="0">
+        <a:scrgbClr r="0" g="0" b="0"/>
+      </a:effectRef>
+      <a:fontRef idx="minor"/>
+    </dgm:style>
+  </dgm:styleLbl>
+  <dgm:styleLbl name="fgShp">
+    <dgm:scene3d>
+      <a:camera prst="orthographicFront"/>
+      <a:lightRig rig="threePt" dir="t"/>
+    </dgm:scene3d>
+    <dgm:sp3d/>
+    <dgm:txPr/>
+    <dgm:style>
+      <a:lnRef idx="2">
+        <a:scrgbClr r="0" g="0" b="0"/>
+      </a:lnRef>
+      <a:fillRef idx="1">
+        <a:scrgbClr r="0" g="0" b="0"/>
+      </a:fillRef>
+      <a:effectRef idx="0">
+        <a:scrgbClr r="0" g="0" b="0"/>
+      </a:effectRef>
+      <a:fontRef idx="minor"/>
+    </dgm:style>
+  </dgm:styleLbl>
+  <dgm:styleLbl name="revTx">
+    <dgm:scene3d>
+      <a:camera prst="orthographicFront"/>
+      <a:lightRig rig="threePt" dir="t"/>
+    </dgm:scene3d>
+    <dgm:sp3d/>
+    <dgm:txPr/>
+    <dgm:style>
+      <a:lnRef idx="0">
+        <a:scrgbClr r="0" g="0" b="0"/>
+      </a:lnRef>
+      <a:fillRef idx="0">
+        <a:scrgbClr r="0" g="0" b="0"/>
+      </a:fillRef>
+      <a:effectRef idx="0">
+        <a:scrgbClr r="0" g="0" b="0"/>
+      </a:effectRef>
+      <a:fontRef idx="minor"/>
+    </dgm:style>
+  </dgm:styleLbl>
+</dgm:styleDef>
+</file>
+
 <file path=ppt/notesMasters/notesMaster1.xml><?xml version="1.0" encoding="utf-8"?>
 <p:notesMaster xmlns:a="http://schemas.openxmlformats.org/drawingml/2006/main" xmlns:r="http://schemas.openxmlformats.org/officeDocument/2006/relationships" xmlns:p="http://schemas.openxmlformats.org/presentationml/2006/main">
   <p:cSld>
@@ -205,7 +3583,7 @@
           <a:p>
             <a:fld id="{858789CB-A6B6-7344-A385-F17046100C2C}" type="datetimeFigureOut">
               <a:rPr lang="en-US" smtClean="0"/>
-              <a:t>4/30/24</a:t>
+              <a:t>5/13/24</a:t>
             </a:fld>
             <a:endParaRPr lang="en-US"/>
           </a:p>
@@ -641,7 +4019,7 @@
           <a:p>
             <a:fld id="{373F4D34-7C8F-1547-AC59-F2078F1B169D}" type="datetime1">
               <a:rPr lang="en-CA" smtClean="0"/>
-              <a:t>2024-04-30</a:t>
+              <a:t>2024-05-13</a:t>
             </a:fld>
             <a:endParaRPr lang="en-US" dirty="0"/>
           </a:p>
@@ -971,7 +4349,7 @@
           <a:p>
             <a:fld id="{9FF481D6-72ED-294A-AA8D-DC8106617E3A}" type="datetime1">
               <a:rPr lang="en-CA" smtClean="0"/>
-              <a:t>2024-04-30</a:t>
+              <a:t>2024-05-13</a:t>
             </a:fld>
             <a:endParaRPr lang="en-US" dirty="0"/>
           </a:p>
@@ -1150,7 +4528,7 @@
           <a:p>
             <a:fld id="{BF485AD5-94A8-B84D-B03D-CEDA7CB8DE87}" type="datetime1">
               <a:rPr lang="en-CA" smtClean="0"/>
-              <a:t>2024-04-30</a:t>
+              <a:t>2024-05-13</a:t>
             </a:fld>
             <a:endParaRPr lang="en-US" dirty="0"/>
           </a:p>
@@ -1319,7 +4697,7 @@
           <a:p>
             <a:fld id="{32C5AFA2-60D3-1541-9F8F-E6578B4D1E81}" type="datetime1">
               <a:rPr lang="en-CA" smtClean="0"/>
-              <a:t>2024-04-30</a:t>
+              <a:t>2024-05-13</a:t>
             </a:fld>
             <a:endParaRPr lang="en-US" dirty="0"/>
           </a:p>
@@ -1595,7 +4973,7 @@
           <a:p>
             <a:fld id="{C2B0F9E3-A125-304C-9EB9-24B15BF44460}" type="datetime1">
               <a:rPr lang="en-CA" smtClean="0"/>
-              <a:t>2024-04-30</a:t>
+              <a:t>2024-05-13</a:t>
             </a:fld>
             <a:endParaRPr lang="en-US" dirty="0"/>
           </a:p>
@@ -1989,7 +5367,7 @@
           <a:p>
             <a:fld id="{1AB82E49-DF91-D54E-847C-10FB19C5515E}" type="datetime1">
               <a:rPr lang="en-CA" smtClean="0"/>
-              <a:t>2024-04-30</a:t>
+              <a:t>2024-05-13</a:t>
             </a:fld>
             <a:endParaRPr lang="en-US" dirty="0"/>
           </a:p>
@@ -2465,7 +5843,7 @@
           <a:p>
             <a:fld id="{C8E9E126-D282-934A-AB5F-E0309B4E46BE}" type="datetime1">
               <a:rPr lang="en-CA" smtClean="0"/>
-              <a:t>2024-04-30</a:t>
+              <a:t>2024-05-13</a:t>
             </a:fld>
             <a:endParaRPr lang="en-US" dirty="0"/>
           </a:p>
@@ -2582,7 +5960,7 @@
           <a:p>
             <a:fld id="{F63E0DC3-9A0D-E14B-8F74-64B62ECAFC89}" type="datetime1">
               <a:rPr lang="en-CA" smtClean="0"/>
-              <a:t>2024-04-30</a:t>
+              <a:t>2024-05-13</a:t>
             </a:fld>
             <a:endParaRPr lang="en-US" dirty="0"/>
           </a:p>
@@ -2676,7 +6054,7 @@
           <a:p>
             <a:fld id="{F5181309-3156-8A4F-98FE-11EB4A7E4C4D}" type="datetime1">
               <a:rPr lang="en-CA" smtClean="0"/>
-              <a:t>2024-04-30</a:t>
+              <a:t>2024-05-13</a:t>
             </a:fld>
             <a:endParaRPr lang="en-US" dirty="0"/>
           </a:p>
@@ -3021,7 +6399,7 @@
           <a:p>
             <a:fld id="{C5BE8D80-B1DF-984B-96CF-4997B59612F2}" type="datetime1">
               <a:rPr lang="en-CA" smtClean="0"/>
-              <a:t>2024-04-30</a:t>
+              <a:t>2024-05-13</a:t>
             </a:fld>
             <a:endParaRPr lang="en-US" dirty="0"/>
           </a:p>
@@ -3409,7 +6787,7 @@
           <a:p>
             <a:fld id="{FE4C8A48-1DB1-1F46-A712-68A2968C070E}" type="datetime1">
               <a:rPr lang="en-CA" smtClean="0"/>
-              <a:t>2024-04-30</a:t>
+              <a:t>2024-05-13</a:t>
             </a:fld>
             <a:endParaRPr lang="en-US" dirty="0"/>
           </a:p>
@@ -3687,7 +7065,7 @@
           <a:p>
             <a:fld id="{1C26BF3C-FA1B-8840-9D04-6D931E1AF381}" type="datetime1">
               <a:rPr lang="en-CA" smtClean="0"/>
-              <a:t>2024-04-30</a:t>
+              <a:t>2024-05-13</a:t>
             </a:fld>
             <a:endParaRPr lang="en-US" dirty="0"/>
           </a:p>
@@ -4306,6 +7684,192 @@
 </p:sld>
 </file>
 
+<file path=ppt/slides/slide10.xml><?xml version="1.0" encoding="utf-8"?>
+<p:sld xmlns:a="http://schemas.openxmlformats.org/drawingml/2006/main" xmlns:r="http://schemas.openxmlformats.org/officeDocument/2006/relationships" xmlns:p="http://schemas.openxmlformats.org/presentationml/2006/main">
+  <p:cSld>
+    <p:spTree>
+      <p:nvGrpSpPr>
+        <p:cNvPr id="1" name=""/>
+        <p:cNvGrpSpPr/>
+        <p:nvPr/>
+      </p:nvGrpSpPr>
+      <p:grpSpPr>
+        <a:xfrm>
+          <a:off x="0" y="0"/>
+          <a:ext cx="0" cy="0"/>
+          <a:chOff x="0" y="0"/>
+          <a:chExt cx="0" cy="0"/>
+        </a:xfrm>
+      </p:grpSpPr>
+      <p:sp>
+        <p:nvSpPr>
+          <p:cNvPr id="2" name="Title 1">
+            <a:extLst>
+              <a:ext uri="{FF2B5EF4-FFF2-40B4-BE49-F238E27FC236}">
+                <a16:creationId xmlns:a16="http://schemas.microsoft.com/office/drawing/2014/main" id="{56683077-B53E-4B2F-A86A-DF06C6ADF366}"/>
+              </a:ext>
+            </a:extLst>
+          </p:cNvPr>
+          <p:cNvSpPr>
+            <a:spLocks noGrp="1"/>
+          </p:cNvSpPr>
+          <p:nvPr>
+            <p:ph type="title"/>
+          </p:nvPr>
+        </p:nvSpPr>
+        <p:spPr/>
+        <p:txBody>
+          <a:bodyPr/>
+          <a:lstStyle/>
+          <a:p>
+            <a:r>
+              <a:rPr lang="en-US" spc="300" dirty="0">
+                <a:latin typeface="Smiley Sans Oblique" pitchFamily="2" charset="-122"/>
+                <a:ea typeface="Smiley Sans Oblique" pitchFamily="2" charset="-122"/>
+              </a:rPr>
+              <a:t>POSITION CONTROL</a:t>
+            </a:r>
+            <a:br>
+              <a:rPr lang="en-US" spc="300" dirty="0">
+                <a:latin typeface="Smiley Sans Oblique" pitchFamily="2" charset="-122"/>
+                <a:ea typeface="Smiley Sans Oblique" pitchFamily="2" charset="-122"/>
+              </a:rPr>
+            </a:br>
+            <a:r>
+              <a:rPr lang="en-US" sz="3600" spc="300" dirty="0">
+                <a:latin typeface="Smiley Sans Oblique" pitchFamily="2" charset="-122"/>
+                <a:ea typeface="Smiley Sans Oblique" pitchFamily="2" charset="-122"/>
+              </a:rPr>
+              <a:t>Consistency</a:t>
+            </a:r>
+            <a:endParaRPr lang="en-US" dirty="0"/>
+          </a:p>
+        </p:txBody>
+      </p:sp>
+      <p:sp>
+        <p:nvSpPr>
+          <p:cNvPr id="3" name="Content Placeholder 2">
+            <a:extLst>
+              <a:ext uri="{FF2B5EF4-FFF2-40B4-BE49-F238E27FC236}">
+                <a16:creationId xmlns:a16="http://schemas.microsoft.com/office/drawing/2014/main" id="{825114D6-762F-8179-917E-E56EA22716EB}"/>
+              </a:ext>
+            </a:extLst>
+          </p:cNvPr>
+          <p:cNvSpPr>
+            <a:spLocks noGrp="1"/>
+          </p:cNvSpPr>
+          <p:nvPr>
+            <p:ph idx="1"/>
+          </p:nvPr>
+        </p:nvSpPr>
+        <p:spPr/>
+        <p:txBody>
+          <a:bodyPr>
+            <a:normAutofit/>
+          </a:bodyPr>
+          <a:lstStyle/>
+          <a:p>
+            <a:r>
+              <a:rPr lang="en-US" sz="2400" spc="300" dirty="0">
+                <a:latin typeface="Smiley Sans Oblique" pitchFamily="2" charset="-122"/>
+                <a:ea typeface="Smiley Sans Oblique" pitchFamily="2" charset="-122"/>
+              </a:rPr>
+              <a:t>Consistency approaches the expectation</a:t>
+            </a:r>
+          </a:p>
+          <a:p>
+            <a:r>
+              <a:rPr lang="en-US" sz="2400" spc="300" dirty="0">
+                <a:latin typeface="Smiley Sans Oblique" pitchFamily="2" charset="-122"/>
+                <a:ea typeface="Smiley Sans Oblique" pitchFamily="2" charset="-122"/>
+              </a:rPr>
+              <a:t>Patience and discipline pays</a:t>
+            </a:r>
+          </a:p>
+          <a:p>
+            <a:endParaRPr lang="en-US" sz="2400" spc="300" dirty="0">
+              <a:latin typeface="Smiley Sans Oblique" pitchFamily="2" charset="-122"/>
+              <a:ea typeface="Smiley Sans Oblique" pitchFamily="2" charset="-122"/>
+            </a:endParaRPr>
+          </a:p>
+          <a:p>
+            <a:r>
+              <a:rPr lang="en-US" sz="2400" spc="300" dirty="0" err="1">
+                <a:latin typeface="Smiley Sans Oblique" pitchFamily="2" charset="-122"/>
+                <a:ea typeface="Smiley Sans Oblique" pitchFamily="2" charset="-122"/>
+              </a:rPr>
+              <a:t>一致性才能实现期望</a:t>
+            </a:r>
+            <a:endParaRPr lang="en-US" sz="2400" spc="300" dirty="0">
+              <a:latin typeface="Smiley Sans Oblique" pitchFamily="2" charset="-122"/>
+              <a:ea typeface="Smiley Sans Oblique" pitchFamily="2" charset="-122"/>
+            </a:endParaRPr>
+          </a:p>
+          <a:p>
+            <a:r>
+              <a:rPr lang="en-US" sz="2400" spc="300" dirty="0" err="1">
+                <a:latin typeface="Smiley Sans Oblique" pitchFamily="2" charset="-122"/>
+                <a:ea typeface="Smiley Sans Oblique" pitchFamily="2" charset="-122"/>
+              </a:rPr>
+              <a:t>耐心和纪律会有回报</a:t>
+            </a:r>
+            <a:endParaRPr lang="en-US" sz="2400" spc="300" dirty="0">
+              <a:latin typeface="Smiley Sans Oblique" pitchFamily="2" charset="-122"/>
+              <a:ea typeface="Smiley Sans Oblique" pitchFamily="2" charset="-122"/>
+            </a:endParaRPr>
+          </a:p>
+        </p:txBody>
+      </p:sp>
+      <p:sp>
+        <p:nvSpPr>
+          <p:cNvPr id="5" name="Footer Placeholder 3">
+            <a:extLst>
+              <a:ext uri="{FF2B5EF4-FFF2-40B4-BE49-F238E27FC236}">
+                <a16:creationId xmlns:a16="http://schemas.microsoft.com/office/drawing/2014/main" id="{51232CAC-852C-8CF1-8588-9F07B162C713}"/>
+              </a:ext>
+            </a:extLst>
+          </p:cNvPr>
+          <p:cNvSpPr>
+            <a:spLocks noGrp="1"/>
+          </p:cNvSpPr>
+          <p:nvPr>
+            <p:ph type="ftr" sz="quarter" idx="11"/>
+          </p:nvPr>
+        </p:nvSpPr>
+        <p:spPr>
+          <a:xfrm>
+            <a:off x="2955585" y="6453386"/>
+            <a:ext cx="6280830" cy="404614"/>
+          </a:xfrm>
+        </p:spPr>
+        <p:txBody>
+          <a:bodyPr/>
+          <a:lstStyle/>
+          <a:p>
+            <a:pPr algn="ctr"/>
+            <a:r>
+              <a:rPr lang="en-US" spc="300" dirty="0">
+                <a:latin typeface="Smiley Sans Oblique" pitchFamily="2" charset="-122"/>
+                <a:ea typeface="Smiley Sans Oblique" pitchFamily="2" charset="-122"/>
+              </a:rPr>
+              <a:t>©️Chartist RaphaelZ</a:t>
+            </a:r>
+          </a:p>
+        </p:txBody>
+      </p:sp>
+    </p:spTree>
+    <p:extLst>
+      <p:ext uri="{BB962C8B-B14F-4D97-AF65-F5344CB8AC3E}">
+        <p14:creationId xmlns:p14="http://schemas.microsoft.com/office/powerpoint/2010/main" val="1883108732"/>
+      </p:ext>
+    </p:extLst>
+  </p:cSld>
+  <p:clrMapOvr>
+    <a:masterClrMapping/>
+  </p:clrMapOvr>
+</p:sld>
+</file>
+
 <file path=ppt/slides/slide2.xml><?xml version="1.0" encoding="utf-8"?>
 <p:sld xmlns:a="http://schemas.openxmlformats.org/drawingml/2006/main" xmlns:r="http://schemas.openxmlformats.org/officeDocument/2006/relationships" xmlns:p="http://schemas.openxmlformats.org/presentationml/2006/main">
   <p:cSld>
@@ -4360,16 +7924,12 @@
               </a:rPr>
             </a:br>
             <a:r>
-              <a:rPr lang="en-US" sz="3600" dirty="0">
+              <a:rPr lang="en-US" sz="3600" spc="300" dirty="0">
                 <a:latin typeface="Smiley Sans Oblique" pitchFamily="2" charset="-122"/>
                 <a:ea typeface="Smiley Sans Oblique" pitchFamily="2" charset="-122"/>
               </a:rPr>
               <a:t>Position Value</a:t>
             </a:r>
-            <a:endParaRPr lang="en-US" sz="3600" spc="300" dirty="0">
-              <a:latin typeface="Smiley Sans Oblique" pitchFamily="2" charset="-122"/>
-              <a:ea typeface="Smiley Sans Oblique" pitchFamily="2" charset="-122"/>
-            </a:endParaRPr>
           </a:p>
         </p:txBody>
       </p:sp>
@@ -4399,7 +7959,7 @@
                 <a:latin typeface="Smiley Sans Oblique" pitchFamily="2" charset="-122"/>
                 <a:ea typeface="Smiley Sans Oblique" pitchFamily="2" charset="-122"/>
               </a:rPr>
-              <a:t>Single position value can be greater than total funds</a:t>
+              <a:t>Single position value, can be greater than total funds</a:t>
             </a:r>
           </a:p>
           <a:p>
@@ -4432,7 +7992,7 @@
                 <a:latin typeface="Smiley Sans Oblique" pitchFamily="2" charset="-122"/>
                 <a:ea typeface="Smiley Sans Oblique" pitchFamily="2" charset="-122"/>
               </a:rPr>
-              <a:t>单仓位价值可以比总资金量大</a:t>
+              <a:t>单仓位价值,可以比总资金量大</a:t>
             </a:r>
             <a:endParaRPr lang="en-US" sz="2400" spc="300" dirty="0">
               <a:latin typeface="Smiley Sans Oblique" pitchFamily="2" charset="-122"/>
@@ -4580,13 +8140,13 @@
               </a:rPr>
             </a:br>
             <a:r>
-              <a:rPr lang="en-US" sz="3600" dirty="0">
+              <a:rPr lang="en-US" sz="3600" spc="300" dirty="0">
                 <a:latin typeface="Smiley Sans Oblique" pitchFamily="2" charset="-122"/>
                 <a:ea typeface="Smiley Sans Oblique" pitchFamily="2" charset="-122"/>
               </a:rPr>
               <a:t>Position Value</a:t>
             </a:r>
-            <a:endParaRPr lang="en-US" sz="3600" spc="300" dirty="0">
+            <a:endParaRPr lang="en-US" spc="300" dirty="0">
               <a:latin typeface="Smiley Sans Oblique" pitchFamily="2" charset="-122"/>
               <a:ea typeface="Smiley Sans Oblique" pitchFamily="2" charset="-122"/>
             </a:endParaRPr>
@@ -4897,16 +8457,12 @@
               </a:rPr>
             </a:br>
             <a:r>
-              <a:rPr lang="en-US" sz="3600" dirty="0">
+              <a:rPr lang="en-US" sz="3600" spc="300" dirty="0">
                 <a:latin typeface="Smiley Sans Oblique" pitchFamily="2" charset="-122"/>
                 <a:ea typeface="Smiley Sans Oblique" pitchFamily="2" charset="-122"/>
               </a:rPr>
               <a:t>Position Value</a:t>
             </a:r>
-            <a:endParaRPr lang="en-US" sz="3600" spc="300" dirty="0">
-              <a:latin typeface="Smiley Sans Oblique" pitchFamily="2" charset="-122"/>
-              <a:ea typeface="Smiley Sans Oblique" pitchFamily="2" charset="-122"/>
-            </a:endParaRPr>
           </a:p>
         </p:txBody>
       </p:sp>
@@ -5229,16 +8785,12 @@
               </a:rPr>
             </a:br>
             <a:r>
-              <a:rPr lang="en-US" sz="3600" dirty="0">
+              <a:rPr lang="en-US" sz="3600" spc="300" dirty="0">
                 <a:latin typeface="Smiley Sans Oblique" pitchFamily="2" charset="-122"/>
                 <a:ea typeface="Smiley Sans Oblique" pitchFamily="2" charset="-122"/>
               </a:rPr>
               <a:t>Position Value</a:t>
             </a:r>
-            <a:endParaRPr lang="en-US" sz="3600" spc="300" dirty="0">
-              <a:latin typeface="Smiley Sans Oblique" pitchFamily="2" charset="-122"/>
-              <a:ea typeface="Smiley Sans Oblique" pitchFamily="2" charset="-122"/>
-            </a:endParaRPr>
           </a:p>
         </p:txBody>
       </p:sp>
@@ -5784,7 +9336,7 @@
                 <a:latin typeface="Smiley Sans Oblique" pitchFamily="2" charset="-122"/>
                 <a:ea typeface="Smiley Sans Oblique" pitchFamily="2" charset="-122"/>
               </a:rPr>
-              <a:t>LEVERAGE TRADING</a:t>
+              <a:t>POSITION CONTROL</a:t>
             </a:r>
             <a:br>
               <a:rPr lang="en-US" spc="300" dirty="0">
@@ -5797,21 +9349,7 @@
                 <a:latin typeface="Smiley Sans Oblique" pitchFamily="2" charset="-122"/>
                 <a:ea typeface="Smiley Sans Oblique" pitchFamily="2" charset="-122"/>
               </a:rPr>
-              <a:t>Risk</a:t>
-            </a:r>
-            <a:r>
-              <a:rPr lang="zh-CN" altLang="en-US" sz="3600" spc="300" dirty="0">
-                <a:latin typeface="Smiley Sans Oblique" pitchFamily="2" charset="-122"/>
-                <a:ea typeface="Smiley Sans Oblique" pitchFamily="2" charset="-122"/>
-              </a:rPr>
-              <a:t> </a:t>
-            </a:r>
-            <a:r>
-              <a:rPr lang="en-US" altLang="zh-CN" sz="3600" spc="300" dirty="0">
-                <a:latin typeface="Smiley Sans Oblique" pitchFamily="2" charset="-122"/>
-                <a:ea typeface="Smiley Sans Oblique" pitchFamily="2" charset="-122"/>
-              </a:rPr>
-              <a:t>Tolerance</a:t>
+              <a:t>Liquidation</a:t>
             </a:r>
             <a:endParaRPr lang="en-US" spc="300" dirty="0">
               <a:latin typeface="Smiley Sans Oblique" pitchFamily="2" charset="-122"/>
@@ -5820,239 +9358,163 @@
           </a:p>
         </p:txBody>
       </p:sp>
-      <mc:AlternateContent xmlns:mc="http://schemas.openxmlformats.org/markup-compatibility/2006" xmlns:a14="http://schemas.microsoft.com/office/drawing/2010/main">
-        <mc:Choice Requires="a14">
-          <p:sp>
-            <p:nvSpPr>
-              <p:cNvPr id="3" name="Content Placeholder 2">
-                <a:extLst>
-                  <a:ext uri="{FF2B5EF4-FFF2-40B4-BE49-F238E27FC236}">
-                    <a16:creationId xmlns:a16="http://schemas.microsoft.com/office/drawing/2014/main" id="{460F43C3-2F63-6D94-99FA-3716776B4568}"/>
-                  </a:ext>
-                </a:extLst>
-              </p:cNvPr>
-              <p:cNvSpPr>
-                <a:spLocks noGrp="1"/>
-              </p:cNvSpPr>
-              <p:nvPr>
-                <p:ph idx="1"/>
-              </p:nvPr>
-            </p:nvSpPr>
-            <p:spPr/>
-            <p:txBody>
-              <a:bodyPr/>
-              <a:lstStyle/>
-              <a:p>
-                <a:r>
-                  <a:rPr lang="en-US" sz="2400" spc="300" dirty="0">
-                    <a:latin typeface="Smiley Sans Oblique" pitchFamily="2" charset="-122"/>
-                    <a:ea typeface="Smiley Sans Oblique" pitchFamily="2" charset="-122"/>
-                  </a:rPr>
-                  <a:t>Amplify position value</a:t>
-                </a:r>
-              </a:p>
-              <a:p>
-                <a:pPr lvl="1"/>
-                <a14:m>
-                  <m:oMath xmlns:m="http://schemas.openxmlformats.org/officeDocument/2006/math">
-                    <m:r>
-                      <a:rPr lang="en-US" sz="2400" i="1" spc="300" dirty="0" smtClean="0">
-                        <a:latin typeface="Cambria Math" panose="02040503050406030204" pitchFamily="18" charset="0"/>
-                        <a:ea typeface="Smiley Sans Oblique" pitchFamily="2" charset="-122"/>
-                      </a:rPr>
-                      <m:t>𝑃𝑉</m:t>
-                    </m:r>
-                    <m:r>
-                      <a:rPr lang="en-CA" sz="2400" b="0" i="1" spc="300" dirty="0" smtClean="0">
-                        <a:latin typeface="Cambria Math" panose="02040503050406030204" pitchFamily="18" charset="0"/>
-                        <a:ea typeface="Smiley Sans Oblique" pitchFamily="2" charset="-122"/>
-                      </a:rPr>
-                      <m:t>  </m:t>
-                    </m:r>
-                    <m:r>
-                      <a:rPr lang="en-US" sz="2400" i="1" spc="300" dirty="0" smtClean="0">
-                        <a:latin typeface="Cambria Math" panose="02040503050406030204" pitchFamily="18" charset="0"/>
-                        <a:ea typeface="Smiley Sans Oblique" pitchFamily="2" charset="-122"/>
-                      </a:rPr>
-                      <m:t>=$</m:t>
-                    </m:r>
-                    <m:r>
-                      <a:rPr lang="en-US" sz="2400" i="1" spc="300" baseline="-25000" dirty="0" err="1" smtClean="0">
-                        <a:latin typeface="Cambria Math" panose="02040503050406030204" pitchFamily="18" charset="0"/>
-                        <a:ea typeface="Smiley Sans Oblique" pitchFamily="2" charset="-122"/>
-                      </a:rPr>
-                      <m:t>𝐹𝑢𝑛𝑑𝑠𝐼𝑛</m:t>
-                    </m:r>
-                    <m:r>
-                      <a:rPr lang="en-US" sz="2400" i="1" spc="300" dirty="0" smtClean="0">
-                        <a:latin typeface="Cambria Math" panose="02040503050406030204" pitchFamily="18" charset="0"/>
-                        <a:ea typeface="Smiley Sans Oblique" pitchFamily="2" charset="-122"/>
-                      </a:rPr>
-                      <m:t> </m:t>
-                    </m:r>
-                    <m:r>
-                      <a:rPr lang="en-US" sz="2400" i="1" spc="300" dirty="0" smtClean="0">
-                        <a:latin typeface="Cambria Math" panose="02040503050406030204" pitchFamily="18" charset="0"/>
-                        <a:ea typeface="Cambria Math" panose="02040503050406030204" pitchFamily="18" charset="0"/>
-                      </a:rPr>
-                      <m:t>×</m:t>
-                    </m:r>
-                    <m:r>
-                      <a:rPr lang="en-CA" sz="2400" b="0" i="1" spc="300" dirty="0" smtClean="0">
-                        <a:latin typeface="Cambria Math" panose="02040503050406030204" pitchFamily="18" charset="0"/>
-                        <a:ea typeface="Cambria Math" panose="02040503050406030204" pitchFamily="18" charset="0"/>
-                      </a:rPr>
-                      <m:t> </m:t>
-                    </m:r>
-                    <m:r>
-                      <a:rPr lang="en-US" sz="2400" i="1" spc="300" dirty="0" smtClean="0">
-                        <a:latin typeface="Cambria Math" panose="02040503050406030204" pitchFamily="18" charset="0"/>
-                        <a:ea typeface="Smiley Sans Oblique" pitchFamily="2" charset="-122"/>
-                      </a:rPr>
-                      <m:t>#</m:t>
-                    </m:r>
-                    <m:r>
-                      <a:rPr lang="en-US" sz="2400" i="1" spc="300" baseline="-25000" dirty="0" smtClean="0">
-                        <a:latin typeface="Cambria Math" panose="02040503050406030204" pitchFamily="18" charset="0"/>
-                        <a:ea typeface="Smiley Sans Oblique" pitchFamily="2" charset="-122"/>
-                      </a:rPr>
-                      <m:t>𝐿𝑒𝑣𝑒𝑟𝑎𝑔𝑒</m:t>
-                    </m:r>
-                  </m:oMath>
-                </a14:m>
-                <a:endParaRPr lang="en-US" sz="2400" i="0" spc="300" baseline="-25000" dirty="0">
-                  <a:latin typeface="Smiley Sans Oblique" pitchFamily="2" charset="-122"/>
-                  <a:ea typeface="Smiley Sans Oblique" pitchFamily="2" charset="-122"/>
-                </a:endParaRPr>
-              </a:p>
-              <a:p>
-                <a:r>
-                  <a:rPr lang="en-US" sz="2400" spc="300" dirty="0">
-                    <a:latin typeface="Smiley Sans Oblique" pitchFamily="2" charset="-122"/>
-                    <a:ea typeface="Smiley Sans Oblique" pitchFamily="2" charset="-122"/>
-                  </a:rPr>
-                  <a:t>Amplify profit and loss</a:t>
-                </a:r>
-              </a:p>
-              <a:p>
-                <a:pPr lvl="1"/>
-                <a14:m>
-                  <m:oMath xmlns:m="http://schemas.openxmlformats.org/officeDocument/2006/math">
-                    <m:r>
-                      <a:rPr lang="en-US" sz="2400" i="1" spc="300" dirty="0" smtClean="0">
-                        <a:latin typeface="Cambria Math" panose="02040503050406030204" pitchFamily="18" charset="0"/>
-                        <a:ea typeface="Smiley Sans Oblique" pitchFamily="2" charset="-122"/>
-                      </a:rPr>
-                      <m:t>𝑃𝑁𝐿</m:t>
-                    </m:r>
-                    <m:r>
-                      <a:rPr lang="en-US" sz="2400" i="1" spc="300" dirty="0" smtClean="0">
-                        <a:latin typeface="Cambria Math" panose="02040503050406030204" pitchFamily="18" charset="0"/>
-                        <a:ea typeface="Smiley Sans Oblique" pitchFamily="2" charset="-122"/>
-                      </a:rPr>
-                      <m:t>=%</m:t>
-                    </m:r>
-                    <m:r>
-                      <a:rPr lang="en-US" sz="2400" i="1" spc="300" baseline="-25000" dirty="0" smtClean="0">
-                        <a:latin typeface="Cambria Math" panose="02040503050406030204" pitchFamily="18" charset="0"/>
-                        <a:ea typeface="Smiley Sans Oblique" pitchFamily="2" charset="-122"/>
-                      </a:rPr>
-                      <m:t>𝑀𝑜𝑣𝑖𝑛𝑔</m:t>
-                    </m:r>
-                    <m:r>
-                      <a:rPr lang="en-CA" sz="2400" b="0" i="1" spc="300" baseline="-25000" dirty="0" smtClean="0">
-                        <a:latin typeface="Cambria Math" panose="02040503050406030204" pitchFamily="18" charset="0"/>
-                        <a:ea typeface="Smiley Sans Oblique" pitchFamily="2" charset="-122"/>
-                      </a:rPr>
-                      <m:t> </m:t>
-                    </m:r>
-                    <m:r>
-                      <a:rPr lang="en-US" sz="2400" i="1" spc="300" dirty="0" smtClean="0">
-                        <a:latin typeface="Cambria Math" panose="02040503050406030204" pitchFamily="18" charset="0"/>
-                        <a:ea typeface="Cambria Math" panose="02040503050406030204" pitchFamily="18" charset="0"/>
-                      </a:rPr>
-                      <m:t>×</m:t>
-                    </m:r>
-                    <m:r>
-                      <a:rPr lang="en-CA" sz="2400" b="0" i="1" spc="300" dirty="0" smtClean="0">
-                        <a:latin typeface="Cambria Math" panose="02040503050406030204" pitchFamily="18" charset="0"/>
-                        <a:ea typeface="Cambria Math" panose="02040503050406030204" pitchFamily="18" charset="0"/>
-                      </a:rPr>
-                      <m:t> </m:t>
-                    </m:r>
-                    <m:r>
-                      <a:rPr lang="en-US" sz="2400" i="1" spc="300" dirty="0" smtClean="0">
-                        <a:latin typeface="Cambria Math" panose="02040503050406030204" pitchFamily="18" charset="0"/>
-                        <a:ea typeface="Smiley Sans Oblique" pitchFamily="2" charset="-122"/>
-                      </a:rPr>
-                      <m:t>#</m:t>
-                    </m:r>
-                    <m:r>
-                      <a:rPr lang="en-US" sz="2400" i="1" spc="300" baseline="-25000" dirty="0" smtClean="0">
-                        <a:latin typeface="Cambria Math" panose="02040503050406030204" pitchFamily="18" charset="0"/>
-                        <a:ea typeface="Smiley Sans Oblique" pitchFamily="2" charset="-122"/>
-                      </a:rPr>
-                      <m:t>𝐿𝑒𝑣𝑒𝑟𝑎𝑔𝑒</m:t>
-                    </m:r>
-                  </m:oMath>
-                </a14:m>
-                <a:endParaRPr lang="en-US" sz="2400" i="0" spc="300" baseline="-25000" dirty="0">
-                  <a:latin typeface="Smiley Sans Oblique" pitchFamily="2" charset="-122"/>
-                  <a:ea typeface="Smiley Sans Oblique" pitchFamily="2" charset="-122"/>
-                </a:endParaRPr>
-              </a:p>
-              <a:p>
-                <a:endParaRPr lang="en-US" sz="2400" dirty="0">
-                  <a:latin typeface="Smiley Sans Oblique" pitchFamily="2" charset="-122"/>
-                  <a:ea typeface="Smiley Sans Oblique" pitchFamily="2" charset="-122"/>
-                </a:endParaRPr>
-              </a:p>
-              <a:p>
-                <a:endParaRPr lang="en-US" dirty="0"/>
-              </a:p>
-            </p:txBody>
-          </p:sp>
-        </mc:Choice>
-        <mc:Fallback xmlns="">
-          <p:sp>
-            <p:nvSpPr>
-              <p:cNvPr id="3" name="Content Placeholder 2">
-                <a:extLst>
-                  <a:ext uri="{FF2B5EF4-FFF2-40B4-BE49-F238E27FC236}">
-                    <a16:creationId xmlns:a16="http://schemas.microsoft.com/office/drawing/2014/main" id="{460F43C3-2F63-6D94-99FA-3716776B4568}"/>
-                  </a:ext>
-                </a:extLst>
-              </p:cNvPr>
-              <p:cNvSpPr>
-                <a:spLocks noGrp="1" noRot="1" noChangeAspect="1" noMove="1" noResize="1" noEditPoints="1" noAdjustHandles="1" noChangeArrowheads="1" noChangeShapeType="1" noTextEdit="1"/>
-              </p:cNvSpPr>
-              <p:nvPr>
-                <p:ph idx="1"/>
-              </p:nvPr>
-            </p:nvSpPr>
-            <p:spPr>
-              <a:blipFill>
-                <a:blip r:embed="rId2"/>
-                <a:stretch>
-                  <a:fillRect l="-925" t="-1767"/>
-                </a:stretch>
-              </a:blipFill>
-            </p:spPr>
-            <p:txBody>
-              <a:bodyPr/>
-              <a:lstStyle/>
-              <a:p>
-                <a:r>
-                  <a:rPr lang="en-US">
-                    <a:noFill/>
-                  </a:rPr>
-                  <a:t> </a:t>
-                </a:r>
-              </a:p>
-            </p:txBody>
-          </p:sp>
-        </mc:Fallback>
-      </mc:AlternateContent>
+      <p:sp>
+        <p:nvSpPr>
+          <p:cNvPr id="3" name="Content Placeholder 2">
+            <a:extLst>
+              <a:ext uri="{FF2B5EF4-FFF2-40B4-BE49-F238E27FC236}">
+                <a16:creationId xmlns:a16="http://schemas.microsoft.com/office/drawing/2014/main" id="{460F43C3-2F63-6D94-99FA-3716776B4568}"/>
+              </a:ext>
+            </a:extLst>
+          </p:cNvPr>
+          <p:cNvSpPr>
+            <a:spLocks noGrp="1"/>
+          </p:cNvSpPr>
+          <p:nvPr>
+            <p:ph idx="1"/>
+          </p:nvPr>
+        </p:nvSpPr>
+        <p:spPr/>
+        <p:txBody>
+          <a:bodyPr/>
+          <a:lstStyle/>
+          <a:p>
+            <a:r>
+              <a:rPr lang="en-US" sz="2400" spc="300" dirty="0">
+                <a:latin typeface="Smiley Sans Oblique" pitchFamily="2" charset="-122"/>
+                <a:ea typeface="Smiley Sans Oblique" pitchFamily="2" charset="-122"/>
+              </a:rPr>
+              <a:t>Liquidation happens when</a:t>
+            </a:r>
+          </a:p>
+          <a:p>
+            <a:pPr lvl="1"/>
+            <a:r>
+              <a:rPr lang="en-US" sz="2400" i="0" spc="300" dirty="0" err="1">
+                <a:latin typeface="Smiley Sans Oblique" pitchFamily="2" charset="-122"/>
+                <a:ea typeface="Smiley Sans Oblique" pitchFamily="2" charset="-122"/>
+              </a:rPr>
+              <a:t>PNL</a:t>
+            </a:r>
+            <a:r>
+              <a:rPr lang="en-US" sz="2400" i="0" spc="300" baseline="-25000" dirty="0" err="1">
+                <a:latin typeface="Smiley Sans Oblique" pitchFamily="2" charset="-122"/>
+                <a:ea typeface="Smiley Sans Oblique" pitchFamily="2" charset="-122"/>
+              </a:rPr>
+              <a:t>Loss</a:t>
+            </a:r>
+            <a:r>
+              <a:rPr lang="en-US" sz="2400" i="0" spc="300" baseline="-25000" dirty="0">
+                <a:latin typeface="Smiley Sans Oblique" pitchFamily="2" charset="-122"/>
+                <a:ea typeface="Smiley Sans Oblique" pitchFamily="2" charset="-122"/>
+              </a:rPr>
+              <a:t> </a:t>
+            </a:r>
+            <a:r>
+              <a:rPr lang="en-US" altLang="zh-CN" sz="2400" b="0" i="0" spc="300" dirty="0">
+                <a:latin typeface="Smiley Sans Oblique" pitchFamily="2" charset="-122"/>
+                <a:ea typeface="Smiley Sans Oblique" pitchFamily="2" charset="-122"/>
+              </a:rPr>
+              <a:t>= </a:t>
+            </a:r>
+            <a:r>
+              <a:rPr lang="en-US" altLang="zh-CN" sz="2400" i="0" spc="300" dirty="0">
+                <a:latin typeface="Smiley Sans Oblique" pitchFamily="2" charset="-122"/>
+                <a:ea typeface="Smiley Sans Oblique" pitchFamily="2" charset="-122"/>
+              </a:rPr>
+              <a:t>Risk</a:t>
+            </a:r>
+            <a:r>
+              <a:rPr lang="en-CA" altLang="zh-CN" sz="2400" b="0" i="0" spc="300" dirty="0">
+                <a:latin typeface="Smiley Sans Oblique" pitchFamily="2" charset="-122"/>
+                <a:ea typeface="Smiley Sans Oblique" pitchFamily="2" charset="-122"/>
+              </a:rPr>
+              <a:t> Tolerance </a:t>
+            </a:r>
+            <a:r>
+              <a:rPr lang="en-US" sz="2400" i="0" spc="300" dirty="0">
+                <a:latin typeface="Smiley Sans Oblique" pitchFamily="2" charset="-122"/>
+                <a:ea typeface="Smiley Sans Oblique" pitchFamily="2" charset="-122"/>
+              </a:rPr>
+              <a:t>≈ Total Margin</a:t>
+            </a:r>
+          </a:p>
+          <a:p>
+            <a:pPr lvl="1"/>
+            <a:r>
+              <a:rPr lang="en-US" sz="2400" i="0" spc="300" dirty="0">
+                <a:latin typeface="Smiley Sans Oblique" pitchFamily="2" charset="-122"/>
+                <a:ea typeface="Smiley Sans Oblique" pitchFamily="2" charset="-122"/>
+              </a:rPr>
+              <a:t>Extra fees charged for liquidation</a:t>
+            </a:r>
+          </a:p>
+          <a:p>
+            <a:endParaRPr lang="en-US" sz="2400" i="0" spc="300" dirty="0">
+              <a:latin typeface="Smiley Sans Oblique" pitchFamily="2" charset="-122"/>
+              <a:ea typeface="Smiley Sans Oblique" pitchFamily="2" charset="-122"/>
+            </a:endParaRPr>
+          </a:p>
+          <a:p>
+            <a:r>
+              <a:rPr lang="en-US" sz="2400" i="0" spc="300" dirty="0" err="1">
+                <a:latin typeface="Smiley Sans Oblique" pitchFamily="2" charset="-122"/>
+                <a:ea typeface="Smiley Sans Oblique" pitchFamily="2" charset="-122"/>
+              </a:rPr>
+              <a:t>清算强平</a:t>
+            </a:r>
+            <a:endParaRPr lang="en-US" sz="2400" i="0" spc="300" dirty="0">
+              <a:latin typeface="Smiley Sans Oblique" pitchFamily="2" charset="-122"/>
+              <a:ea typeface="Smiley Sans Oblique" pitchFamily="2" charset="-122"/>
+            </a:endParaRPr>
+          </a:p>
+          <a:p>
+            <a:pPr lvl="1"/>
+            <a:r>
+              <a:rPr lang="en-US" sz="2400" i="0" spc="300" dirty="0" err="1">
+                <a:latin typeface="Smiley Sans Oblique" pitchFamily="2" charset="-122"/>
+                <a:ea typeface="Smiley Sans Oblique" pitchFamily="2" charset="-122"/>
+              </a:rPr>
+              <a:t>整体损失等于最高风险承受值</a:t>
+            </a:r>
+            <a:r>
+              <a:rPr lang="zh-CN" altLang="en-US" sz="2400" i="0" spc="300" dirty="0">
+                <a:latin typeface="Smiley Sans Oblique" pitchFamily="2" charset="-122"/>
+                <a:ea typeface="Smiley Sans Oblique" pitchFamily="2" charset="-122"/>
+              </a:rPr>
+              <a:t>，</a:t>
+            </a:r>
+            <a:r>
+              <a:rPr lang="en-US" sz="2400" i="0" spc="300" dirty="0" err="1">
+                <a:latin typeface="Smiley Sans Oblique" pitchFamily="2" charset="-122"/>
+                <a:ea typeface="Smiley Sans Oblique" pitchFamily="2" charset="-122"/>
+              </a:rPr>
+              <a:t>接近全部保证金</a:t>
+            </a:r>
+            <a:endParaRPr lang="en-US" sz="2400" i="0" spc="300" dirty="0">
+              <a:latin typeface="Smiley Sans Oblique" pitchFamily="2" charset="-122"/>
+              <a:ea typeface="Smiley Sans Oblique" pitchFamily="2" charset="-122"/>
+            </a:endParaRPr>
+          </a:p>
+          <a:p>
+            <a:pPr lvl="1"/>
+            <a:r>
+              <a:rPr lang="en-US" sz="2400" i="0" spc="300" dirty="0" err="1">
+                <a:latin typeface="Smiley Sans Oblique" pitchFamily="2" charset="-122"/>
+                <a:ea typeface="Smiley Sans Oblique" pitchFamily="2" charset="-122"/>
+              </a:rPr>
+              <a:t>强平需要支付费用</a:t>
+            </a:r>
+            <a:endParaRPr lang="en-US" sz="2400" i="0" spc="300" dirty="0">
+              <a:latin typeface="Smiley Sans Oblique" pitchFamily="2" charset="-122"/>
+              <a:ea typeface="Smiley Sans Oblique" pitchFamily="2" charset="-122"/>
+            </a:endParaRPr>
+          </a:p>
+          <a:p>
+            <a:endParaRPr lang="en-US" dirty="0"/>
+          </a:p>
+        </p:txBody>
+      </p:sp>
       <p:sp>
         <p:nvSpPr>
           <p:cNvPr id="4" name="Footer Placeholder 3">
@@ -6093,7 +9555,7 @@
     </p:spTree>
     <p:extLst>
       <p:ext uri="{BB962C8B-B14F-4D97-AF65-F5344CB8AC3E}">
-        <p14:creationId xmlns:p14="http://schemas.microsoft.com/office/powerpoint/2010/main" val="2052171201"/>
+        <p14:creationId xmlns:p14="http://schemas.microsoft.com/office/powerpoint/2010/main" val="4186939535"/>
       </p:ext>
     </p:extLst>
   </p:cSld>
@@ -6106,6 +9568,14 @@
 <file path=ppt/slides/slide8.xml><?xml version="1.0" encoding="utf-8"?>
 <p:sld xmlns:a="http://schemas.openxmlformats.org/drawingml/2006/main" xmlns:r="http://schemas.openxmlformats.org/officeDocument/2006/relationships" xmlns:p="http://schemas.openxmlformats.org/presentationml/2006/main">
   <p:cSld>
+    <p:bg>
+      <p:bgPr>
+        <a:solidFill>
+          <a:schemeClr val="bg2"/>
+        </a:solidFill>
+        <a:effectLst/>
+      </p:bgPr>
+    </p:bg>
     <p:spTree>
       <p:nvGrpSpPr>
         <p:cNvPr id="1" name=""/>
@@ -6136,9 +9606,16 @@
             <p:ph type="title"/>
           </p:nvPr>
         </p:nvSpPr>
-        <p:spPr/>
+        <p:spPr>
+          <a:xfrm>
+            <a:off x="1371600" y="685800"/>
+            <a:ext cx="9601200" cy="1485900"/>
+          </a:xfrm>
+        </p:spPr>
         <p:txBody>
-          <a:bodyPr/>
+          <a:bodyPr>
+            <a:normAutofit/>
+          </a:bodyPr>
           <a:lstStyle/>
           <a:p>
             <a:r>
@@ -6146,7 +9623,7 @@
                 <a:latin typeface="Smiley Sans Oblique" pitchFamily="2" charset="-122"/>
                 <a:ea typeface="Smiley Sans Oblique" pitchFamily="2" charset="-122"/>
               </a:rPr>
-              <a:t>LEVERAGE TRADING</a:t>
+              <a:t>POSITION CONTROL</a:t>
             </a:r>
             <a:br>
               <a:rPr lang="en-US" spc="300" dirty="0">
@@ -6155,11 +9632,11 @@
               </a:rPr>
             </a:br>
             <a:r>
-              <a:rPr lang="en-US" sz="3600" spc="300" dirty="0">
-                <a:latin typeface="Smiley Sans Oblique" pitchFamily="2" charset="-122"/>
-                <a:ea typeface="Smiley Sans Oblique" pitchFamily="2" charset="-122"/>
-              </a:rPr>
-              <a:t>Liquidation</a:t>
+              <a:rPr lang="en-CA" sz="3600" spc="300" dirty="0">
+                <a:latin typeface="Smiley Sans Oblique" pitchFamily="2" charset="-122"/>
+                <a:ea typeface="Smiley Sans Oblique" pitchFamily="2" charset="-122"/>
+              </a:rPr>
+              <a:t>Expected Return</a:t>
             </a:r>
             <a:endParaRPr lang="en-US" spc="300" dirty="0">
               <a:latin typeface="Smiley Sans Oblique" pitchFamily="2" charset="-122"/>
@@ -6168,181 +9645,43 @@
           </a:p>
         </p:txBody>
       </p:sp>
-      <mc:AlternateContent xmlns:mc="http://schemas.openxmlformats.org/markup-compatibility/2006" xmlns:a14="http://schemas.microsoft.com/office/drawing/2010/main">
-        <mc:Choice Requires="a14">
-          <p:sp>
-            <p:nvSpPr>
-              <p:cNvPr id="3" name="Content Placeholder 2">
-                <a:extLst>
-                  <a:ext uri="{FF2B5EF4-FFF2-40B4-BE49-F238E27FC236}">
-                    <a16:creationId xmlns:a16="http://schemas.microsoft.com/office/drawing/2014/main" id="{460F43C3-2F63-6D94-99FA-3716776B4568}"/>
-                  </a:ext>
-                </a:extLst>
-              </p:cNvPr>
-              <p:cNvSpPr>
-                <a:spLocks noGrp="1"/>
-              </p:cNvSpPr>
-              <p:nvPr>
-                <p:ph idx="1"/>
-              </p:nvPr>
-            </p:nvSpPr>
-            <p:spPr/>
-            <p:txBody>
-              <a:bodyPr/>
-              <a:lstStyle/>
-              <a:p>
-                <a:r>
-                  <a:rPr lang="en-US" sz="2400" spc="300" dirty="0">
-                    <a:latin typeface="Smiley Sans Oblique" pitchFamily="2" charset="-122"/>
-                    <a:ea typeface="Smiley Sans Oblique" pitchFamily="2" charset="-122"/>
-                  </a:rPr>
-                  <a:t>Leverage doesn’t amplify loss tolerance </a:t>
-                </a:r>
-              </a:p>
-              <a:p>
-                <a:r>
-                  <a:rPr lang="en-US" sz="2400" spc="300" dirty="0">
-                    <a:latin typeface="Smiley Sans Oblique" pitchFamily="2" charset="-122"/>
-                    <a:ea typeface="Smiley Sans Oblique" pitchFamily="2" charset="-122"/>
-                  </a:rPr>
-                  <a:t>Exchanges don’t take further risk </a:t>
-                </a:r>
-              </a:p>
-              <a:p>
-                <a:r>
-                  <a:rPr lang="en-US" sz="2400" spc="300" dirty="0">
-                    <a:latin typeface="Smiley Sans Oblique" pitchFamily="2" charset="-122"/>
-                    <a:ea typeface="Smiley Sans Oblique" pitchFamily="2" charset="-122"/>
-                  </a:rPr>
-                  <a:t>Liquidation happens when</a:t>
-                </a:r>
-              </a:p>
-              <a:p>
-                <a:pPr lvl="1"/>
-                <a14:m>
-                  <m:oMath xmlns:m="http://schemas.openxmlformats.org/officeDocument/2006/math">
-                    <m:r>
-                      <a:rPr lang="en-US" sz="2400" i="1" spc="300" dirty="0" smtClean="0">
-                        <a:latin typeface="Cambria Math" panose="02040503050406030204" pitchFamily="18" charset="0"/>
-                        <a:ea typeface="Smiley Sans Oblique" pitchFamily="2" charset="-122"/>
-                      </a:rPr>
-                      <m:t>𝑃𝑁𝐿</m:t>
-                    </m:r>
-                    <m:r>
-                      <a:rPr lang="en-US" sz="2400" i="1" spc="300" baseline="-25000" dirty="0" err="1" smtClean="0">
-                        <a:latin typeface="Cambria Math" panose="02040503050406030204" pitchFamily="18" charset="0"/>
-                        <a:ea typeface="Smiley Sans Oblique" pitchFamily="2" charset="-122"/>
-                      </a:rPr>
-                      <m:t>𝐿𝑜𝑠𝑠</m:t>
-                    </m:r>
-                    <m:r>
-                      <a:rPr lang="en-US" sz="2400" i="1" spc="300" dirty="0" smtClean="0">
-                        <a:latin typeface="Cambria Math" panose="02040503050406030204" pitchFamily="18" charset="0"/>
-                        <a:ea typeface="Smiley Sans Oblique" pitchFamily="2" charset="-122"/>
-                      </a:rPr>
-                      <m:t> </m:t>
-                    </m:r>
-                    <m:r>
-                      <a:rPr lang="en-US" sz="2400" i="1" spc="300" dirty="0" smtClean="0">
-                        <a:latin typeface="Cambria Math" panose="02040503050406030204" pitchFamily="18" charset="0"/>
-                        <a:ea typeface="Cambria Math" panose="02040503050406030204" pitchFamily="18" charset="0"/>
-                      </a:rPr>
-                      <m:t>≈</m:t>
-                    </m:r>
-                    <m:r>
-                      <a:rPr lang="en-US" sz="2400" i="1" spc="300" dirty="0" smtClean="0">
-                        <a:latin typeface="Cambria Math" panose="02040503050406030204" pitchFamily="18" charset="0"/>
-                        <a:ea typeface="Smiley Sans Oblique" pitchFamily="2" charset="-122"/>
-                      </a:rPr>
-                      <m:t> </m:t>
-                    </m:r>
-                    <m:r>
-                      <a:rPr lang="en-US" sz="2400" i="1" spc="300" dirty="0" smtClean="0">
-                        <a:latin typeface="Cambria Math" panose="02040503050406030204" pitchFamily="18" charset="0"/>
-                        <a:ea typeface="Smiley Sans Oblique" pitchFamily="2" charset="-122"/>
-                      </a:rPr>
-                      <m:t>𝑇𝑜𝑡𝑎𝑙</m:t>
-                    </m:r>
-                    <m:r>
-                      <a:rPr lang="en-US" sz="2400" i="1" spc="300" dirty="0" smtClean="0">
-                        <a:latin typeface="Cambria Math" panose="02040503050406030204" pitchFamily="18" charset="0"/>
-                        <a:ea typeface="Smiley Sans Oblique" pitchFamily="2" charset="-122"/>
-                      </a:rPr>
-                      <m:t> </m:t>
-                    </m:r>
-                    <m:r>
-                      <a:rPr lang="en-US" sz="2400" i="1" spc="300" dirty="0" smtClean="0">
-                        <a:latin typeface="Cambria Math" panose="02040503050406030204" pitchFamily="18" charset="0"/>
-                        <a:ea typeface="Smiley Sans Oblique" pitchFamily="2" charset="-122"/>
-                      </a:rPr>
-                      <m:t>𝑀𝑎𝑟𝑔𝑖𝑛</m:t>
-                    </m:r>
-                  </m:oMath>
-                </a14:m>
-                <a:endParaRPr lang="en-US" sz="2400" i="0" spc="300" dirty="0"/>
-              </a:p>
-              <a:p>
-                <a:pPr lvl="1"/>
-                <a:r>
-                  <a:rPr lang="en-US" sz="2400" i="0" spc="300" dirty="0">
-                    <a:latin typeface="Smiley Sans Oblique" pitchFamily="2" charset="-122"/>
-                    <a:ea typeface="Smiley Sans Oblique" pitchFamily="2" charset="-122"/>
-                  </a:rPr>
-                  <a:t>Extra fees charged for liquidation</a:t>
-                </a:r>
-              </a:p>
-              <a:p>
-                <a:endParaRPr lang="en-US" dirty="0"/>
-              </a:p>
-            </p:txBody>
-          </p:sp>
-        </mc:Choice>
-        <mc:Fallback xmlns="">
-          <p:sp>
-            <p:nvSpPr>
-              <p:cNvPr id="3" name="Content Placeholder 2">
-                <a:extLst>
-                  <a:ext uri="{FF2B5EF4-FFF2-40B4-BE49-F238E27FC236}">
-                    <a16:creationId xmlns:a16="http://schemas.microsoft.com/office/drawing/2014/main" id="{460F43C3-2F63-6D94-99FA-3716776B4568}"/>
-                  </a:ext>
-                </a:extLst>
-              </p:cNvPr>
-              <p:cNvSpPr>
-                <a:spLocks noGrp="1" noRot="1" noChangeAspect="1" noMove="1" noResize="1" noEditPoints="1" noAdjustHandles="1" noChangeArrowheads="1" noChangeShapeType="1" noTextEdit="1"/>
-              </p:cNvSpPr>
-              <p:nvPr>
-                <p:ph idx="1"/>
-              </p:nvPr>
-            </p:nvSpPr>
-            <p:spPr>
-              <a:blipFill>
-                <a:blip r:embed="rId2"/>
-                <a:stretch>
-                  <a:fillRect l="-925" t="-1767"/>
-                </a:stretch>
-              </a:blipFill>
-            </p:spPr>
-            <p:txBody>
-              <a:bodyPr/>
-              <a:lstStyle/>
-              <a:p>
-                <a:r>
-                  <a:rPr lang="en-US">
-                    <a:noFill/>
-                  </a:rPr>
-                  <a:t> </a:t>
-                </a:r>
-              </a:p>
-            </p:txBody>
-          </p:sp>
-        </mc:Fallback>
-      </mc:AlternateContent>
+      <p:graphicFrame>
+        <p:nvGraphicFramePr>
+          <p:cNvPr id="6" name="Content Placeholder 2">
+            <a:extLst>
+              <a:ext uri="{FF2B5EF4-FFF2-40B4-BE49-F238E27FC236}">
+                <a16:creationId xmlns:a16="http://schemas.microsoft.com/office/drawing/2014/main" id="{CE935ED5-55FF-727B-6556-3D8E53DDC72A}"/>
+              </a:ext>
+            </a:extLst>
+          </p:cNvPr>
+          <p:cNvGraphicFramePr>
+            <a:graphicFrameLocks noGrp="1"/>
+          </p:cNvGraphicFramePr>
+          <p:nvPr>
+            <p:ph idx="1"/>
+            <p:extLst>
+              <p:ext uri="{D42A27DB-BD31-4B8C-83A1-F6EECF244321}">
+                <p14:modId xmlns:p14="http://schemas.microsoft.com/office/powerpoint/2010/main" val="1248485349"/>
+              </p:ext>
+            </p:extLst>
+          </p:nvPr>
+        </p:nvGraphicFramePr>
+        <p:xfrm>
+          <a:off x="1371600" y="2286000"/>
+          <a:ext cx="9601200" cy="3581400"/>
+        </p:xfrm>
+        <a:graphic>
+          <a:graphicData uri="http://schemas.openxmlformats.org/drawingml/2006/diagram">
+            <dgm:relIds xmlns:dgm="http://schemas.openxmlformats.org/drawingml/2006/diagram" xmlns:r="http://schemas.openxmlformats.org/officeDocument/2006/relationships" r:dm="rId2" r:lo="rId3" r:qs="rId4" r:cs="rId5"/>
+          </a:graphicData>
+        </a:graphic>
+      </p:graphicFrame>
       <p:sp>
         <p:nvSpPr>
-          <p:cNvPr id="4" name="Footer Placeholder 3">
+          <p:cNvPr id="5" name="Footer Placeholder 3">
             <a:extLst>
               <a:ext uri="{FF2B5EF4-FFF2-40B4-BE49-F238E27FC236}">
-                <a16:creationId xmlns:a16="http://schemas.microsoft.com/office/drawing/2014/main" id="{F695BF81-C11F-8BA4-F9E2-F15E0873176A}"/>
+                <a16:creationId xmlns:a16="http://schemas.microsoft.com/office/drawing/2014/main" id="{87AB76A9-E086-D7F6-51BD-3972EF0A786E}"/>
               </a:ext>
             </a:extLst>
           </p:cNvPr>
@@ -6377,7 +9716,7 @@
     </p:spTree>
     <p:extLst>
       <p:ext uri="{BB962C8B-B14F-4D97-AF65-F5344CB8AC3E}">
-        <p14:creationId xmlns:p14="http://schemas.microsoft.com/office/powerpoint/2010/main" val="4186939535"/>
+        <p14:creationId xmlns:p14="http://schemas.microsoft.com/office/powerpoint/2010/main" val="2052171201"/>
       </p:ext>
     </p:extLst>
   </p:cSld>
@@ -6430,7 +9769,7 @@
                 <a:latin typeface="Smiley Sans Oblique" pitchFamily="2" charset="-122"/>
                 <a:ea typeface="Smiley Sans Oblique" pitchFamily="2" charset="-122"/>
               </a:rPr>
-              <a:t>LEVERAGE TRADING</a:t>
+              <a:t>POSITION CONTROL</a:t>
             </a:r>
             <a:br>
               <a:rPr lang="en-US" spc="300" dirty="0">
@@ -6443,7 +9782,7 @@
                 <a:latin typeface="Smiley Sans Oblique" pitchFamily="2" charset="-122"/>
                 <a:ea typeface="Smiley Sans Oblique" pitchFamily="2" charset="-122"/>
               </a:rPr>
-              <a:t>Fees</a:t>
+              <a:t>Expected Return</a:t>
             </a:r>
             <a:endParaRPr lang="en-US" spc="300" dirty="0">
               <a:latin typeface="Smiley Sans Oblique" pitchFamily="2" charset="-122"/>
@@ -6478,18 +9817,102 @@
                 <a:latin typeface="Smiley Sans Oblique" pitchFamily="2" charset="-122"/>
                 <a:ea typeface="Smiley Sans Oblique" pitchFamily="2" charset="-122"/>
               </a:rPr>
-              <a:t>Interests and Funding Fees</a:t>
-            </a:r>
+              <a:t>Average Gain and Loss </a:t>
+            </a:r>
+            <a:r>
+              <a:rPr lang="en-US" sz="2400" spc="300" dirty="0" err="1">
+                <a:latin typeface="Smiley Sans Oblique" pitchFamily="2" charset="-122"/>
+                <a:ea typeface="Smiley Sans Oblique" pitchFamily="2" charset="-122"/>
+              </a:rPr>
+              <a:t>平均收益和损失</a:t>
+            </a:r>
+            <a:endParaRPr lang="en-US" sz="2400" spc="300" dirty="0">
+              <a:latin typeface="Smiley Sans Oblique" pitchFamily="2" charset="-122"/>
+              <a:ea typeface="Smiley Sans Oblique" pitchFamily="2" charset="-122"/>
+            </a:endParaRPr>
           </a:p>
           <a:p>
             <a:pPr lvl="1"/>
             <a:r>
+              <a:rPr lang="en-US" sz="2400" i="0" spc="300" dirty="0" err="1">
+                <a:latin typeface="Smiley Sans Oblique" pitchFamily="2" charset="-122"/>
+                <a:ea typeface="Smiley Sans Oblique" pitchFamily="2" charset="-122"/>
+              </a:rPr>
+              <a:t>AvgGain</a:t>
+            </a:r>
+            <a:r>
               <a:rPr lang="en-US" sz="2400" i="0" spc="300" dirty="0">
                 <a:latin typeface="Smiley Sans Oblique" pitchFamily="2" charset="-122"/>
                 <a:ea typeface="Smiley Sans Oblique" pitchFamily="2" charset="-122"/>
               </a:rPr>
-              <a:t>Periodically (per hour or per 8-hour) </a:t>
-            </a:r>
+              <a:t> = RR * SL * Lev </a:t>
+            </a:r>
+            <a:r>
+              <a:rPr lang="en-US" altLang="zh-CN" sz="2400" i="0" spc="300" dirty="0">
+                <a:latin typeface="Smiley Sans Oblique" pitchFamily="2" charset="-122"/>
+                <a:ea typeface="Smiley Sans Oblique" pitchFamily="2" charset="-122"/>
+              </a:rPr>
+              <a:t>-C</a:t>
+            </a:r>
+            <a:endParaRPr lang="en-US" sz="2400" i="0" spc="300" dirty="0">
+              <a:latin typeface="Smiley Sans Oblique" pitchFamily="2" charset="-122"/>
+              <a:ea typeface="Smiley Sans Oblique" pitchFamily="2" charset="-122"/>
+            </a:endParaRPr>
+          </a:p>
+          <a:p>
+            <a:pPr lvl="1"/>
+            <a:r>
+              <a:rPr lang="en-US" sz="2400" i="0" spc="300" dirty="0" err="1">
+                <a:latin typeface="Smiley Sans Oblique" pitchFamily="2" charset="-122"/>
+                <a:ea typeface="Smiley Sans Oblique" pitchFamily="2" charset="-122"/>
+              </a:rPr>
+              <a:t>AvgLoss</a:t>
+            </a:r>
+            <a:r>
+              <a:rPr lang="en-US" sz="2400" i="0" spc="300" dirty="0">
+                <a:latin typeface="Smiley Sans Oblique" pitchFamily="2" charset="-122"/>
+                <a:ea typeface="Smiley Sans Oblique" pitchFamily="2" charset="-122"/>
+              </a:rPr>
+              <a:t> = SL * Lev</a:t>
+            </a:r>
+            <a:r>
+              <a:rPr lang="zh-CN" altLang="en-US" sz="2400" i="0" spc="300" dirty="0">
+                <a:latin typeface="Smiley Sans Oblique" pitchFamily="2" charset="-122"/>
+                <a:ea typeface="Smiley Sans Oblique" pitchFamily="2" charset="-122"/>
+              </a:rPr>
+              <a:t> </a:t>
+            </a:r>
+            <a:r>
+              <a:rPr lang="en-US" altLang="zh-CN" sz="2400" i="0" spc="300" dirty="0">
+                <a:latin typeface="Smiley Sans Oblique" pitchFamily="2" charset="-122"/>
+                <a:ea typeface="Smiley Sans Oblique" pitchFamily="2" charset="-122"/>
+              </a:rPr>
+              <a:t>+</a:t>
+            </a:r>
+            <a:r>
+              <a:rPr lang="zh-CN" altLang="en-US" sz="2400" i="0" spc="300" dirty="0">
+                <a:latin typeface="Smiley Sans Oblique" pitchFamily="2" charset="-122"/>
+                <a:ea typeface="Smiley Sans Oblique" pitchFamily="2" charset="-122"/>
+              </a:rPr>
+              <a:t> </a:t>
+            </a:r>
+            <a:r>
+              <a:rPr lang="en-US" altLang="zh-CN" sz="2400" i="0" spc="300" dirty="0">
+                <a:latin typeface="Smiley Sans Oblique" pitchFamily="2" charset="-122"/>
+                <a:ea typeface="Smiley Sans Oblique" pitchFamily="2" charset="-122"/>
+              </a:rPr>
+              <a:t>C</a:t>
+            </a:r>
+            <a:endParaRPr lang="en-US" sz="2400" i="0" spc="300" dirty="0">
+              <a:latin typeface="Smiley Sans Oblique" pitchFamily="2" charset="-122"/>
+              <a:ea typeface="Smiley Sans Oblique" pitchFamily="2" charset="-122"/>
+            </a:endParaRPr>
+          </a:p>
+          <a:p>
+            <a:endParaRPr lang="en-US" sz="2400" spc="300" dirty="0">
+              <a:latin typeface="Smiley Sans Oblique" pitchFamily="2" charset="-122"/>
+              <a:ea typeface="Smiley Sans Oblique" pitchFamily="2" charset="-122"/>
+            </a:endParaRPr>
           </a:p>
           <a:p>
             <a:r>
@@ -6497,8 +9920,19 @@
                 <a:latin typeface="Smiley Sans Oblique" pitchFamily="2" charset="-122"/>
                 <a:ea typeface="Smiley Sans Oblique" pitchFamily="2" charset="-122"/>
               </a:rPr>
-              <a:t>Trading Fees</a:t>
-            </a:r>
+              <a:t>Expected Return </a:t>
+            </a:r>
+            <a:r>
+              <a:rPr lang="en-US" sz="2400" spc="300" dirty="0" err="1">
+                <a:latin typeface="Smiley Sans Oblique" pitchFamily="2" charset="-122"/>
+                <a:ea typeface="Smiley Sans Oblique" pitchFamily="2" charset="-122"/>
+              </a:rPr>
+              <a:t>回报期望</a:t>
+            </a:r>
+            <a:endParaRPr lang="en-US" sz="2400" spc="300" dirty="0">
+              <a:latin typeface="Smiley Sans Oblique" pitchFamily="2" charset="-122"/>
+              <a:ea typeface="Smiley Sans Oblique" pitchFamily="2" charset="-122"/>
+            </a:endParaRPr>
           </a:p>
           <a:p>
             <a:pPr lvl="1"/>
@@ -6507,10 +9941,71 @@
                 <a:latin typeface="Smiley Sans Oblique" pitchFamily="2" charset="-122"/>
                 <a:ea typeface="Smiley Sans Oblique" pitchFamily="2" charset="-122"/>
               </a:rPr>
-              <a:t>Each transection (enter or exit)</a:t>
-            </a:r>
-          </a:p>
-          <a:p>
+              <a:t>ER = </a:t>
+            </a:r>
+            <a:r>
+              <a:rPr lang="en-US" sz="2400" i="0" spc="300" dirty="0" err="1">
+                <a:latin typeface="Smiley Sans Oblique" pitchFamily="2" charset="-122"/>
+                <a:ea typeface="Smiley Sans Oblique" pitchFamily="2" charset="-122"/>
+              </a:rPr>
+              <a:t>P</a:t>
+            </a:r>
+            <a:r>
+              <a:rPr lang="en-US" sz="2400" i="0" spc="300" baseline="-25000" dirty="0" err="1">
+                <a:latin typeface="Smiley Sans Oblique" pitchFamily="2" charset="-122"/>
+                <a:ea typeface="Smiley Sans Oblique" pitchFamily="2" charset="-122"/>
+              </a:rPr>
+              <a:t>win</a:t>
+            </a:r>
+            <a:r>
+              <a:rPr lang="en-US" sz="2400" i="0" spc="300" dirty="0">
+                <a:latin typeface="Smiley Sans Oblique" pitchFamily="2" charset="-122"/>
+                <a:ea typeface="Smiley Sans Oblique" pitchFamily="2" charset="-122"/>
+              </a:rPr>
+              <a:t> * </a:t>
+            </a:r>
+            <a:r>
+              <a:rPr lang="en-US" sz="2400" i="0" spc="300" dirty="0" err="1">
+                <a:latin typeface="Smiley Sans Oblique" pitchFamily="2" charset="-122"/>
+                <a:ea typeface="Smiley Sans Oblique" pitchFamily="2" charset="-122"/>
+              </a:rPr>
+              <a:t>AvgGain</a:t>
+            </a:r>
+            <a:r>
+              <a:rPr lang="en-US" sz="2400" i="0" spc="300" dirty="0">
+                <a:latin typeface="Smiley Sans Oblique" pitchFamily="2" charset="-122"/>
+                <a:ea typeface="Smiley Sans Oblique" pitchFamily="2" charset="-122"/>
+              </a:rPr>
+              <a:t> – (1 – </a:t>
+            </a:r>
+            <a:r>
+              <a:rPr lang="en-US" sz="2400" i="0" spc="300" dirty="0" err="1">
+                <a:latin typeface="Smiley Sans Oblique" pitchFamily="2" charset="-122"/>
+                <a:ea typeface="Smiley Sans Oblique" pitchFamily="2" charset="-122"/>
+              </a:rPr>
+              <a:t>P</a:t>
+            </a:r>
+            <a:r>
+              <a:rPr lang="en-US" sz="2400" i="0" spc="300" baseline="-25000" dirty="0" err="1">
+                <a:latin typeface="Smiley Sans Oblique" pitchFamily="2" charset="-122"/>
+                <a:ea typeface="Smiley Sans Oblique" pitchFamily="2" charset="-122"/>
+              </a:rPr>
+              <a:t>win</a:t>
+            </a:r>
+            <a:r>
+              <a:rPr lang="en-US" sz="2400" i="0" spc="300" dirty="0">
+                <a:latin typeface="Smiley Sans Oblique" pitchFamily="2" charset="-122"/>
+                <a:ea typeface="Smiley Sans Oblique" pitchFamily="2" charset="-122"/>
+              </a:rPr>
+              <a:t>) * </a:t>
+            </a:r>
+            <a:r>
+              <a:rPr lang="en-US" sz="2400" i="0" spc="300" dirty="0" err="1">
+                <a:latin typeface="Smiley Sans Oblique" pitchFamily="2" charset="-122"/>
+                <a:ea typeface="Smiley Sans Oblique" pitchFamily="2" charset="-122"/>
+              </a:rPr>
+              <a:t>AvgLoss</a:t>
+            </a:r>
             <a:endParaRPr lang="en-US" dirty="0"/>
           </a:p>
         </p:txBody>
